--- a/Documentation/Introduction_to_Naked_Functions programming conventions.pptx
+++ b/Documentation/Introduction_to_Naked_Functions programming conventions.pptx
@@ -18,14 +18,20 @@
     <p:sldId id="268" r:id="rId12"/>
     <p:sldId id="269" r:id="rId13"/>
     <p:sldId id="271" r:id="rId14"/>
-    <p:sldId id="280" r:id="rId15"/>
-    <p:sldId id="281" r:id="rId16"/>
-    <p:sldId id="282" r:id="rId17"/>
-    <p:sldId id="275" r:id="rId18"/>
-    <p:sldId id="277" r:id="rId19"/>
-    <p:sldId id="283" r:id="rId20"/>
-    <p:sldId id="272" r:id="rId21"/>
-    <p:sldId id="273" r:id="rId22"/>
+    <p:sldId id="290" r:id="rId15"/>
+    <p:sldId id="289" r:id="rId16"/>
+    <p:sldId id="291" r:id="rId17"/>
+    <p:sldId id="280" r:id="rId18"/>
+    <p:sldId id="281" r:id="rId19"/>
+    <p:sldId id="285" r:id="rId20"/>
+    <p:sldId id="286" r:id="rId21"/>
+    <p:sldId id="287" r:id="rId22"/>
+    <p:sldId id="288" r:id="rId23"/>
+    <p:sldId id="275" r:id="rId24"/>
+    <p:sldId id="277" r:id="rId25"/>
+    <p:sldId id="283" r:id="rId26"/>
+    <p:sldId id="272" r:id="rId27"/>
+    <p:sldId id="273" r:id="rId28"/>
   </p:sldIdLst>
   <p:sldSz cx="12192000" cy="6858000"/>
   <p:notesSz cx="6858000" cy="9144000"/>
@@ -134,7 +140,7 @@
 
 <file path=ppt/commentAuthors.xml><?xml version="1.0" encoding="utf-8"?>
 <p:cmAuthorLst xmlns:a="http://schemas.openxmlformats.org/drawingml/2006/main" xmlns:r="http://schemas.openxmlformats.org/officeDocument/2006/relationships" xmlns:p="http://schemas.openxmlformats.org/presentationml/2006/main">
-  <p:cmAuthor id="1" name="Richard Pawson" initials="RP" lastIdx="1" clrIdx="0">
+  <p:cmAuthor id="1" name="Richard Pawson" initials="RP" lastIdx="2" clrIdx="0">
     <p:extLst>
       <p:ext uri="{19B8F6BF-5375-455C-9EA6-DF929625EA0E}">
         <p15:presenceInfo xmlns:p15="http://schemas.microsoft.com/office/powerpoint/2012/main" userId="fc4c175b57fd2e55" providerId="Windows Live"/>
@@ -924,7 +930,7 @@
           <a:p>
             <a:fld id="{E3F01F1A-3FFE-456C-AE2E-C951E976C8D1}" type="datetimeFigureOut">
               <a:rPr lang="en-GB" smtClean="0"/>
-              <a:t>27/02/2021</a:t>
+              <a:t>02/03/2021</a:t>
             </a:fld>
             <a:endParaRPr lang="en-GB"/>
           </a:p>
@@ -1124,7 +1130,7 @@
           <a:p>
             <a:fld id="{E3F01F1A-3FFE-456C-AE2E-C951E976C8D1}" type="datetimeFigureOut">
               <a:rPr lang="en-GB" smtClean="0"/>
-              <a:t>27/02/2021</a:t>
+              <a:t>02/03/2021</a:t>
             </a:fld>
             <a:endParaRPr lang="en-GB"/>
           </a:p>
@@ -1334,7 +1340,7 @@
           <a:p>
             <a:fld id="{E3F01F1A-3FFE-456C-AE2E-C951E976C8D1}" type="datetimeFigureOut">
               <a:rPr lang="en-GB" smtClean="0"/>
-              <a:t>27/02/2021</a:t>
+              <a:t>02/03/2021</a:t>
             </a:fld>
             <a:endParaRPr lang="en-GB"/>
           </a:p>
@@ -1534,7 +1540,7 @@
           <a:p>
             <a:fld id="{E3F01F1A-3FFE-456C-AE2E-C951E976C8D1}" type="datetimeFigureOut">
               <a:rPr lang="en-GB" smtClean="0"/>
-              <a:t>27/02/2021</a:t>
+              <a:t>02/03/2021</a:t>
             </a:fld>
             <a:endParaRPr lang="en-GB"/>
           </a:p>
@@ -1810,7 +1816,7 @@
           <a:p>
             <a:fld id="{E3F01F1A-3FFE-456C-AE2E-C951E976C8D1}" type="datetimeFigureOut">
               <a:rPr lang="en-GB" smtClean="0"/>
-              <a:t>27/02/2021</a:t>
+              <a:t>02/03/2021</a:t>
             </a:fld>
             <a:endParaRPr lang="en-GB"/>
           </a:p>
@@ -2078,7 +2084,7 @@
           <a:p>
             <a:fld id="{E3F01F1A-3FFE-456C-AE2E-C951E976C8D1}" type="datetimeFigureOut">
               <a:rPr lang="en-GB" smtClean="0"/>
-              <a:t>27/02/2021</a:t>
+              <a:t>02/03/2021</a:t>
             </a:fld>
             <a:endParaRPr lang="en-GB"/>
           </a:p>
@@ -2493,7 +2499,7 @@
           <a:p>
             <a:fld id="{E3F01F1A-3FFE-456C-AE2E-C951E976C8D1}" type="datetimeFigureOut">
               <a:rPr lang="en-GB" smtClean="0"/>
-              <a:t>27/02/2021</a:t>
+              <a:t>02/03/2021</a:t>
             </a:fld>
             <a:endParaRPr lang="en-GB"/>
           </a:p>
@@ -2635,7 +2641,7 @@
           <a:p>
             <a:fld id="{E3F01F1A-3FFE-456C-AE2E-C951E976C8D1}" type="datetimeFigureOut">
               <a:rPr lang="en-GB" smtClean="0"/>
-              <a:t>27/02/2021</a:t>
+              <a:t>02/03/2021</a:t>
             </a:fld>
             <a:endParaRPr lang="en-GB"/>
           </a:p>
@@ -2748,7 +2754,7 @@
           <a:p>
             <a:fld id="{E3F01F1A-3FFE-456C-AE2E-C951E976C8D1}" type="datetimeFigureOut">
               <a:rPr lang="en-GB" smtClean="0"/>
-              <a:t>27/02/2021</a:t>
+              <a:t>02/03/2021</a:t>
             </a:fld>
             <a:endParaRPr lang="en-GB"/>
           </a:p>
@@ -3061,7 +3067,7 @@
           <a:p>
             <a:fld id="{E3F01F1A-3FFE-456C-AE2E-C951E976C8D1}" type="datetimeFigureOut">
               <a:rPr lang="en-GB" smtClean="0"/>
-              <a:t>27/02/2021</a:t>
+              <a:t>02/03/2021</a:t>
             </a:fld>
             <a:endParaRPr lang="en-GB"/>
           </a:p>
@@ -3350,7 +3356,7 @@
           <a:p>
             <a:fld id="{E3F01F1A-3FFE-456C-AE2E-C951E976C8D1}" type="datetimeFigureOut">
               <a:rPr lang="en-GB" smtClean="0"/>
-              <a:t>27/02/2021</a:t>
+              <a:t>02/03/2021</a:t>
             </a:fld>
             <a:endParaRPr lang="en-GB"/>
           </a:p>
@@ -3593,7 +3599,7 @@
           <a:p>
             <a:fld id="{E3F01F1A-3FFE-456C-AE2E-C951E976C8D1}" type="datetimeFigureOut">
               <a:rPr lang="en-GB" smtClean="0"/>
-              <a:t>27/02/2021</a:t>
+              <a:t>02/03/2021</a:t>
             </a:fld>
             <a:endParaRPr lang="en-GB"/>
           </a:p>
@@ -4066,66 +4072,48 @@
           <a:lstStyle/>
           <a:p>
             <a:r>
-              <a:rPr lang="en-GB" sz="2400"/>
+              <a:rPr lang="en-GB" sz="2400" dirty="0"/>
               <a:t>Define immutable domain types  as C# 9 records </a:t>
             </a:r>
           </a:p>
           <a:p>
             <a:pPr lvl="1"/>
             <a:r>
-              <a:rPr lang="en-GB" sz="2000"/>
+              <a:rPr lang="en-GB" sz="2000" dirty="0"/>
               <a:t>Persistent types that map to the database (automatically or using EF Mapping)</a:t>
             </a:r>
-            <a:endParaRPr lang="en-GB" sz="2000" dirty="0"/>
           </a:p>
           <a:p>
             <a:pPr lvl="1"/>
             <a:r>
-              <a:rPr lang="en-GB" sz="2000"/>
-              <a:t>View models </a:t>
-            </a:r>
-            <a:r>
               <a:rPr lang="en-GB" sz="2000" dirty="0"/>
-              <a:t>(optional)</a:t>
+              <a:t>View models (optional)</a:t>
             </a:r>
           </a:p>
           <a:p>
             <a:r>
-              <a:rPr lang="en-GB" sz="2400"/>
-              <a:t>Write </a:t>
-            </a:r>
-            <a:r>
               <a:rPr lang="en-GB" sz="2400" dirty="0"/>
-              <a:t>static functions</a:t>
+              <a:t>Write static functions</a:t>
             </a:r>
           </a:p>
           <a:p>
             <a:pPr lvl="1"/>
             <a:r>
-              <a:rPr lang="en-GB" sz="2000"/>
+              <a:rPr lang="en-GB" sz="2000" dirty="0"/>
               <a:t>Freestanding ‘main menu’ functions e.g. to retrieve or create instances</a:t>
             </a:r>
-            <a:endParaRPr lang="en-GB" sz="2000" dirty="0"/>
           </a:p>
           <a:p>
             <a:pPr lvl="1"/>
             <a:r>
               <a:rPr lang="en-GB" sz="2000" dirty="0"/>
-              <a:t>Functions that operate on </a:t>
-            </a:r>
-            <a:r>
-              <a:rPr lang="en-GB" sz="2000"/>
-              <a:t>an a domain instance &amp; will appear on the instance Actions menu</a:t>
+              <a:t>Functions that operate on an a domain instance &amp; will appear on the instance Actions menu</a:t>
             </a:r>
           </a:p>
           <a:p>
             <a:r>
-              <a:rPr lang="en-GB" sz="2400"/>
-              <a:t>Configure </a:t>
-            </a:r>
-            <a:r>
               <a:rPr lang="en-GB" sz="2400" dirty="0"/>
-              <a:t>the generic Server</a:t>
+              <a:t>Configure the generic Server</a:t>
             </a:r>
           </a:p>
           <a:p>
@@ -4138,52 +4126,40 @@
           <a:p>
             <a:pPr lvl="1"/>
             <a:r>
-              <a:rPr lang="en-GB" sz="2000"/>
-              <a:t>Specify the DbContext and connection string</a:t>
+              <a:rPr lang="en-GB" sz="2000" dirty="0"/>
+              <a:t>Specify the </a:t>
+            </a:r>
+            <a:r>
+              <a:rPr lang="en-GB" sz="2000" dirty="0" err="1"/>
+              <a:t>DbContext</a:t>
+            </a:r>
+            <a:r>
+              <a:rPr lang="en-GB" sz="2000" dirty="0"/>
+              <a:t> and connection string</a:t>
             </a:r>
           </a:p>
           <a:p>
             <a:r>
-              <a:rPr lang="en-GB" sz="2400"/>
-              <a:t>Run </a:t>
-            </a:r>
-            <a:r>
               <a:rPr lang="en-GB" sz="2400" dirty="0"/>
-              <a:t>the server </a:t>
-            </a:r>
-            <a:r>
-              <a:rPr lang="en-GB" sz="2400"/>
-              <a:t>and access </a:t>
-            </a:r>
-            <a:r>
-              <a:rPr lang="en-GB" sz="2400" dirty="0"/>
-              <a:t>it via the generic (SPA) client</a:t>
+              <a:t>Run the server and access it via the generic (SPA) client</a:t>
             </a:r>
           </a:p>
           <a:p>
             <a:r>
-              <a:rPr lang="en-GB" sz="2400" i="1"/>
+              <a:rPr lang="en-GB" sz="2400" i="1" dirty="0"/>
               <a:t>Optionally</a:t>
             </a:r>
             <a:r>
-              <a:rPr lang="en-GB" sz="2400"/>
+              <a:rPr lang="en-GB" sz="2400" dirty="0"/>
               <a:t>, and </a:t>
             </a:r>
             <a:r>
-              <a:rPr lang="en-GB" sz="2400" i="1"/>
+              <a:rPr lang="en-GB" sz="2400" i="1" dirty="0"/>
               <a:t>separately:</a:t>
             </a:r>
             <a:r>
-              <a:rPr lang="en-GB" sz="2400"/>
-              <a:t> customise </a:t>
-            </a:r>
-            <a:r>
               <a:rPr lang="en-GB" sz="2400" dirty="0"/>
-              <a:t>the </a:t>
-            </a:r>
-            <a:r>
-              <a:rPr lang="en-GB" sz="2400"/>
-              <a:t>generic client (written in Angular)</a:t>
+              <a:t> customise the generic client (written in Angular)</a:t>
             </a:r>
           </a:p>
         </p:txBody>
@@ -7202,6 +7178,2480 @@
           <p:cNvPr id="2" name="Title 1">
             <a:extLst>
               <a:ext uri="{FF2B5EF4-FFF2-40B4-BE49-F238E27FC236}">
+                <a16:creationId xmlns:a16="http://schemas.microsoft.com/office/drawing/2014/main" id="{F6065630-19EB-403E-ACFD-C8885CAD7432}"/>
+              </a:ext>
+            </a:extLst>
+          </p:cNvPr>
+          <p:cNvSpPr>
+            <a:spLocks noGrp="1"/>
+          </p:cNvSpPr>
+          <p:nvPr>
+            <p:ph type="title"/>
+          </p:nvPr>
+        </p:nvSpPr>
+        <p:spPr/>
+        <p:txBody>
+          <a:bodyPr>
+            <a:normAutofit/>
+          </a:bodyPr>
+          <a:lstStyle/>
+          <a:p>
+            <a:r>
+              <a:rPr lang="en-GB" sz="3200" dirty="0"/>
+              <a:t>Attributes may be used to provide hints, to be interpreted by the client. (Follow links to see examples of use)</a:t>
+            </a:r>
+          </a:p>
+        </p:txBody>
+      </p:sp>
+      <p:sp>
+        <p:nvSpPr>
+          <p:cNvPr id="3" name="Content Placeholder 2">
+            <a:extLst>
+              <a:ext uri="{FF2B5EF4-FFF2-40B4-BE49-F238E27FC236}">
+                <a16:creationId xmlns:a16="http://schemas.microsoft.com/office/drawing/2014/main" id="{3F080663-02D9-4D31-9262-BD1CD7488E21}"/>
+              </a:ext>
+            </a:extLst>
+          </p:cNvPr>
+          <p:cNvSpPr>
+            <a:spLocks noGrp="1"/>
+          </p:cNvSpPr>
+          <p:nvPr>
+            <p:ph idx="1"/>
+          </p:nvPr>
+        </p:nvSpPr>
+        <p:spPr/>
+        <p:txBody>
+          <a:bodyPr numCol="3">
+            <a:normAutofit lnSpcReduction="10000"/>
+          </a:bodyPr>
+          <a:lstStyle/>
+          <a:p>
+            <a:pPr marL="0" indent="0">
+              <a:buNone/>
+            </a:pPr>
+            <a:r>
+              <a:rPr lang="en-GB" sz="2800" dirty="0">
+                <a:hlinkClick r:id="rId2" action="ppaction://hlinksldjump"/>
+              </a:rPr>
+              <a:t>[Bounded]</a:t>
+            </a:r>
+            <a:endParaRPr lang="en-GB" sz="2800" dirty="0"/>
+          </a:p>
+          <a:p>
+            <a:pPr marL="0" indent="0">
+              <a:buNone/>
+            </a:pPr>
+            <a:r>
+              <a:rPr lang="en-GB" sz="2800" dirty="0"/>
+              <a:t>[</a:t>
+            </a:r>
+            <a:r>
+              <a:rPr lang="en-GB" sz="2800" dirty="0" err="1"/>
+              <a:t>CreateNew</a:t>
+            </a:r>
+            <a:r>
+              <a:rPr lang="en-GB" sz="2800" dirty="0"/>
+              <a:t>]</a:t>
+            </a:r>
+          </a:p>
+          <a:p>
+            <a:pPr marL="0" indent="0">
+              <a:buNone/>
+            </a:pPr>
+            <a:r>
+              <a:rPr lang="en-GB" sz="2800" dirty="0">
+                <a:hlinkClick r:id="rId3" action="ppaction://hlinksldjump"/>
+              </a:rPr>
+              <a:t>[</a:t>
+            </a:r>
+            <a:r>
+              <a:rPr lang="en-GB" sz="2800" dirty="0" err="1">
+                <a:hlinkClick r:id="rId3" action="ppaction://hlinksldjump"/>
+              </a:rPr>
+              <a:t>DefaultValue</a:t>
+            </a:r>
+            <a:r>
+              <a:rPr lang="en-GB" sz="2800" dirty="0">
+                <a:hlinkClick r:id="rId3" action="ppaction://hlinksldjump"/>
+              </a:rPr>
+              <a:t>]</a:t>
+            </a:r>
+            <a:endParaRPr lang="en-GB" sz="2800" dirty="0"/>
+          </a:p>
+          <a:p>
+            <a:pPr marL="0" indent="0">
+              <a:buNone/>
+            </a:pPr>
+            <a:r>
+              <a:rPr lang="en-GB" sz="2800" dirty="0">
+                <a:hlinkClick r:id="rId4" action="ppaction://hlinksldjump"/>
+              </a:rPr>
+              <a:t>[</a:t>
+            </a:r>
+            <a:r>
+              <a:rPr lang="en-GB" sz="2800" dirty="0" err="1">
+                <a:hlinkClick r:id="rId4" action="ppaction://hlinksldjump"/>
+              </a:rPr>
+              <a:t>DescribedAs</a:t>
+            </a:r>
+            <a:r>
+              <a:rPr lang="en-GB" sz="2800" dirty="0">
+                <a:hlinkClick r:id="rId4" action="ppaction://hlinksldjump"/>
+              </a:rPr>
+              <a:t>] </a:t>
+            </a:r>
+            <a:endParaRPr lang="en-GB" sz="2800" dirty="0"/>
+          </a:p>
+          <a:p>
+            <a:pPr marL="0" indent="0">
+              <a:buNone/>
+            </a:pPr>
+            <a:r>
+              <a:rPr lang="en-GB" sz="2800" dirty="0">
+                <a:hlinkClick r:id="rId4" action="ppaction://hlinksldjump"/>
+              </a:rPr>
+              <a:t>[</a:t>
+            </a:r>
+            <a:r>
+              <a:rPr lang="en-GB" sz="2800" dirty="0" err="1">
+                <a:hlinkClick r:id="rId4" action="ppaction://hlinksldjump"/>
+              </a:rPr>
+              <a:t>DisplayAsProperty</a:t>
+            </a:r>
+            <a:r>
+              <a:rPr lang="en-GB" sz="2800" dirty="0">
+                <a:hlinkClick r:id="rId4" action="ppaction://hlinksldjump"/>
+              </a:rPr>
+              <a:t>]</a:t>
+            </a:r>
+            <a:endParaRPr lang="en-GB" sz="2800" dirty="0"/>
+          </a:p>
+          <a:p>
+            <a:pPr marL="0" indent="0">
+              <a:buNone/>
+            </a:pPr>
+            <a:r>
+              <a:rPr lang="en-GB" sz="2800" dirty="0"/>
+              <a:t>[Edit] </a:t>
+            </a:r>
+          </a:p>
+          <a:p>
+            <a:pPr marL="0" indent="0">
+              <a:buNone/>
+            </a:pPr>
+            <a:r>
+              <a:rPr lang="en-GB" sz="2800" dirty="0"/>
+              <a:t>[Hidden]</a:t>
+            </a:r>
+          </a:p>
+          <a:p>
+            <a:pPr marL="0" indent="0">
+              <a:buNone/>
+            </a:pPr>
+            <a:r>
+              <a:rPr lang="en-GB" sz="2800" dirty="0">
+                <a:hlinkClick r:id="rId5" action="ppaction://hlinksldjump"/>
+              </a:rPr>
+              <a:t>[Mask]</a:t>
+            </a:r>
+            <a:endParaRPr lang="en-GB" sz="2800" dirty="0"/>
+          </a:p>
+          <a:p>
+            <a:pPr marL="0" indent="0">
+              <a:buNone/>
+            </a:pPr>
+            <a:r>
+              <a:rPr lang="en-GB" sz="2800" dirty="0">
+                <a:hlinkClick r:id="rId3" action="ppaction://hlinksldjump"/>
+              </a:rPr>
+              <a:t>[</a:t>
+            </a:r>
+            <a:r>
+              <a:rPr lang="en-GB" sz="2800" dirty="0" err="1">
+                <a:hlinkClick r:id="rId3" action="ppaction://hlinksldjump"/>
+              </a:rPr>
+              <a:t>MaxLength</a:t>
+            </a:r>
+            <a:r>
+              <a:rPr lang="en-GB" sz="2800" dirty="0">
+                <a:hlinkClick r:id="rId3" action="ppaction://hlinksldjump"/>
+              </a:rPr>
+              <a:t>]</a:t>
+            </a:r>
+            <a:endParaRPr lang="en-GB" sz="2800" dirty="0"/>
+          </a:p>
+          <a:p>
+            <a:pPr marL="0" indent="0">
+              <a:buNone/>
+            </a:pPr>
+            <a:r>
+              <a:rPr lang="en-GB" sz="2800" dirty="0">
+                <a:hlinkClick r:id="rId5" action="ppaction://hlinksldjump"/>
+              </a:rPr>
+              <a:t>[</a:t>
+            </a:r>
+            <a:r>
+              <a:rPr lang="en-GB" sz="2800" dirty="0" err="1">
+                <a:hlinkClick r:id="rId5" action="ppaction://hlinksldjump"/>
+              </a:rPr>
+              <a:t>MemberOrder</a:t>
+            </a:r>
+            <a:r>
+              <a:rPr lang="en-GB" sz="2800" dirty="0">
+                <a:hlinkClick r:id="rId5" action="ppaction://hlinksldjump"/>
+              </a:rPr>
+              <a:t>]</a:t>
+            </a:r>
+            <a:endParaRPr lang="en-GB" sz="2800" dirty="0"/>
+          </a:p>
+          <a:p>
+            <a:pPr marL="0" indent="0">
+              <a:buNone/>
+            </a:pPr>
+            <a:r>
+              <a:rPr lang="en-GB" sz="2800" dirty="0"/>
+              <a:t>[</a:t>
+            </a:r>
+            <a:r>
+              <a:rPr lang="en-GB" sz="2800" dirty="0" err="1"/>
+              <a:t>MinLength</a:t>
+            </a:r>
+            <a:r>
+              <a:rPr lang="en-GB" sz="2800" dirty="0"/>
+              <a:t>]</a:t>
+            </a:r>
+          </a:p>
+          <a:p>
+            <a:pPr marL="0" indent="0">
+              <a:buNone/>
+            </a:pPr>
+            <a:r>
+              <a:rPr lang="en-GB" sz="2800" dirty="0"/>
+              <a:t>[</a:t>
+            </a:r>
+            <a:r>
+              <a:rPr lang="en-GB" sz="2800" dirty="0" err="1"/>
+              <a:t>MultiLine</a:t>
+            </a:r>
+            <a:r>
+              <a:rPr lang="en-GB" sz="2800" dirty="0"/>
+              <a:t>]</a:t>
+            </a:r>
+          </a:p>
+          <a:p>
+            <a:pPr marL="0" indent="0">
+              <a:buNone/>
+            </a:pPr>
+            <a:r>
+              <a:rPr lang="en-GB" sz="2800" dirty="0">
+                <a:hlinkClick r:id="rId6" action="ppaction://hlinksldjump"/>
+              </a:rPr>
+              <a:t>[Named]</a:t>
+            </a:r>
+            <a:endParaRPr lang="en-GB" sz="2800" dirty="0"/>
+          </a:p>
+          <a:p>
+            <a:pPr marL="0" indent="0">
+              <a:buNone/>
+            </a:pPr>
+            <a:r>
+              <a:rPr lang="en-GB" sz="2800" dirty="0">
+                <a:hlinkClick r:id="rId7" action="ppaction://hlinksldjump"/>
+              </a:rPr>
+              <a:t>[Optionally]</a:t>
+            </a:r>
+            <a:endParaRPr lang="en-GB" sz="2800" dirty="0"/>
+          </a:p>
+          <a:p>
+            <a:pPr marL="0" indent="0">
+              <a:buNone/>
+            </a:pPr>
+            <a:r>
+              <a:rPr lang="en-GB" sz="2800" dirty="0">
+                <a:hlinkClick r:id="rId8" action="ppaction://hlinksldjump"/>
+              </a:rPr>
+              <a:t>[</a:t>
+            </a:r>
+            <a:r>
+              <a:rPr lang="en-GB" sz="2800" dirty="0" err="1">
+                <a:hlinkClick r:id="rId8" action="ppaction://hlinksldjump"/>
+              </a:rPr>
+              <a:t>PageSize</a:t>
+            </a:r>
+            <a:r>
+              <a:rPr lang="en-GB" sz="2800" dirty="0">
+                <a:hlinkClick r:id="rId8" action="ppaction://hlinksldjump"/>
+              </a:rPr>
+              <a:t>]</a:t>
+            </a:r>
+            <a:endParaRPr lang="en-GB" sz="2800" dirty="0"/>
+          </a:p>
+          <a:p>
+            <a:pPr marL="0" indent="0">
+              <a:buNone/>
+            </a:pPr>
+            <a:r>
+              <a:rPr lang="en-GB" sz="2800" dirty="0"/>
+              <a:t>[Password]</a:t>
+            </a:r>
+          </a:p>
+          <a:p>
+            <a:pPr marL="0" indent="0">
+              <a:buNone/>
+            </a:pPr>
+            <a:r>
+              <a:rPr lang="en-GB" sz="2800" dirty="0"/>
+              <a:t>[Plural]</a:t>
+            </a:r>
+          </a:p>
+          <a:p>
+            <a:pPr marL="0" indent="0">
+              <a:buNone/>
+            </a:pPr>
+            <a:r>
+              <a:rPr lang="en-GB" sz="2800" dirty="0"/>
+              <a:t>[</a:t>
+            </a:r>
+            <a:r>
+              <a:rPr lang="en-GB" sz="2800" dirty="0" err="1"/>
+              <a:t>PresentationHint</a:t>
+            </a:r>
+            <a:r>
+              <a:rPr lang="en-GB" sz="2800" dirty="0"/>
+              <a:t>]</a:t>
+            </a:r>
+          </a:p>
+          <a:p>
+            <a:pPr marL="0" indent="0">
+              <a:buNone/>
+            </a:pPr>
+            <a:r>
+              <a:rPr lang="en-GB" sz="2800" dirty="0">
+                <a:hlinkClick r:id="rId4" action="ppaction://hlinksldjump"/>
+              </a:rPr>
+              <a:t>[</a:t>
+            </a:r>
+            <a:r>
+              <a:rPr lang="en-GB" sz="2800" dirty="0" err="1">
+                <a:hlinkClick r:id="rId4" action="ppaction://hlinksldjump"/>
+              </a:rPr>
+              <a:t>RegEx</a:t>
+            </a:r>
+            <a:r>
+              <a:rPr lang="en-GB" sz="2800" dirty="0">
+                <a:hlinkClick r:id="rId4" action="ppaction://hlinksldjump"/>
+              </a:rPr>
+              <a:t>]</a:t>
+            </a:r>
+            <a:endParaRPr lang="en-GB" sz="2800" dirty="0"/>
+          </a:p>
+          <a:p>
+            <a:pPr marL="0" indent="0">
+              <a:buNone/>
+            </a:pPr>
+            <a:r>
+              <a:rPr lang="en-GB" sz="2800" dirty="0"/>
+              <a:t>[</a:t>
+            </a:r>
+            <a:r>
+              <a:rPr lang="en-GB" sz="2800" dirty="0" err="1"/>
+              <a:t>RenderEagerly</a:t>
+            </a:r>
+            <a:r>
+              <a:rPr lang="en-GB" sz="2800" dirty="0"/>
+              <a:t>]</a:t>
+            </a:r>
+          </a:p>
+          <a:p>
+            <a:pPr marL="0" indent="0">
+              <a:buNone/>
+            </a:pPr>
+            <a:r>
+              <a:rPr lang="en-GB" sz="2800" dirty="0">
+                <a:hlinkClick r:id="rId9" action="ppaction://hlinksldjump"/>
+              </a:rPr>
+              <a:t>[</a:t>
+            </a:r>
+            <a:r>
+              <a:rPr lang="en-GB" sz="2800" dirty="0" err="1">
+                <a:hlinkClick r:id="rId9" action="ppaction://hlinksldjump"/>
+              </a:rPr>
+              <a:t>TableView</a:t>
+            </a:r>
+            <a:r>
+              <a:rPr lang="en-GB" sz="2800" dirty="0">
+                <a:hlinkClick r:id="rId9" action="ppaction://hlinksldjump"/>
+              </a:rPr>
+              <a:t>]</a:t>
+            </a:r>
+            <a:endParaRPr lang="en-GB" sz="2800" dirty="0"/>
+          </a:p>
+          <a:p>
+            <a:pPr marL="0" indent="0">
+              <a:buNone/>
+            </a:pPr>
+            <a:r>
+              <a:rPr lang="en-GB" sz="2800" dirty="0"/>
+              <a:t>[</a:t>
+            </a:r>
+            <a:r>
+              <a:rPr lang="en-GB" sz="2800" dirty="0" err="1"/>
+              <a:t>ValueRange</a:t>
+            </a:r>
+            <a:r>
+              <a:rPr lang="en-GB" sz="2800" dirty="0"/>
+              <a:t>]</a:t>
+            </a:r>
+          </a:p>
+          <a:p>
+            <a:pPr marL="0" indent="0">
+              <a:buNone/>
+            </a:pPr>
+            <a:r>
+              <a:rPr lang="en-GB" sz="2800" dirty="0"/>
+              <a:t>[Versioned]</a:t>
+            </a:r>
+          </a:p>
+          <a:p>
+            <a:pPr marL="0" indent="0">
+              <a:buNone/>
+            </a:pPr>
+            <a:r>
+              <a:rPr lang="en-GB" sz="2800" dirty="0">
+                <a:hlinkClick r:id="rId10" action="ppaction://hlinksldjump"/>
+              </a:rPr>
+              <a:t>[</a:t>
+            </a:r>
+            <a:r>
+              <a:rPr lang="en-GB" sz="2800" dirty="0" err="1">
+                <a:hlinkClick r:id="rId10" action="ppaction://hlinksldjump"/>
+              </a:rPr>
+              <a:t>ViewModel</a:t>
+            </a:r>
+            <a:r>
+              <a:rPr lang="en-GB" sz="2800" dirty="0">
+                <a:hlinkClick r:id="rId10" action="ppaction://hlinksldjump"/>
+              </a:rPr>
+              <a:t>]</a:t>
+            </a:r>
+            <a:endParaRPr lang="en-GB" sz="2800" dirty="0"/>
+          </a:p>
+          <a:p>
+            <a:endParaRPr lang="en-GB" dirty="0"/>
+          </a:p>
+        </p:txBody>
+      </p:sp>
+      <p:sp>
+        <p:nvSpPr>
+          <p:cNvPr id="4" name="Content Placeholder 2">
+            <a:extLst>
+              <a:ext uri="{FF2B5EF4-FFF2-40B4-BE49-F238E27FC236}">
+                <a16:creationId xmlns:a16="http://schemas.microsoft.com/office/drawing/2014/main" id="{CBC9320F-6AC8-4AD4-A723-986DF838B355}"/>
+              </a:ext>
+            </a:extLst>
+          </p:cNvPr>
+          <p:cNvSpPr txBox="1">
+            <a:spLocks/>
+          </p:cNvSpPr>
+          <p:nvPr/>
+        </p:nvSpPr>
+        <p:spPr>
+          <a:xfrm>
+            <a:off x="660129" y="5217014"/>
+            <a:ext cx="10515600" cy="4351338"/>
+          </a:xfrm>
+          <a:prstGeom prst="rect">
+            <a:avLst/>
+          </a:prstGeom>
+        </p:spPr>
+        <p:txBody>
+          <a:bodyPr vert="horz" lIns="91440" tIns="45720" rIns="91440" bIns="45720" rtlCol="0">
+            <a:normAutofit/>
+          </a:bodyPr>
+          <a:lstStyle>
+            <a:lvl1pPr marL="228600" indent="-228600" algn="l" defTabSz="914400" rtl="0" eaLnBrk="1" latinLnBrk="0" hangingPunct="1">
+              <a:lnSpc>
+                <a:spcPct val="90000"/>
+              </a:lnSpc>
+              <a:spcBef>
+                <a:spcPts val="1000"/>
+              </a:spcBef>
+              <a:buFont typeface="Arial" panose="020B0604020202020204" pitchFamily="34" charset="0"/>
+              <a:buChar char="•"/>
+              <a:defRPr sz="2800" kern="1200">
+                <a:solidFill>
+                  <a:schemeClr val="tx1"/>
+                </a:solidFill>
+                <a:latin typeface="+mn-lt"/>
+                <a:ea typeface="+mn-ea"/>
+                <a:cs typeface="+mn-cs"/>
+              </a:defRPr>
+            </a:lvl1pPr>
+            <a:lvl2pPr marL="685800" indent="-228600" algn="l" defTabSz="914400" rtl="0" eaLnBrk="1" latinLnBrk="0" hangingPunct="1">
+              <a:lnSpc>
+                <a:spcPct val="90000"/>
+              </a:lnSpc>
+              <a:spcBef>
+                <a:spcPts val="500"/>
+              </a:spcBef>
+              <a:buFont typeface="Arial" panose="020B0604020202020204" pitchFamily="34" charset="0"/>
+              <a:buChar char="•"/>
+              <a:defRPr sz="2400" kern="1200">
+                <a:solidFill>
+                  <a:schemeClr val="tx1"/>
+                </a:solidFill>
+                <a:latin typeface="+mn-lt"/>
+                <a:ea typeface="+mn-ea"/>
+                <a:cs typeface="+mn-cs"/>
+              </a:defRPr>
+            </a:lvl2pPr>
+            <a:lvl3pPr marL="1143000" indent="-228600" algn="l" defTabSz="914400" rtl="0" eaLnBrk="1" latinLnBrk="0" hangingPunct="1">
+              <a:lnSpc>
+                <a:spcPct val="90000"/>
+              </a:lnSpc>
+              <a:spcBef>
+                <a:spcPts val="500"/>
+              </a:spcBef>
+              <a:buFont typeface="Arial" panose="020B0604020202020204" pitchFamily="34" charset="0"/>
+              <a:buChar char="•"/>
+              <a:defRPr sz="2000" kern="1200">
+                <a:solidFill>
+                  <a:schemeClr val="tx1"/>
+                </a:solidFill>
+                <a:latin typeface="+mn-lt"/>
+                <a:ea typeface="+mn-ea"/>
+                <a:cs typeface="+mn-cs"/>
+              </a:defRPr>
+            </a:lvl3pPr>
+            <a:lvl4pPr marL="1600200" indent="-228600" algn="l" defTabSz="914400" rtl="0" eaLnBrk="1" latinLnBrk="0" hangingPunct="1">
+              <a:lnSpc>
+                <a:spcPct val="90000"/>
+              </a:lnSpc>
+              <a:spcBef>
+                <a:spcPts val="500"/>
+              </a:spcBef>
+              <a:buFont typeface="Arial" panose="020B0604020202020204" pitchFamily="34" charset="0"/>
+              <a:buChar char="•"/>
+              <a:defRPr sz="1800" kern="1200">
+                <a:solidFill>
+                  <a:schemeClr val="tx1"/>
+                </a:solidFill>
+                <a:latin typeface="+mn-lt"/>
+                <a:ea typeface="+mn-ea"/>
+                <a:cs typeface="+mn-cs"/>
+              </a:defRPr>
+            </a:lvl4pPr>
+            <a:lvl5pPr marL="2057400" indent="-228600" algn="l" defTabSz="914400" rtl="0" eaLnBrk="1" latinLnBrk="0" hangingPunct="1">
+              <a:lnSpc>
+                <a:spcPct val="90000"/>
+              </a:lnSpc>
+              <a:spcBef>
+                <a:spcPts val="500"/>
+              </a:spcBef>
+              <a:buFont typeface="Arial" panose="020B0604020202020204" pitchFamily="34" charset="0"/>
+              <a:buChar char="•"/>
+              <a:defRPr sz="1800" kern="1200">
+                <a:solidFill>
+                  <a:schemeClr val="tx1"/>
+                </a:solidFill>
+                <a:latin typeface="+mn-lt"/>
+                <a:ea typeface="+mn-ea"/>
+                <a:cs typeface="+mn-cs"/>
+              </a:defRPr>
+            </a:lvl5pPr>
+            <a:lvl6pPr marL="2514600" indent="-228600" algn="l" defTabSz="914400" rtl="0" eaLnBrk="1" latinLnBrk="0" hangingPunct="1">
+              <a:lnSpc>
+                <a:spcPct val="90000"/>
+              </a:lnSpc>
+              <a:spcBef>
+                <a:spcPts val="500"/>
+              </a:spcBef>
+              <a:buFont typeface="Arial" panose="020B0604020202020204" pitchFamily="34" charset="0"/>
+              <a:buChar char="•"/>
+              <a:defRPr sz="1800" kern="1200">
+                <a:solidFill>
+                  <a:schemeClr val="tx1"/>
+                </a:solidFill>
+                <a:latin typeface="+mn-lt"/>
+                <a:ea typeface="+mn-ea"/>
+                <a:cs typeface="+mn-cs"/>
+              </a:defRPr>
+            </a:lvl6pPr>
+            <a:lvl7pPr marL="2971800" indent="-228600" algn="l" defTabSz="914400" rtl="0" eaLnBrk="1" latinLnBrk="0" hangingPunct="1">
+              <a:lnSpc>
+                <a:spcPct val="90000"/>
+              </a:lnSpc>
+              <a:spcBef>
+                <a:spcPts val="500"/>
+              </a:spcBef>
+              <a:buFont typeface="Arial" panose="020B0604020202020204" pitchFamily="34" charset="0"/>
+              <a:buChar char="•"/>
+              <a:defRPr sz="1800" kern="1200">
+                <a:solidFill>
+                  <a:schemeClr val="tx1"/>
+                </a:solidFill>
+                <a:latin typeface="+mn-lt"/>
+                <a:ea typeface="+mn-ea"/>
+                <a:cs typeface="+mn-cs"/>
+              </a:defRPr>
+            </a:lvl7pPr>
+            <a:lvl8pPr marL="3429000" indent="-228600" algn="l" defTabSz="914400" rtl="0" eaLnBrk="1" latinLnBrk="0" hangingPunct="1">
+              <a:lnSpc>
+                <a:spcPct val="90000"/>
+              </a:lnSpc>
+              <a:spcBef>
+                <a:spcPts val="500"/>
+              </a:spcBef>
+              <a:buFont typeface="Arial" panose="020B0604020202020204" pitchFamily="34" charset="0"/>
+              <a:buChar char="•"/>
+              <a:defRPr sz="1800" kern="1200">
+                <a:solidFill>
+                  <a:schemeClr val="tx1"/>
+                </a:solidFill>
+                <a:latin typeface="+mn-lt"/>
+                <a:ea typeface="+mn-ea"/>
+                <a:cs typeface="+mn-cs"/>
+              </a:defRPr>
+            </a:lvl8pPr>
+            <a:lvl9pPr marL="3886200" indent="-228600" algn="l" defTabSz="914400" rtl="0" eaLnBrk="1" latinLnBrk="0" hangingPunct="1">
+              <a:lnSpc>
+                <a:spcPct val="90000"/>
+              </a:lnSpc>
+              <a:spcBef>
+                <a:spcPts val="500"/>
+              </a:spcBef>
+              <a:buFont typeface="Arial" panose="020B0604020202020204" pitchFamily="34" charset="0"/>
+              <a:buChar char="•"/>
+              <a:defRPr sz="1800" kern="1200">
+                <a:solidFill>
+                  <a:schemeClr val="tx1"/>
+                </a:solidFill>
+                <a:latin typeface="+mn-lt"/>
+                <a:ea typeface="+mn-ea"/>
+                <a:cs typeface="+mn-cs"/>
+              </a:defRPr>
+            </a:lvl9pPr>
+          </a:lstStyle>
+          <a:p>
+            <a:endParaRPr lang="en-GB" sz="2000" dirty="0"/>
+          </a:p>
+          <a:p>
+            <a:endParaRPr lang="en-GB" sz="2000" dirty="0"/>
+          </a:p>
+          <a:p>
+            <a:endParaRPr lang="en-GB" sz="2000" dirty="0"/>
+          </a:p>
+          <a:p>
+            <a:endParaRPr lang="en-GB" sz="2000" dirty="0"/>
+          </a:p>
+          <a:p>
+            <a:endParaRPr lang="en-GB" sz="2000" dirty="0"/>
+          </a:p>
+        </p:txBody>
+      </p:sp>
+    </p:spTree>
+    <p:extLst>
+      <p:ext uri="{BB962C8B-B14F-4D97-AF65-F5344CB8AC3E}">
+        <p14:creationId xmlns:p14="http://schemas.microsoft.com/office/powerpoint/2010/main" val="1854532914"/>
+      </p:ext>
+    </p:extLst>
+  </p:cSld>
+  <p:clrMapOvr>
+    <a:masterClrMapping/>
+  </p:clrMapOvr>
+</p:sld>
+</file>
+
+<file path=ppt/slides/slide15.xml><?xml version="1.0" encoding="utf-8"?>
+<p:sld xmlns:a="http://schemas.openxmlformats.org/drawingml/2006/main" xmlns:r="http://schemas.openxmlformats.org/officeDocument/2006/relationships" xmlns:p="http://schemas.openxmlformats.org/presentationml/2006/main">
+  <p:cSld>
+    <p:spTree>
+      <p:nvGrpSpPr>
+        <p:cNvPr id="1" name=""/>
+        <p:cNvGrpSpPr/>
+        <p:nvPr/>
+      </p:nvGrpSpPr>
+      <p:grpSpPr>
+        <a:xfrm>
+          <a:off x="0" y="0"/>
+          <a:ext cx="0" cy="0"/>
+          <a:chOff x="0" y="0"/>
+          <a:chExt cx="0" cy="0"/>
+        </a:xfrm>
+      </p:grpSpPr>
+      <p:sp>
+        <p:nvSpPr>
+          <p:cNvPr id="2" name="Title 1">
+            <a:extLst>
+              <a:ext uri="{FF2B5EF4-FFF2-40B4-BE49-F238E27FC236}">
+                <a16:creationId xmlns:a16="http://schemas.microsoft.com/office/drawing/2014/main" id="{55442500-6C24-410F-B17D-0829B669788E}"/>
+              </a:ext>
+            </a:extLst>
+          </p:cNvPr>
+          <p:cNvSpPr>
+            <a:spLocks noGrp="1"/>
+          </p:cNvSpPr>
+          <p:nvPr>
+            <p:ph type="title"/>
+          </p:nvPr>
+        </p:nvSpPr>
+        <p:spPr>
+          <a:xfrm>
+            <a:off x="838200" y="365125"/>
+            <a:ext cx="10515600" cy="1158875"/>
+          </a:xfrm>
+        </p:spPr>
+        <p:txBody>
+          <a:bodyPr>
+            <a:normAutofit fontScale="90000"/>
+          </a:bodyPr>
+          <a:lstStyle/>
+          <a:p>
+            <a:r>
+              <a:rPr lang="en-GB" sz="3100" dirty="0"/>
+              <a:t>Attributes may be used to provide hints to the user interface concerning the look and/or behaviour of functions, parameters, types, or properties</a:t>
+            </a:r>
+            <a:endParaRPr lang="en-GB" dirty="0"/>
+          </a:p>
+        </p:txBody>
+      </p:sp>
+      <p:grpSp>
+        <p:nvGrpSpPr>
+          <p:cNvPr id="11" name="Group 10">
+            <a:extLst>
+              <a:ext uri="{FF2B5EF4-FFF2-40B4-BE49-F238E27FC236}">
+                <a16:creationId xmlns:a16="http://schemas.microsoft.com/office/drawing/2014/main" id="{CB4D5475-4FE4-4A3F-B270-4A6692AFCB55}"/>
+              </a:ext>
+            </a:extLst>
+          </p:cNvPr>
+          <p:cNvGrpSpPr/>
+          <p:nvPr/>
+        </p:nvGrpSpPr>
+        <p:grpSpPr>
+          <a:xfrm>
+            <a:off x="838200" y="1640986"/>
+            <a:ext cx="10049608" cy="1343820"/>
+            <a:chOff x="838200" y="1825625"/>
+            <a:chExt cx="10049608" cy="1343820"/>
+          </a:xfrm>
+        </p:grpSpPr>
+        <p:grpSp>
+          <p:nvGrpSpPr>
+            <p:cNvPr id="12" name="Group 11">
+              <a:extLst>
+                <a:ext uri="{FF2B5EF4-FFF2-40B4-BE49-F238E27FC236}">
+                  <a16:creationId xmlns:a16="http://schemas.microsoft.com/office/drawing/2014/main" id="{16A5450E-BC28-42C1-AE2A-4185E5FE82A4}"/>
+                </a:ext>
+              </a:extLst>
+            </p:cNvPr>
+            <p:cNvGrpSpPr/>
+            <p:nvPr/>
+          </p:nvGrpSpPr>
+          <p:grpSpPr>
+            <a:xfrm>
+              <a:off x="1898469" y="1825625"/>
+              <a:ext cx="8989339" cy="1210313"/>
+              <a:chOff x="1898469" y="1825625"/>
+              <a:chExt cx="8989339" cy="1210313"/>
+            </a:xfrm>
+          </p:grpSpPr>
+          <p:pic>
+            <p:nvPicPr>
+              <p:cNvPr id="14" name="Picture 13">
+                <a:extLst>
+                  <a:ext uri="{FF2B5EF4-FFF2-40B4-BE49-F238E27FC236}">
+                    <a16:creationId xmlns:a16="http://schemas.microsoft.com/office/drawing/2014/main" id="{B8D6649A-EB3E-4AAE-80D1-09F2B1A2CC9E}"/>
+                  </a:ext>
+                </a:extLst>
+              </p:cNvPr>
+              <p:cNvPicPr>
+                <a:picLocks noChangeAspect="1"/>
+              </p:cNvPicPr>
+              <p:nvPr/>
+            </p:nvPicPr>
+            <p:blipFill rotWithShape="1">
+              <a:blip r:embed="rId2"/>
+              <a:srcRect l="25700" b="36879"/>
+              <a:stretch/>
+            </p:blipFill>
+            <p:spPr>
+              <a:xfrm>
+                <a:off x="8396654" y="1825625"/>
+                <a:ext cx="2491154" cy="1210313"/>
+              </a:xfrm>
+              <a:prstGeom prst="rect">
+                <a:avLst/>
+              </a:prstGeom>
+            </p:spPr>
+          </p:pic>
+          <p:grpSp>
+            <p:nvGrpSpPr>
+              <p:cNvPr id="15" name="Group 14">
+                <a:extLst>
+                  <a:ext uri="{FF2B5EF4-FFF2-40B4-BE49-F238E27FC236}">
+                    <a16:creationId xmlns:a16="http://schemas.microsoft.com/office/drawing/2014/main" id="{DFCD8CCA-F798-4D95-8DA6-912995512DE8}"/>
+                  </a:ext>
+                </a:extLst>
+              </p:cNvPr>
+              <p:cNvGrpSpPr/>
+              <p:nvPr/>
+            </p:nvGrpSpPr>
+            <p:grpSpPr>
+              <a:xfrm>
+                <a:off x="1898469" y="2193943"/>
+                <a:ext cx="7465339" cy="830997"/>
+                <a:chOff x="1898469" y="2193943"/>
+                <a:chExt cx="7465339" cy="830997"/>
+              </a:xfrm>
+            </p:grpSpPr>
+            <p:sp>
+              <p:nvSpPr>
+                <p:cNvPr id="16" name="TextBox 15">
+                  <a:extLst>
+                    <a:ext uri="{FF2B5EF4-FFF2-40B4-BE49-F238E27FC236}">
+                      <a16:creationId xmlns:a16="http://schemas.microsoft.com/office/drawing/2014/main" id="{B7F07F4D-4FFD-4AC5-8389-7C0CAC9D20F7}"/>
+                    </a:ext>
+                  </a:extLst>
+                </p:cNvPr>
+                <p:cNvSpPr txBox="1"/>
+                <p:nvPr/>
+              </p:nvSpPr>
+              <p:spPr>
+                <a:xfrm>
+                  <a:off x="3669472" y="2193943"/>
+                  <a:ext cx="3905885" cy="830997"/>
+                </a:xfrm>
+                <a:prstGeom prst="rect">
+                  <a:avLst/>
+                </a:prstGeom>
+                <a:solidFill>
+                  <a:schemeClr val="bg1"/>
+                </a:solidFill>
+                <a:ln w="28575">
+                  <a:solidFill>
+                    <a:schemeClr val="accent1"/>
+                  </a:solidFill>
+                </a:ln>
+              </p:spPr>
+              <p:txBody>
+                <a:bodyPr wrap="square" rtlCol="0">
+                  <a:spAutoFit/>
+                </a:bodyPr>
+                <a:lstStyle/>
+                <a:p>
+                  <a:r>
+                    <a:rPr lang="en-GB" sz="1200" dirty="0">
+                      <a:solidFill>
+                        <a:srgbClr val="FF0000"/>
+                      </a:solidFill>
+                    </a:rPr>
+                    <a:t>1. If a type is known to have a limited number of instances, it may be marked </a:t>
+                  </a:r>
+                  <a:r>
+                    <a:rPr lang="en-GB" sz="1100" dirty="0">
+                      <a:latin typeface="Consolas" panose="020B0609020204030204" pitchFamily="49" charset="0"/>
+                    </a:rPr>
+                    <a:t>[Bounded]</a:t>
+                  </a:r>
+                  <a:r>
+                    <a:rPr lang="en-GB" sz="1200" dirty="0">
+                      <a:solidFill>
+                        <a:srgbClr val="FF0000"/>
+                      </a:solidFill>
+                    </a:rPr>
+                    <a:t>.</a:t>
+                  </a:r>
+                  <a:r>
+                    <a:rPr lang="en-GB" sz="1100" dirty="0">
+                      <a:latin typeface="Consolas" panose="020B0609020204030204" pitchFamily="49" charset="0"/>
+                    </a:rPr>
+                    <a:t> </a:t>
+                  </a:r>
+                  <a:r>
+                    <a:rPr lang="en-GB" sz="1200" dirty="0">
+                      <a:solidFill>
+                        <a:srgbClr val="FF0000"/>
+                      </a:solidFill>
+                    </a:rPr>
+                    <a:t>Whenever this type is used as a parameter in a dialog, the user will be presented with all instances in a drop-down list.</a:t>
+                  </a:r>
+                </a:p>
+              </p:txBody>
+            </p:sp>
+            <p:cxnSp>
+              <p:nvCxnSpPr>
+                <p:cNvPr id="17" name="Straight Arrow Connector 16">
+                  <a:extLst>
+                    <a:ext uri="{FF2B5EF4-FFF2-40B4-BE49-F238E27FC236}">
+                      <a16:creationId xmlns:a16="http://schemas.microsoft.com/office/drawing/2014/main" id="{2C7746A7-A810-4D7D-80B2-680C22BBBC40}"/>
+                    </a:ext>
+                  </a:extLst>
+                </p:cNvPr>
+                <p:cNvCxnSpPr>
+                  <a:cxnSpLocks/>
+                  <a:stCxn id="16" idx="1"/>
+                </p:cNvCxnSpPr>
+                <p:nvPr/>
+              </p:nvCxnSpPr>
+              <p:spPr>
+                <a:xfrm flipH="1" flipV="1">
+                  <a:off x="1898469" y="2609442"/>
+                  <a:ext cx="1771003" cy="1"/>
+                </a:xfrm>
+                <a:prstGeom prst="straightConnector1">
+                  <a:avLst/>
+                </a:prstGeom>
+                <a:ln w="28575">
+                  <a:tailEnd type="triangle"/>
+                </a:ln>
+              </p:spPr>
+              <p:style>
+                <a:lnRef idx="1">
+                  <a:schemeClr val="accent1"/>
+                </a:lnRef>
+                <a:fillRef idx="0">
+                  <a:schemeClr val="accent1"/>
+                </a:fillRef>
+                <a:effectRef idx="0">
+                  <a:schemeClr val="accent1"/>
+                </a:effectRef>
+                <a:fontRef idx="minor">
+                  <a:schemeClr val="tx1"/>
+                </a:fontRef>
+              </p:style>
+            </p:cxnSp>
+            <p:cxnSp>
+              <p:nvCxnSpPr>
+                <p:cNvPr id="18" name="Straight Arrow Connector 17">
+                  <a:extLst>
+                    <a:ext uri="{FF2B5EF4-FFF2-40B4-BE49-F238E27FC236}">
+                      <a16:creationId xmlns:a16="http://schemas.microsoft.com/office/drawing/2014/main" id="{5FE52DB1-6632-42FE-ADFC-F0AAD51AB640}"/>
+                    </a:ext>
+                  </a:extLst>
+                </p:cNvPr>
+                <p:cNvCxnSpPr>
+                  <a:cxnSpLocks/>
+                  <a:stCxn id="16" idx="3"/>
+                </p:cNvCxnSpPr>
+                <p:nvPr/>
+              </p:nvCxnSpPr>
+              <p:spPr>
+                <a:xfrm flipV="1">
+                  <a:off x="7575357" y="2609442"/>
+                  <a:ext cx="1788451" cy="1"/>
+                </a:xfrm>
+                <a:prstGeom prst="straightConnector1">
+                  <a:avLst/>
+                </a:prstGeom>
+                <a:ln w="28575">
+                  <a:tailEnd type="triangle"/>
+                </a:ln>
+              </p:spPr>
+              <p:style>
+                <a:lnRef idx="1">
+                  <a:schemeClr val="accent1"/>
+                </a:lnRef>
+                <a:fillRef idx="0">
+                  <a:schemeClr val="accent1"/>
+                </a:fillRef>
+                <a:effectRef idx="0">
+                  <a:schemeClr val="accent1"/>
+                </a:effectRef>
+                <a:fontRef idx="minor">
+                  <a:schemeClr val="tx1"/>
+                </a:fontRef>
+              </p:style>
+            </p:cxnSp>
+          </p:grpSp>
+        </p:grpSp>
+        <p:sp>
+          <p:nvSpPr>
+            <p:cNvPr id="13" name="TextBox 12">
+              <a:extLst>
+                <a:ext uri="{FF2B5EF4-FFF2-40B4-BE49-F238E27FC236}">
+                  <a16:creationId xmlns:a16="http://schemas.microsoft.com/office/drawing/2014/main" id="{902D291F-2E91-49F9-ABBA-0EEA471BBDF4}"/>
+                </a:ext>
+              </a:extLst>
+            </p:cNvPr>
+            <p:cNvSpPr txBox="1"/>
+            <p:nvPr/>
+          </p:nvSpPr>
+          <p:spPr>
+            <a:xfrm>
+              <a:off x="838200" y="2430781"/>
+              <a:ext cx="2371162" cy="738664"/>
+            </a:xfrm>
+            <a:prstGeom prst="rect">
+              <a:avLst/>
+            </a:prstGeom>
+            <a:noFill/>
+          </p:spPr>
+          <p:txBody>
+            <a:bodyPr wrap="none" rtlCol="0">
+              <a:spAutoFit/>
+            </a:bodyPr>
+            <a:lstStyle/>
+            <a:p>
+              <a:r>
+                <a:rPr lang="en-GB" sz="1400" dirty="0">
+                  <a:solidFill>
+                    <a:srgbClr val="000000"/>
+                  </a:solidFill>
+                  <a:latin typeface="Consolas" panose="020B0609020204030204" pitchFamily="49" charset="0"/>
+                </a:rPr>
+                <a:t>[Bounded]</a:t>
+              </a:r>
+              <a:br>
+                <a:rPr lang="en-GB" sz="1400" dirty="0">
+                  <a:solidFill>
+                    <a:srgbClr val="000000"/>
+                  </a:solidFill>
+                  <a:latin typeface="Consolas" panose="020B0609020204030204" pitchFamily="49" charset="0"/>
+                </a:rPr>
+              </a:br>
+              <a:r>
+                <a:rPr lang="en-GB" sz="1400" dirty="0">
+                  <a:solidFill>
+                    <a:srgbClr val="0000FF"/>
+                  </a:solidFill>
+                  <a:latin typeface="Consolas" panose="020B0609020204030204" pitchFamily="49" charset="0"/>
+                </a:rPr>
+                <a:t>public</a:t>
+              </a:r>
+              <a:r>
+                <a:rPr lang="en-GB" sz="1400" dirty="0">
+                  <a:solidFill>
+                    <a:srgbClr val="000000"/>
+                  </a:solidFill>
+                  <a:latin typeface="Consolas" panose="020B0609020204030204" pitchFamily="49" charset="0"/>
+                </a:rPr>
+                <a:t> </a:t>
+              </a:r>
+              <a:r>
+                <a:rPr lang="en-GB" sz="1400" dirty="0">
+                  <a:solidFill>
+                    <a:srgbClr val="0000FF"/>
+                  </a:solidFill>
+                  <a:latin typeface="Consolas" panose="020B0609020204030204" pitchFamily="49" charset="0"/>
+                </a:rPr>
+                <a:t>record</a:t>
+              </a:r>
+              <a:r>
+                <a:rPr lang="en-GB" sz="1400" dirty="0">
+                  <a:solidFill>
+                    <a:srgbClr val="000000"/>
+                  </a:solidFill>
+                  <a:latin typeface="Consolas" panose="020B0609020204030204" pitchFamily="49" charset="0"/>
+                </a:rPr>
+                <a:t> Currency</a:t>
+              </a:r>
+              <a:endParaRPr lang="en-US" sz="1400" dirty="0">
+                <a:solidFill>
+                  <a:srgbClr val="0000FF"/>
+                </a:solidFill>
+                <a:latin typeface="Consolas" panose="020B0609020204030204" pitchFamily="49" charset="0"/>
+              </a:endParaRPr>
+            </a:p>
+            <a:p>
+              <a:endParaRPr lang="en-GB" sz="1400" dirty="0"/>
+            </a:p>
+          </p:txBody>
+        </p:sp>
+      </p:grpSp>
+      <p:sp>
+        <p:nvSpPr>
+          <p:cNvPr id="20" name="TextBox 19">
+            <a:extLst>
+              <a:ext uri="{FF2B5EF4-FFF2-40B4-BE49-F238E27FC236}">
+                <a16:creationId xmlns:a16="http://schemas.microsoft.com/office/drawing/2014/main" id="{52311BF7-D5FD-4BDD-A54F-9A4E8AB28840}"/>
+              </a:ext>
+            </a:extLst>
+          </p:cNvPr>
+          <p:cNvSpPr txBox="1"/>
+          <p:nvPr/>
+        </p:nvSpPr>
+        <p:spPr>
+          <a:xfrm>
+            <a:off x="774430" y="3416267"/>
+            <a:ext cx="7094686" cy="954107"/>
+          </a:xfrm>
+          <a:prstGeom prst="rect">
+            <a:avLst/>
+          </a:prstGeom>
+          <a:noFill/>
+        </p:spPr>
+        <p:txBody>
+          <a:bodyPr wrap="square">
+            <a:spAutoFit/>
+          </a:bodyPr>
+          <a:lstStyle/>
+          <a:p>
+            <a:r>
+              <a:rPr lang="en-GB" sz="1400" dirty="0">
+                <a:solidFill>
+                  <a:srgbClr val="000000"/>
+                </a:solidFill>
+                <a:latin typeface="Consolas" panose="020B0609020204030204" pitchFamily="49" charset="0"/>
+              </a:rPr>
+              <a:t>[</a:t>
+            </a:r>
+            <a:r>
+              <a:rPr lang="en-GB" sz="1400" dirty="0" err="1">
+                <a:solidFill>
+                  <a:srgbClr val="000000"/>
+                </a:solidFill>
+                <a:latin typeface="Consolas" panose="020B0609020204030204" pitchFamily="49" charset="0"/>
+              </a:rPr>
+              <a:t>DisplayAsProperty</a:t>
+            </a:r>
+            <a:r>
+              <a:rPr lang="en-GB" sz="1400" dirty="0">
+                <a:solidFill>
+                  <a:srgbClr val="000000"/>
+                </a:solidFill>
+                <a:latin typeface="Consolas" panose="020B0609020204030204" pitchFamily="49" charset="0"/>
+              </a:rPr>
+              <a:t>, </a:t>
+            </a:r>
+            <a:r>
+              <a:rPr lang="en-GB" sz="1400" dirty="0" err="1">
+                <a:solidFill>
+                  <a:srgbClr val="000000"/>
+                </a:solidFill>
+                <a:latin typeface="Consolas" panose="020B0609020204030204" pitchFamily="49" charset="0"/>
+              </a:rPr>
+              <a:t>MemberOrder</a:t>
+            </a:r>
+            <a:r>
+              <a:rPr lang="en-GB" sz="1400" dirty="0">
+                <a:solidFill>
+                  <a:srgbClr val="000000"/>
+                </a:solidFill>
+                <a:latin typeface="Consolas" panose="020B0609020204030204" pitchFamily="49" charset="0"/>
+              </a:rPr>
+              <a:t>(11)]</a:t>
+            </a:r>
+          </a:p>
+          <a:p>
+            <a:r>
+              <a:rPr lang="en-US" sz="1400" dirty="0">
+                <a:solidFill>
+                  <a:srgbClr val="0000FF"/>
+                </a:solidFill>
+                <a:latin typeface="Consolas" panose="020B0609020204030204" pitchFamily="49" charset="0"/>
+              </a:rPr>
+              <a:t>public</a:t>
+            </a:r>
+            <a:r>
+              <a:rPr lang="en-US" sz="1400" dirty="0">
+                <a:solidFill>
+                  <a:srgbClr val="000000"/>
+                </a:solidFill>
+                <a:latin typeface="Consolas" panose="020B0609020204030204" pitchFamily="49" charset="0"/>
+              </a:rPr>
+              <a:t> </a:t>
+            </a:r>
+            <a:r>
+              <a:rPr lang="en-US" sz="1400" dirty="0">
+                <a:solidFill>
+                  <a:srgbClr val="0000FF"/>
+                </a:solidFill>
+                <a:latin typeface="Consolas" panose="020B0609020204030204" pitchFamily="49" charset="0"/>
+              </a:rPr>
+              <a:t>static</a:t>
+            </a:r>
+            <a:r>
+              <a:rPr lang="en-US" sz="1400" dirty="0">
+                <a:solidFill>
+                  <a:srgbClr val="000000"/>
+                </a:solidFill>
+                <a:latin typeface="Consolas" panose="020B0609020204030204" pitchFamily="49" charset="0"/>
+              </a:rPr>
+              <a:t> </a:t>
+            </a:r>
+            <a:r>
+              <a:rPr lang="en-US" sz="1400" dirty="0" err="1">
+                <a:solidFill>
+                  <a:srgbClr val="000000"/>
+                </a:solidFill>
+                <a:latin typeface="Consolas" panose="020B0609020204030204" pitchFamily="49" charset="0"/>
+              </a:rPr>
+              <a:t>ProductDescription</a:t>
+            </a:r>
+            <a:r>
+              <a:rPr lang="en-US" sz="1400" dirty="0">
+                <a:solidFill>
+                  <a:srgbClr val="000000"/>
+                </a:solidFill>
+                <a:latin typeface="Consolas" panose="020B0609020204030204" pitchFamily="49" charset="0"/>
+              </a:rPr>
+              <a:t> Description(</a:t>
+            </a:r>
+            <a:r>
+              <a:rPr lang="en-US" sz="1400" dirty="0">
+                <a:solidFill>
+                  <a:srgbClr val="0000FF"/>
+                </a:solidFill>
+                <a:latin typeface="Consolas" panose="020B0609020204030204" pitchFamily="49" charset="0"/>
+              </a:rPr>
+              <a:t>this</a:t>
+            </a:r>
+            <a:r>
+              <a:rPr lang="en-US" sz="1400" dirty="0">
+                <a:solidFill>
+                  <a:srgbClr val="000000"/>
+                </a:solidFill>
+                <a:latin typeface="Consolas" panose="020B0609020204030204" pitchFamily="49" charset="0"/>
+              </a:rPr>
+              <a:t> Product product) =&gt;</a:t>
+            </a:r>
+          </a:p>
+          <a:p>
+            <a:r>
+              <a:rPr lang="en-GB" sz="1400" dirty="0">
+                <a:solidFill>
+                  <a:srgbClr val="000000"/>
+                </a:solidFill>
+                <a:latin typeface="Consolas" panose="020B0609020204030204" pitchFamily="49" charset="0"/>
+              </a:rPr>
+              <a:t>    </a:t>
+            </a:r>
+            <a:r>
+              <a:rPr lang="en-GB" sz="1400" dirty="0" err="1">
+                <a:solidFill>
+                  <a:srgbClr val="000000"/>
+                </a:solidFill>
+                <a:latin typeface="Consolas" panose="020B0609020204030204" pitchFamily="49" charset="0"/>
+              </a:rPr>
+              <a:t>product.ProductModel</a:t>
+            </a:r>
+            <a:r>
+              <a:rPr lang="en-GB" sz="1400" dirty="0">
+                <a:solidFill>
+                  <a:srgbClr val="000000"/>
+                </a:solidFill>
+                <a:latin typeface="Consolas" panose="020B0609020204030204" pitchFamily="49" charset="0"/>
+              </a:rPr>
+              <a:t> </a:t>
+            </a:r>
+            <a:r>
+              <a:rPr lang="en-GB" sz="1400" dirty="0">
+                <a:solidFill>
+                  <a:srgbClr val="0000FF"/>
+                </a:solidFill>
+                <a:latin typeface="Consolas" panose="020B0609020204030204" pitchFamily="49" charset="0"/>
+              </a:rPr>
+              <a:t>is</a:t>
+            </a:r>
+            <a:r>
+              <a:rPr lang="en-GB" sz="1400" dirty="0">
+                <a:solidFill>
+                  <a:srgbClr val="000000"/>
+                </a:solidFill>
+                <a:latin typeface="Consolas" panose="020B0609020204030204" pitchFamily="49" charset="0"/>
+              </a:rPr>
+              <a:t> </a:t>
+            </a:r>
+            <a:r>
+              <a:rPr lang="en-GB" sz="1400" dirty="0">
+                <a:solidFill>
+                  <a:srgbClr val="0000FF"/>
+                </a:solidFill>
+                <a:latin typeface="Consolas" panose="020B0609020204030204" pitchFamily="49" charset="0"/>
+              </a:rPr>
+              <a:t>null</a:t>
+            </a:r>
+            <a:r>
+              <a:rPr lang="en-GB" sz="1400" dirty="0">
+                <a:solidFill>
+                  <a:srgbClr val="000000"/>
+                </a:solidFill>
+                <a:latin typeface="Consolas" panose="020B0609020204030204" pitchFamily="49" charset="0"/>
+              </a:rPr>
+              <a:t> ? </a:t>
+            </a:r>
+            <a:r>
+              <a:rPr lang="en-GB" sz="1400" dirty="0">
+                <a:solidFill>
+                  <a:srgbClr val="0000FF"/>
+                </a:solidFill>
+                <a:latin typeface="Consolas" panose="020B0609020204030204" pitchFamily="49" charset="0"/>
+              </a:rPr>
+              <a:t>null</a:t>
+            </a:r>
+            <a:r>
+              <a:rPr lang="en-GB" sz="1400" dirty="0">
+                <a:solidFill>
+                  <a:srgbClr val="000000"/>
+                </a:solidFill>
+                <a:latin typeface="Consolas" panose="020B0609020204030204" pitchFamily="49" charset="0"/>
+              </a:rPr>
+              <a:t> : </a:t>
+            </a:r>
+            <a:r>
+              <a:rPr lang="en-GB" sz="1400" dirty="0" err="1">
+                <a:solidFill>
+                  <a:srgbClr val="000000"/>
+                </a:solidFill>
+                <a:latin typeface="Consolas" panose="020B0609020204030204" pitchFamily="49" charset="0"/>
+              </a:rPr>
+              <a:t>ProductModel_Functions.LocalCultureDescription</a:t>
+            </a:r>
+            <a:r>
+              <a:rPr lang="en-GB" sz="1400" dirty="0">
+                <a:solidFill>
+                  <a:srgbClr val="000000"/>
+                </a:solidFill>
+                <a:latin typeface="Consolas" panose="020B0609020204030204" pitchFamily="49" charset="0"/>
+              </a:rPr>
+              <a:t>(</a:t>
+            </a:r>
+            <a:r>
+              <a:rPr lang="en-GB" sz="1400" dirty="0" err="1">
+                <a:solidFill>
+                  <a:srgbClr val="000000"/>
+                </a:solidFill>
+                <a:latin typeface="Consolas" panose="020B0609020204030204" pitchFamily="49" charset="0"/>
+              </a:rPr>
+              <a:t>product.ProductModel</a:t>
+            </a:r>
+            <a:r>
+              <a:rPr lang="en-GB" sz="1400" dirty="0">
+                <a:solidFill>
+                  <a:srgbClr val="000000"/>
+                </a:solidFill>
+                <a:latin typeface="Consolas" panose="020B0609020204030204" pitchFamily="49" charset="0"/>
+              </a:rPr>
+              <a:t>);</a:t>
+            </a:r>
+            <a:endParaRPr lang="en-GB" sz="1400" dirty="0"/>
+          </a:p>
+        </p:txBody>
+      </p:sp>
+      <p:pic>
+        <p:nvPicPr>
+          <p:cNvPr id="22" name="Picture 21">
+            <a:extLst>
+              <a:ext uri="{FF2B5EF4-FFF2-40B4-BE49-F238E27FC236}">
+                <a16:creationId xmlns:a16="http://schemas.microsoft.com/office/drawing/2014/main" id="{413A3B66-16AB-4458-9FB6-B0872213B858}"/>
+              </a:ext>
+            </a:extLst>
+          </p:cNvPr>
+          <p:cNvPicPr>
+            <a:picLocks noChangeAspect="1"/>
+          </p:cNvPicPr>
+          <p:nvPr/>
+        </p:nvPicPr>
+        <p:blipFill>
+          <a:blip r:embed="rId3"/>
+          <a:stretch>
+            <a:fillRect/>
+          </a:stretch>
+        </p:blipFill>
+        <p:spPr>
+          <a:xfrm>
+            <a:off x="9071966" y="3139609"/>
+            <a:ext cx="2815236" cy="3301820"/>
+          </a:xfrm>
+          <a:prstGeom prst="rect">
+            <a:avLst/>
+          </a:prstGeom>
+        </p:spPr>
+      </p:pic>
+      <p:grpSp>
+        <p:nvGrpSpPr>
+          <p:cNvPr id="31" name="Group 30">
+            <a:extLst>
+              <a:ext uri="{FF2B5EF4-FFF2-40B4-BE49-F238E27FC236}">
+                <a16:creationId xmlns:a16="http://schemas.microsoft.com/office/drawing/2014/main" id="{1B8CA4BF-B0F2-46CC-970F-DE424E50EF8F}"/>
+              </a:ext>
+            </a:extLst>
+          </p:cNvPr>
+          <p:cNvGrpSpPr/>
+          <p:nvPr/>
+        </p:nvGrpSpPr>
+        <p:grpSpPr>
+          <a:xfrm>
+            <a:off x="2611315" y="3686939"/>
+            <a:ext cx="6822831" cy="1853239"/>
+            <a:chOff x="-4879306" y="4784594"/>
+            <a:chExt cx="6466694" cy="1828863"/>
+          </a:xfrm>
+        </p:grpSpPr>
+        <p:sp>
+          <p:nvSpPr>
+            <p:cNvPr id="32" name="TextBox 31">
+              <a:extLst>
+                <a:ext uri="{FF2B5EF4-FFF2-40B4-BE49-F238E27FC236}">
+                  <a16:creationId xmlns:a16="http://schemas.microsoft.com/office/drawing/2014/main" id="{748DBE4C-4935-4F96-B475-91F5BE08E08F}"/>
+                </a:ext>
+              </a:extLst>
+            </p:cNvPr>
+            <p:cNvSpPr txBox="1"/>
+            <p:nvPr/>
+          </p:nvSpPr>
+          <p:spPr>
+            <a:xfrm>
+              <a:off x="-1861679" y="5645859"/>
+              <a:ext cx="2208180" cy="637829"/>
+            </a:xfrm>
+            <a:prstGeom prst="rect">
+              <a:avLst/>
+            </a:prstGeom>
+            <a:solidFill>
+              <a:schemeClr val="bg1"/>
+            </a:solidFill>
+            <a:ln w="28575">
+              <a:solidFill>
+                <a:schemeClr val="accent1"/>
+              </a:solidFill>
+            </a:ln>
+          </p:spPr>
+          <p:txBody>
+            <a:bodyPr wrap="square" rtlCol="0">
+              <a:spAutoFit/>
+            </a:bodyPr>
+            <a:lstStyle/>
+            <a:p>
+              <a:r>
+                <a:rPr lang="en-GB" sz="1200" dirty="0">
+                  <a:solidFill>
+                    <a:srgbClr val="FF0000"/>
+                  </a:solidFill>
+                </a:rPr>
+                <a:t>2. </a:t>
+              </a:r>
+              <a:r>
+                <a:rPr lang="en-GB" sz="1100" dirty="0">
+                  <a:latin typeface="Consolas" panose="020B0609020204030204" pitchFamily="49" charset="0"/>
+                </a:rPr>
+                <a:t>[</a:t>
+              </a:r>
+              <a:r>
+                <a:rPr lang="en-GB" sz="1100" dirty="0" err="1">
+                  <a:latin typeface="Consolas" panose="020B0609020204030204" pitchFamily="49" charset="0"/>
+                </a:rPr>
+                <a:t>DisplayAsProperty</a:t>
+              </a:r>
+              <a:r>
+                <a:rPr lang="en-GB" sz="1100" dirty="0">
+                  <a:latin typeface="Consolas" panose="020B0609020204030204" pitchFamily="49" charset="0"/>
+                </a:rPr>
+                <a:t>] </a:t>
+              </a:r>
+              <a:r>
+                <a:rPr lang="en-GB" sz="1200" dirty="0">
+                  <a:solidFill>
+                    <a:srgbClr val="FF0000"/>
+                  </a:solidFill>
+                </a:rPr>
+                <a:t>will render a read-only function as a property on the type, at the UI.</a:t>
+              </a:r>
+            </a:p>
+          </p:txBody>
+        </p:sp>
+        <p:cxnSp>
+          <p:nvCxnSpPr>
+            <p:cNvPr id="33" name="Straight Arrow Connector 32">
+              <a:extLst>
+                <a:ext uri="{FF2B5EF4-FFF2-40B4-BE49-F238E27FC236}">
+                  <a16:creationId xmlns:a16="http://schemas.microsoft.com/office/drawing/2014/main" id="{3D0E1948-26BE-4394-B6A6-9A9C3FD7D18A}"/>
+                </a:ext>
+              </a:extLst>
+            </p:cNvPr>
+            <p:cNvCxnSpPr>
+              <a:cxnSpLocks/>
+              <a:stCxn id="32" idx="1"/>
+            </p:cNvCxnSpPr>
+            <p:nvPr/>
+          </p:nvCxnSpPr>
+          <p:spPr>
+            <a:xfrm flipH="1" flipV="1">
+              <a:off x="-4879306" y="4784594"/>
+              <a:ext cx="3017627" cy="1180180"/>
+            </a:xfrm>
+            <a:prstGeom prst="straightConnector1">
+              <a:avLst/>
+            </a:prstGeom>
+            <a:ln w="28575">
+              <a:tailEnd type="triangle"/>
+            </a:ln>
+          </p:spPr>
+          <p:style>
+            <a:lnRef idx="1">
+              <a:schemeClr val="accent1"/>
+            </a:lnRef>
+            <a:fillRef idx="0">
+              <a:schemeClr val="accent1"/>
+            </a:fillRef>
+            <a:effectRef idx="0">
+              <a:schemeClr val="accent1"/>
+            </a:effectRef>
+            <a:fontRef idx="minor">
+              <a:schemeClr val="tx1"/>
+            </a:fontRef>
+          </p:style>
+        </p:cxnSp>
+        <p:cxnSp>
+          <p:nvCxnSpPr>
+            <p:cNvPr id="36" name="Straight Arrow Connector 35">
+              <a:extLst>
+                <a:ext uri="{FF2B5EF4-FFF2-40B4-BE49-F238E27FC236}">
+                  <a16:creationId xmlns:a16="http://schemas.microsoft.com/office/drawing/2014/main" id="{77C86CBB-EE33-42AF-AA43-A0306BF5FE70}"/>
+                </a:ext>
+              </a:extLst>
+            </p:cNvPr>
+            <p:cNvCxnSpPr>
+              <a:cxnSpLocks/>
+              <a:stCxn id="32" idx="3"/>
+            </p:cNvCxnSpPr>
+            <p:nvPr/>
+          </p:nvCxnSpPr>
+          <p:spPr>
+            <a:xfrm>
+              <a:off x="346501" y="5964774"/>
+              <a:ext cx="1240887" cy="648683"/>
+            </a:xfrm>
+            <a:prstGeom prst="straightConnector1">
+              <a:avLst/>
+            </a:prstGeom>
+            <a:ln w="28575">
+              <a:tailEnd type="triangle"/>
+            </a:ln>
+          </p:spPr>
+          <p:style>
+            <a:lnRef idx="1">
+              <a:schemeClr val="accent1"/>
+            </a:lnRef>
+            <a:fillRef idx="0">
+              <a:schemeClr val="accent1"/>
+            </a:fillRef>
+            <a:effectRef idx="0">
+              <a:schemeClr val="accent1"/>
+            </a:effectRef>
+            <a:fontRef idx="minor">
+              <a:schemeClr val="tx1"/>
+            </a:fontRef>
+          </p:style>
+        </p:cxnSp>
+      </p:grpSp>
+    </p:spTree>
+    <p:extLst>
+      <p:ext uri="{BB962C8B-B14F-4D97-AF65-F5344CB8AC3E}">
+        <p14:creationId xmlns:p14="http://schemas.microsoft.com/office/powerpoint/2010/main" val="1568079322"/>
+      </p:ext>
+    </p:extLst>
+  </p:cSld>
+  <p:clrMapOvr>
+    <a:masterClrMapping/>
+  </p:clrMapOvr>
+</p:sld>
+</file>
+
+<file path=ppt/slides/slide16.xml><?xml version="1.0" encoding="utf-8"?>
+<p:sld xmlns:a="http://schemas.openxmlformats.org/drawingml/2006/main" xmlns:r="http://schemas.openxmlformats.org/officeDocument/2006/relationships" xmlns:p="http://schemas.openxmlformats.org/presentationml/2006/main">
+  <p:cSld>
+    <p:spTree>
+      <p:nvGrpSpPr>
+        <p:cNvPr id="1" name=""/>
+        <p:cNvGrpSpPr/>
+        <p:nvPr/>
+      </p:nvGrpSpPr>
+      <p:grpSpPr>
+        <a:xfrm>
+          <a:off x="0" y="0"/>
+          <a:ext cx="0" cy="0"/>
+          <a:chOff x="0" y="0"/>
+          <a:chExt cx="0" cy="0"/>
+        </a:xfrm>
+      </p:grpSpPr>
+      <p:sp>
+        <p:nvSpPr>
+          <p:cNvPr id="2" name="Title 1">
+            <a:extLst>
+              <a:ext uri="{FF2B5EF4-FFF2-40B4-BE49-F238E27FC236}">
+                <a16:creationId xmlns:a16="http://schemas.microsoft.com/office/drawing/2014/main" id="{F22291AE-E7EF-4F59-8474-8C4CA8EA509B}"/>
+              </a:ext>
+            </a:extLst>
+          </p:cNvPr>
+          <p:cNvSpPr>
+            <a:spLocks noGrp="1"/>
+          </p:cNvSpPr>
+          <p:nvPr>
+            <p:ph type="title"/>
+          </p:nvPr>
+        </p:nvSpPr>
+        <p:spPr/>
+        <p:txBody>
+          <a:bodyPr/>
+          <a:lstStyle/>
+          <a:p>
+            <a:r>
+              <a:rPr lang="en-GB" dirty="0"/>
+              <a:t>Attributes </a:t>
+            </a:r>
+            <a:r>
+              <a:rPr lang="en-GB" dirty="0" err="1"/>
+              <a:t>cont</a:t>
+            </a:r>
+            <a:r>
+              <a:rPr lang="en-GB" dirty="0"/>
+              <a:t>…</a:t>
+            </a:r>
+          </a:p>
+        </p:txBody>
+      </p:sp>
+      <p:sp>
+        <p:nvSpPr>
+          <p:cNvPr id="4" name="TextBox 3">
+            <a:extLst>
+              <a:ext uri="{FF2B5EF4-FFF2-40B4-BE49-F238E27FC236}">
+                <a16:creationId xmlns:a16="http://schemas.microsoft.com/office/drawing/2014/main" id="{046B3D52-5FB7-4A04-91D4-6769D485C420}"/>
+              </a:ext>
+            </a:extLst>
+          </p:cNvPr>
+          <p:cNvSpPr txBox="1"/>
+          <p:nvPr/>
+        </p:nvSpPr>
+        <p:spPr>
+          <a:xfrm>
+            <a:off x="764930" y="1828801"/>
+            <a:ext cx="9175910" cy="1477328"/>
+          </a:xfrm>
+          <a:prstGeom prst="rect">
+            <a:avLst/>
+          </a:prstGeom>
+          <a:noFill/>
+        </p:spPr>
+        <p:txBody>
+          <a:bodyPr wrap="none" rtlCol="0">
+            <a:spAutoFit/>
+          </a:bodyPr>
+          <a:lstStyle/>
+          <a:p>
+            <a:r>
+              <a:rPr lang="en-US" sz="1800" dirty="0">
+                <a:solidFill>
+                  <a:srgbClr val="0000FF"/>
+                </a:solidFill>
+                <a:latin typeface="Consolas" panose="020B0609020204030204" pitchFamily="49" charset="0"/>
+              </a:rPr>
+              <a:t>public</a:t>
+            </a:r>
+            <a:r>
+              <a:rPr lang="en-US" sz="1800" dirty="0">
+                <a:solidFill>
+                  <a:srgbClr val="000000"/>
+                </a:solidFill>
+                <a:latin typeface="Consolas" panose="020B0609020204030204" pitchFamily="49" charset="0"/>
+              </a:rPr>
+              <a:t> </a:t>
+            </a:r>
+            <a:r>
+              <a:rPr lang="en-US" sz="1800" dirty="0">
+                <a:solidFill>
+                  <a:srgbClr val="0000FF"/>
+                </a:solidFill>
+                <a:latin typeface="Consolas" panose="020B0609020204030204" pitchFamily="49" charset="0"/>
+              </a:rPr>
+              <a:t>static</a:t>
+            </a:r>
+            <a:r>
+              <a:rPr lang="en-US" sz="1800" dirty="0">
+                <a:solidFill>
+                  <a:srgbClr val="000000"/>
+                </a:solidFill>
+                <a:latin typeface="Consolas" panose="020B0609020204030204" pitchFamily="49" charset="0"/>
+              </a:rPr>
+              <a:t> </a:t>
+            </a:r>
+            <a:r>
+              <a:rPr lang="en-US" sz="1800" dirty="0" err="1">
+                <a:solidFill>
+                  <a:srgbClr val="000000"/>
+                </a:solidFill>
+                <a:latin typeface="Consolas" panose="020B0609020204030204" pitchFamily="49" charset="0"/>
+              </a:rPr>
+              <a:t>IContext</a:t>
+            </a:r>
+            <a:r>
+              <a:rPr lang="en-US" sz="1800" dirty="0">
+                <a:solidFill>
+                  <a:srgbClr val="000000"/>
+                </a:solidFill>
+                <a:latin typeface="Consolas" panose="020B0609020204030204" pitchFamily="49" charset="0"/>
+              </a:rPr>
+              <a:t> </a:t>
+            </a:r>
+            <a:r>
+              <a:rPr lang="en-US" sz="1800" dirty="0" err="1">
+                <a:solidFill>
+                  <a:srgbClr val="000000"/>
+                </a:solidFill>
+                <a:latin typeface="Consolas" panose="020B0609020204030204" pitchFamily="49" charset="0"/>
+              </a:rPr>
+              <a:t>CreateNewCreditCard</a:t>
+            </a:r>
+            <a:r>
+              <a:rPr lang="en-US" sz="1800" dirty="0">
+                <a:solidFill>
+                  <a:srgbClr val="000000"/>
+                </a:solidFill>
+                <a:latin typeface="Consolas" panose="020B0609020204030204" pitchFamily="49" charset="0"/>
+              </a:rPr>
+              <a:t>(</a:t>
+            </a:r>
+            <a:r>
+              <a:rPr lang="en-US" sz="1800" dirty="0">
+                <a:solidFill>
+                  <a:srgbClr val="0000FF"/>
+                </a:solidFill>
+                <a:latin typeface="Consolas" panose="020B0609020204030204" pitchFamily="49" charset="0"/>
+              </a:rPr>
+              <a:t>this</a:t>
+            </a:r>
+            <a:r>
+              <a:rPr lang="en-US" sz="1800" dirty="0">
+                <a:solidFill>
+                  <a:srgbClr val="000000"/>
+                </a:solidFill>
+                <a:latin typeface="Consolas" panose="020B0609020204030204" pitchFamily="49" charset="0"/>
+              </a:rPr>
+              <a:t> Person p, </a:t>
+            </a:r>
+          </a:p>
+          <a:p>
+            <a:r>
+              <a:rPr lang="en-GB" sz="1800" dirty="0">
+                <a:solidFill>
+                  <a:srgbClr val="000000"/>
+                </a:solidFill>
+                <a:latin typeface="Consolas" panose="020B0609020204030204" pitchFamily="49" charset="0"/>
+              </a:rPr>
+              <a:t>    </a:t>
+            </a:r>
+            <a:r>
+              <a:rPr lang="en-GB" sz="1800" dirty="0">
+                <a:solidFill>
+                  <a:srgbClr val="0000FF"/>
+                </a:solidFill>
+                <a:latin typeface="Consolas" panose="020B0609020204030204" pitchFamily="49" charset="0"/>
+              </a:rPr>
+              <a:t>string</a:t>
+            </a:r>
+            <a:r>
+              <a:rPr lang="en-GB" sz="1800" dirty="0">
+                <a:solidFill>
+                  <a:srgbClr val="000000"/>
+                </a:solidFill>
+                <a:latin typeface="Consolas" panose="020B0609020204030204" pitchFamily="49" charset="0"/>
+              </a:rPr>
+              <a:t> </a:t>
+            </a:r>
+            <a:r>
+              <a:rPr lang="en-GB" sz="1800" dirty="0" err="1">
+                <a:solidFill>
+                  <a:srgbClr val="000000"/>
+                </a:solidFill>
+                <a:latin typeface="Consolas" panose="020B0609020204030204" pitchFamily="49" charset="0"/>
+              </a:rPr>
+              <a:t>cardType</a:t>
+            </a:r>
+            <a:r>
+              <a:rPr lang="en-GB" sz="1800" dirty="0">
+                <a:solidFill>
+                  <a:srgbClr val="000000"/>
+                </a:solidFill>
+                <a:latin typeface="Consolas" panose="020B0609020204030204" pitchFamily="49" charset="0"/>
+              </a:rPr>
+              <a:t>,</a:t>
+            </a:r>
+          </a:p>
+          <a:p>
+            <a:r>
+              <a:rPr lang="en-US" sz="1800" dirty="0">
+                <a:solidFill>
+                  <a:srgbClr val="000000"/>
+                </a:solidFill>
+                <a:latin typeface="Consolas" panose="020B0609020204030204" pitchFamily="49" charset="0"/>
+              </a:rPr>
+              <a:t>    [</a:t>
+            </a:r>
+            <a:r>
+              <a:rPr lang="en-US" sz="1800" dirty="0" err="1">
+                <a:solidFill>
+                  <a:srgbClr val="000000"/>
+                </a:solidFill>
+                <a:latin typeface="Consolas" panose="020B0609020204030204" pitchFamily="49" charset="0"/>
+              </a:rPr>
+              <a:t>RegEx</a:t>
+            </a:r>
+            <a:r>
+              <a:rPr lang="en-US" sz="1800" dirty="0">
+                <a:solidFill>
+                  <a:srgbClr val="000000"/>
+                </a:solidFill>
+                <a:latin typeface="Consolas" panose="020B0609020204030204" pitchFamily="49" charset="0"/>
+              </a:rPr>
+              <a:t>(</a:t>
+            </a:r>
+            <a:r>
+              <a:rPr lang="en-US" sz="1800" dirty="0">
+                <a:solidFill>
+                  <a:srgbClr val="A31515"/>
+                </a:solidFill>
+                <a:latin typeface="Consolas" panose="020B0609020204030204" pitchFamily="49" charset="0"/>
+              </a:rPr>
+              <a:t>"^[0-9]{16}$"</a:t>
+            </a:r>
+            <a:r>
+              <a:rPr lang="en-US" sz="1800" dirty="0">
+                <a:solidFill>
+                  <a:srgbClr val="000000"/>
+                </a:solidFill>
+                <a:latin typeface="Consolas" panose="020B0609020204030204" pitchFamily="49" charset="0"/>
+              </a:rPr>
+              <a:t>)][</a:t>
+            </a:r>
+            <a:r>
+              <a:rPr lang="en-US" sz="1800" dirty="0" err="1">
+                <a:solidFill>
+                  <a:srgbClr val="000000"/>
+                </a:solidFill>
+                <a:latin typeface="Consolas" panose="020B0609020204030204" pitchFamily="49" charset="0"/>
+              </a:rPr>
+              <a:t>DescribedAs</a:t>
+            </a:r>
+            <a:r>
+              <a:rPr lang="en-US" sz="1800" dirty="0">
+                <a:solidFill>
+                  <a:srgbClr val="000000"/>
+                </a:solidFill>
+                <a:latin typeface="Consolas" panose="020B0609020204030204" pitchFamily="49" charset="0"/>
+              </a:rPr>
+              <a:t>(</a:t>
+            </a:r>
+            <a:r>
+              <a:rPr lang="en-US" sz="1800" dirty="0">
+                <a:solidFill>
+                  <a:srgbClr val="A31515"/>
+                </a:solidFill>
+                <a:latin typeface="Consolas" panose="020B0609020204030204" pitchFamily="49" charset="0"/>
+              </a:rPr>
+              <a:t>"No spaces"</a:t>
+            </a:r>
+            <a:r>
+              <a:rPr lang="en-US" sz="1800" dirty="0">
+                <a:solidFill>
+                  <a:srgbClr val="000000"/>
+                </a:solidFill>
+                <a:latin typeface="Consolas" panose="020B0609020204030204" pitchFamily="49" charset="0"/>
+              </a:rPr>
+              <a:t>)] </a:t>
+            </a:r>
+            <a:r>
+              <a:rPr lang="en-US" sz="1800" dirty="0">
+                <a:solidFill>
+                  <a:srgbClr val="0000FF"/>
+                </a:solidFill>
+                <a:latin typeface="Consolas" panose="020B0609020204030204" pitchFamily="49" charset="0"/>
+              </a:rPr>
+              <a:t>string</a:t>
+            </a:r>
+            <a:r>
+              <a:rPr lang="en-US" sz="1800" dirty="0">
+                <a:solidFill>
+                  <a:srgbClr val="000000"/>
+                </a:solidFill>
+                <a:latin typeface="Consolas" panose="020B0609020204030204" pitchFamily="49" charset="0"/>
+              </a:rPr>
+              <a:t> </a:t>
+            </a:r>
+            <a:r>
+              <a:rPr lang="en-US" sz="1800" dirty="0" err="1">
+                <a:solidFill>
+                  <a:srgbClr val="000000"/>
+                </a:solidFill>
+                <a:latin typeface="Consolas" panose="020B0609020204030204" pitchFamily="49" charset="0"/>
+              </a:rPr>
+              <a:t>cardNumber</a:t>
+            </a:r>
+            <a:r>
+              <a:rPr lang="en-US" sz="1800" dirty="0">
+                <a:solidFill>
+                  <a:srgbClr val="000000"/>
+                </a:solidFill>
+                <a:latin typeface="Consolas" panose="020B0609020204030204" pitchFamily="49" charset="0"/>
+              </a:rPr>
+              <a:t>,</a:t>
+            </a:r>
+          </a:p>
+          <a:p>
+            <a:r>
+              <a:rPr lang="en-GB" sz="1800" dirty="0">
+                <a:solidFill>
+                  <a:srgbClr val="000000"/>
+                </a:solidFill>
+                <a:latin typeface="Consolas" panose="020B0609020204030204" pitchFamily="49" charset="0"/>
+              </a:rPr>
+              <a:t>    [</a:t>
+            </a:r>
+            <a:r>
+              <a:rPr lang="en-GB" sz="1800" dirty="0" err="1">
+                <a:solidFill>
+                  <a:srgbClr val="000000"/>
+                </a:solidFill>
+                <a:latin typeface="Consolas" panose="020B0609020204030204" pitchFamily="49" charset="0"/>
+              </a:rPr>
+              <a:t>RegEx</a:t>
+            </a:r>
+            <a:r>
+              <a:rPr lang="en-GB" sz="1800" dirty="0">
+                <a:solidFill>
+                  <a:srgbClr val="000000"/>
+                </a:solidFill>
+                <a:latin typeface="Consolas" panose="020B0609020204030204" pitchFamily="49" charset="0"/>
+              </a:rPr>
+              <a:t>(</a:t>
+            </a:r>
+            <a:r>
+              <a:rPr lang="en-GB" sz="1800" dirty="0">
+                <a:solidFill>
+                  <a:srgbClr val="A31515"/>
+                </a:solidFill>
+                <a:latin typeface="Consolas" panose="020B0609020204030204" pitchFamily="49" charset="0"/>
+              </a:rPr>
+              <a:t>"^[0-9]{2}/[0-9]{2}"</a:t>
+            </a:r>
+            <a:r>
+              <a:rPr lang="en-GB" sz="1800" dirty="0">
+                <a:solidFill>
+                  <a:srgbClr val="000000"/>
+                </a:solidFill>
+                <a:latin typeface="Consolas" panose="020B0609020204030204" pitchFamily="49" charset="0"/>
+              </a:rPr>
+              <a:t>)][</a:t>
+            </a:r>
+            <a:r>
+              <a:rPr lang="en-GB" sz="1800" dirty="0" err="1">
+                <a:solidFill>
+                  <a:srgbClr val="000000"/>
+                </a:solidFill>
+                <a:latin typeface="Consolas" panose="020B0609020204030204" pitchFamily="49" charset="0"/>
+              </a:rPr>
+              <a:t>DescribedAs</a:t>
+            </a:r>
+            <a:r>
+              <a:rPr lang="en-GB" sz="1800" dirty="0">
+                <a:solidFill>
+                  <a:srgbClr val="000000"/>
+                </a:solidFill>
+                <a:latin typeface="Consolas" panose="020B0609020204030204" pitchFamily="49" charset="0"/>
+              </a:rPr>
+              <a:t>(</a:t>
+            </a:r>
+            <a:r>
+              <a:rPr lang="en-GB" sz="1800" dirty="0">
+                <a:solidFill>
+                  <a:srgbClr val="A31515"/>
+                </a:solidFill>
+                <a:latin typeface="Consolas" panose="020B0609020204030204" pitchFamily="49" charset="0"/>
+              </a:rPr>
+              <a:t>"mm/</a:t>
+            </a:r>
+            <a:r>
+              <a:rPr lang="en-GB" sz="1800" dirty="0" err="1">
+                <a:solidFill>
+                  <a:srgbClr val="A31515"/>
+                </a:solidFill>
+                <a:latin typeface="Consolas" panose="020B0609020204030204" pitchFamily="49" charset="0"/>
+              </a:rPr>
+              <a:t>yy</a:t>
+            </a:r>
+            <a:r>
+              <a:rPr lang="en-GB" sz="1800" dirty="0">
+                <a:solidFill>
+                  <a:srgbClr val="A31515"/>
+                </a:solidFill>
+                <a:latin typeface="Consolas" panose="020B0609020204030204" pitchFamily="49" charset="0"/>
+              </a:rPr>
+              <a:t>"</a:t>
+            </a:r>
+            <a:r>
+              <a:rPr lang="en-GB" sz="1800" dirty="0">
+                <a:solidFill>
+                  <a:srgbClr val="000000"/>
+                </a:solidFill>
+                <a:latin typeface="Consolas" panose="020B0609020204030204" pitchFamily="49" charset="0"/>
+              </a:rPr>
+              <a:t>)] </a:t>
+            </a:r>
+            <a:r>
+              <a:rPr lang="en-GB" sz="1800" dirty="0">
+                <a:solidFill>
+                  <a:srgbClr val="0000FF"/>
+                </a:solidFill>
+                <a:latin typeface="Consolas" panose="020B0609020204030204" pitchFamily="49" charset="0"/>
+              </a:rPr>
+              <a:t>string</a:t>
+            </a:r>
+            <a:r>
+              <a:rPr lang="en-GB" sz="1800" dirty="0">
+                <a:solidFill>
+                  <a:srgbClr val="000000"/>
+                </a:solidFill>
+                <a:latin typeface="Consolas" panose="020B0609020204030204" pitchFamily="49" charset="0"/>
+              </a:rPr>
+              <a:t> expires,</a:t>
+            </a:r>
+          </a:p>
+          <a:p>
+            <a:r>
+              <a:rPr lang="en-GB" sz="1800" dirty="0">
+                <a:solidFill>
+                  <a:srgbClr val="000000"/>
+                </a:solidFill>
+                <a:latin typeface="Consolas" panose="020B0609020204030204" pitchFamily="49" charset="0"/>
+              </a:rPr>
+              <a:t>    </a:t>
+            </a:r>
+            <a:r>
+              <a:rPr lang="en-GB" sz="1800" dirty="0" err="1">
+                <a:solidFill>
+                  <a:srgbClr val="000000"/>
+                </a:solidFill>
+                <a:latin typeface="Consolas" panose="020B0609020204030204" pitchFamily="49" charset="0"/>
+              </a:rPr>
+              <a:t>IContext</a:t>
+            </a:r>
+            <a:r>
+              <a:rPr lang="en-GB" sz="1800" dirty="0">
+                <a:solidFill>
+                  <a:srgbClr val="000000"/>
+                </a:solidFill>
+                <a:latin typeface="Consolas" panose="020B0609020204030204" pitchFamily="49" charset="0"/>
+              </a:rPr>
+              <a:t> context) =&gt; …</a:t>
+            </a:r>
+            <a:endParaRPr lang="en-GB" dirty="0"/>
+          </a:p>
+        </p:txBody>
+      </p:sp>
+      <p:grpSp>
+        <p:nvGrpSpPr>
+          <p:cNvPr id="5" name="Group 4">
+            <a:extLst>
+              <a:ext uri="{FF2B5EF4-FFF2-40B4-BE49-F238E27FC236}">
+                <a16:creationId xmlns:a16="http://schemas.microsoft.com/office/drawing/2014/main" id="{175FBE74-BD87-46DC-B76F-836D2D735E28}"/>
+              </a:ext>
+            </a:extLst>
+          </p:cNvPr>
+          <p:cNvGrpSpPr/>
+          <p:nvPr/>
+        </p:nvGrpSpPr>
+        <p:grpSpPr>
+          <a:xfrm>
+            <a:off x="764930" y="2954214"/>
+            <a:ext cx="6461345" cy="2423486"/>
+            <a:chOff x="-2395963" y="3745058"/>
+            <a:chExt cx="6124077" cy="2391609"/>
+          </a:xfrm>
+        </p:grpSpPr>
+        <p:sp>
+          <p:nvSpPr>
+            <p:cNvPr id="6" name="TextBox 5">
+              <a:extLst>
+                <a:ext uri="{FF2B5EF4-FFF2-40B4-BE49-F238E27FC236}">
+                  <a16:creationId xmlns:a16="http://schemas.microsoft.com/office/drawing/2014/main" id="{FA7E8324-25E3-4479-B5E6-687ABAA8CD52}"/>
+                </a:ext>
+              </a:extLst>
+            </p:cNvPr>
+            <p:cNvSpPr txBox="1"/>
+            <p:nvPr/>
+          </p:nvSpPr>
+          <p:spPr>
+            <a:xfrm>
+              <a:off x="-2395963" y="5498837"/>
+              <a:ext cx="2208180" cy="637830"/>
+            </a:xfrm>
+            <a:prstGeom prst="rect">
+              <a:avLst/>
+            </a:prstGeom>
+            <a:solidFill>
+              <a:schemeClr val="bg1"/>
+            </a:solidFill>
+            <a:ln w="28575">
+              <a:solidFill>
+                <a:schemeClr val="accent1"/>
+              </a:solidFill>
+            </a:ln>
+          </p:spPr>
+          <p:txBody>
+            <a:bodyPr wrap="square" rtlCol="0">
+              <a:spAutoFit/>
+            </a:bodyPr>
+            <a:lstStyle/>
+            <a:p>
+              <a:r>
+                <a:rPr lang="en-GB" sz="1200" dirty="0">
+                  <a:solidFill>
+                    <a:srgbClr val="FF0000"/>
+                  </a:solidFill>
+                </a:rPr>
+                <a:t>1.</a:t>
+              </a:r>
+              <a:r>
+                <a:rPr lang="en-GB" sz="1200" dirty="0"/>
+                <a:t> [</a:t>
+              </a:r>
+              <a:r>
+                <a:rPr lang="en-GB" sz="1100" dirty="0" err="1">
+                  <a:latin typeface="Consolas" panose="020B0609020204030204" pitchFamily="49" charset="0"/>
+                </a:rPr>
+                <a:t>RegEx</a:t>
+              </a:r>
+              <a:r>
+                <a:rPr lang="en-GB" sz="1100" dirty="0">
+                  <a:latin typeface="Consolas" panose="020B0609020204030204" pitchFamily="49" charset="0"/>
+                </a:rPr>
+                <a:t>]</a:t>
+              </a:r>
+              <a:r>
+                <a:rPr lang="en-GB" sz="1200" dirty="0">
+                  <a:solidFill>
+                    <a:srgbClr val="FF0000"/>
+                  </a:solidFill>
+                </a:rPr>
+                <a:t> provides a convenient way to specify validation rules on string parameters.</a:t>
+              </a:r>
+            </a:p>
+          </p:txBody>
+        </p:sp>
+        <p:cxnSp>
+          <p:nvCxnSpPr>
+            <p:cNvPr id="7" name="Straight Arrow Connector 6">
+              <a:extLst>
+                <a:ext uri="{FF2B5EF4-FFF2-40B4-BE49-F238E27FC236}">
+                  <a16:creationId xmlns:a16="http://schemas.microsoft.com/office/drawing/2014/main" id="{0B4FDCF2-EBEE-4754-87FC-0488C3AE52E5}"/>
+                </a:ext>
+              </a:extLst>
+            </p:cNvPr>
+            <p:cNvCxnSpPr>
+              <a:cxnSpLocks/>
+              <a:stCxn id="6" idx="0"/>
+            </p:cNvCxnSpPr>
+            <p:nvPr/>
+          </p:nvCxnSpPr>
+          <p:spPr>
+            <a:xfrm flipV="1">
+              <a:off x="-1291873" y="3745058"/>
+              <a:ext cx="0" cy="1753778"/>
+            </a:xfrm>
+            <a:prstGeom prst="straightConnector1">
+              <a:avLst/>
+            </a:prstGeom>
+            <a:ln w="28575">
+              <a:tailEnd type="triangle"/>
+            </a:ln>
+          </p:spPr>
+          <p:style>
+            <a:lnRef idx="1">
+              <a:schemeClr val="accent1"/>
+            </a:lnRef>
+            <a:fillRef idx="0">
+              <a:schemeClr val="accent1"/>
+            </a:fillRef>
+            <a:effectRef idx="0">
+              <a:schemeClr val="accent1"/>
+            </a:effectRef>
+            <a:fontRef idx="minor">
+              <a:schemeClr val="tx1"/>
+            </a:fontRef>
+          </p:style>
+        </p:cxnSp>
+        <p:cxnSp>
+          <p:nvCxnSpPr>
+            <p:cNvPr id="24" name="Straight Arrow Connector 23">
+              <a:extLst>
+                <a:ext uri="{FF2B5EF4-FFF2-40B4-BE49-F238E27FC236}">
+                  <a16:creationId xmlns:a16="http://schemas.microsoft.com/office/drawing/2014/main" id="{F62A9E4F-4392-4545-B59E-A80EBB07DA85}"/>
+                </a:ext>
+              </a:extLst>
+            </p:cNvPr>
+            <p:cNvCxnSpPr>
+              <a:cxnSpLocks/>
+              <a:stCxn id="6" idx="3"/>
+            </p:cNvCxnSpPr>
+            <p:nvPr/>
+          </p:nvCxnSpPr>
+          <p:spPr>
+            <a:xfrm>
+              <a:off x="-187783" y="5817753"/>
+              <a:ext cx="3915897" cy="0"/>
+            </a:xfrm>
+            <a:prstGeom prst="straightConnector1">
+              <a:avLst/>
+            </a:prstGeom>
+            <a:ln w="28575">
+              <a:tailEnd type="triangle"/>
+            </a:ln>
+          </p:spPr>
+          <p:style>
+            <a:lnRef idx="1">
+              <a:schemeClr val="accent1"/>
+            </a:lnRef>
+            <a:fillRef idx="0">
+              <a:schemeClr val="accent1"/>
+            </a:fillRef>
+            <a:effectRef idx="0">
+              <a:schemeClr val="accent1"/>
+            </a:effectRef>
+            <a:fontRef idx="minor">
+              <a:schemeClr val="tx1"/>
+            </a:fontRef>
+          </p:style>
+        </p:cxnSp>
+      </p:grpSp>
+      <p:pic>
+        <p:nvPicPr>
+          <p:cNvPr id="17" name="Picture 16">
+            <a:extLst>
+              <a:ext uri="{FF2B5EF4-FFF2-40B4-BE49-F238E27FC236}">
+                <a16:creationId xmlns:a16="http://schemas.microsoft.com/office/drawing/2014/main" id="{7E82A0D9-F7BA-436B-82FF-15A6694FB402}"/>
+              </a:ext>
+            </a:extLst>
+          </p:cNvPr>
+          <p:cNvPicPr>
+            <a:picLocks noChangeAspect="1"/>
+          </p:cNvPicPr>
+          <p:nvPr/>
+        </p:nvPicPr>
+        <p:blipFill>
+          <a:blip r:embed="rId2"/>
+          <a:stretch>
+            <a:fillRect/>
+          </a:stretch>
+        </p:blipFill>
+        <p:spPr>
+          <a:xfrm>
+            <a:off x="7260895" y="3551872"/>
+            <a:ext cx="3854328" cy="2242947"/>
+          </a:xfrm>
+          <a:prstGeom prst="rect">
+            <a:avLst/>
+          </a:prstGeom>
+        </p:spPr>
+      </p:pic>
+      <p:grpSp>
+        <p:nvGrpSpPr>
+          <p:cNvPr id="13" name="Group 12">
+            <a:extLst>
+              <a:ext uri="{FF2B5EF4-FFF2-40B4-BE49-F238E27FC236}">
+                <a16:creationId xmlns:a16="http://schemas.microsoft.com/office/drawing/2014/main" id="{09435B4D-AD6A-4FEB-A8B0-8A1415CD40E9}"/>
+              </a:ext>
+            </a:extLst>
+          </p:cNvPr>
+          <p:cNvGrpSpPr/>
+          <p:nvPr/>
+        </p:nvGrpSpPr>
+        <p:grpSpPr>
+          <a:xfrm>
+            <a:off x="4538710" y="2646486"/>
+            <a:ext cx="4190828" cy="2084884"/>
+            <a:chOff x="-1729504" y="4504015"/>
+            <a:chExt cx="3972076" cy="2057459"/>
+          </a:xfrm>
+        </p:grpSpPr>
+        <p:sp>
+          <p:nvSpPr>
+            <p:cNvPr id="14" name="TextBox 13">
+              <a:extLst>
+                <a:ext uri="{FF2B5EF4-FFF2-40B4-BE49-F238E27FC236}">
+                  <a16:creationId xmlns:a16="http://schemas.microsoft.com/office/drawing/2014/main" id="{48986B4C-A89D-49FB-8B77-A4AC3E3F9AA3}"/>
+                </a:ext>
+              </a:extLst>
+            </p:cNvPr>
+            <p:cNvSpPr txBox="1"/>
+            <p:nvPr/>
+          </p:nvSpPr>
+          <p:spPr>
+            <a:xfrm>
+              <a:off x="-1729504" y="5012461"/>
+              <a:ext cx="2208180" cy="1549013"/>
+            </a:xfrm>
+            <a:prstGeom prst="rect">
+              <a:avLst/>
+            </a:prstGeom>
+            <a:solidFill>
+              <a:schemeClr val="bg1"/>
+            </a:solidFill>
+            <a:ln w="28575">
+              <a:solidFill>
+                <a:schemeClr val="accent1"/>
+              </a:solidFill>
+            </a:ln>
+          </p:spPr>
+          <p:txBody>
+            <a:bodyPr wrap="square" rtlCol="0">
+              <a:spAutoFit/>
+            </a:bodyPr>
+            <a:lstStyle/>
+            <a:p>
+              <a:r>
+                <a:rPr lang="en-GB" sz="1200" dirty="0">
+                  <a:solidFill>
+                    <a:srgbClr val="FF0000"/>
+                  </a:solidFill>
+                </a:rPr>
+                <a:t>1.</a:t>
+              </a:r>
+              <a:r>
+                <a:rPr lang="en-GB" sz="1200" dirty="0"/>
+                <a:t> [</a:t>
+              </a:r>
+              <a:r>
+                <a:rPr lang="en-GB" sz="1100" dirty="0" err="1">
+                  <a:latin typeface="Consolas" panose="020B0609020204030204" pitchFamily="49" charset="0"/>
+                </a:rPr>
+                <a:t>DescribedAs</a:t>
+              </a:r>
+              <a:r>
+                <a:rPr lang="en-GB" sz="1100" dirty="0">
+                  <a:latin typeface="Consolas" panose="020B0609020204030204" pitchFamily="49" charset="0"/>
+                </a:rPr>
+                <a:t>]</a:t>
+              </a:r>
+              <a:r>
+                <a:rPr lang="en-GB" sz="1200" dirty="0">
+                  <a:solidFill>
+                    <a:srgbClr val="FF0000"/>
+                  </a:solidFill>
+                </a:rPr>
+                <a:t> provides user help. On a parameter the text will be displayed as a ‘placeholder’ in the empty dialog field; when applied to a function, the text will be rendered as a tooltip – seen when the mouse hovers over the corresponding action in a menu.</a:t>
+              </a:r>
+            </a:p>
+          </p:txBody>
+        </p:sp>
+        <p:cxnSp>
+          <p:nvCxnSpPr>
+            <p:cNvPr id="15" name="Straight Arrow Connector 14">
+              <a:extLst>
+                <a:ext uri="{FF2B5EF4-FFF2-40B4-BE49-F238E27FC236}">
+                  <a16:creationId xmlns:a16="http://schemas.microsoft.com/office/drawing/2014/main" id="{DE6FDC34-A0D4-43CD-90EC-9219DA1C3093}"/>
+                </a:ext>
+              </a:extLst>
+            </p:cNvPr>
+            <p:cNvCxnSpPr>
+              <a:cxnSpLocks/>
+              <a:stCxn id="14" idx="0"/>
+            </p:cNvCxnSpPr>
+            <p:nvPr/>
+          </p:nvCxnSpPr>
+          <p:spPr>
+            <a:xfrm flipV="1">
+              <a:off x="-625414" y="4504015"/>
+              <a:ext cx="0" cy="508447"/>
+            </a:xfrm>
+            <a:prstGeom prst="straightConnector1">
+              <a:avLst/>
+            </a:prstGeom>
+            <a:ln w="28575">
+              <a:tailEnd type="triangle"/>
+            </a:ln>
+          </p:spPr>
+          <p:style>
+            <a:lnRef idx="1">
+              <a:schemeClr val="accent1"/>
+            </a:lnRef>
+            <a:fillRef idx="0">
+              <a:schemeClr val="accent1"/>
+            </a:fillRef>
+            <a:effectRef idx="0">
+              <a:schemeClr val="accent1"/>
+            </a:effectRef>
+            <a:fontRef idx="minor">
+              <a:schemeClr val="tx1"/>
+            </a:fontRef>
+          </p:style>
+        </p:cxnSp>
+        <p:cxnSp>
+          <p:nvCxnSpPr>
+            <p:cNvPr id="18" name="Straight Arrow Connector 17">
+              <a:extLst>
+                <a:ext uri="{FF2B5EF4-FFF2-40B4-BE49-F238E27FC236}">
+                  <a16:creationId xmlns:a16="http://schemas.microsoft.com/office/drawing/2014/main" id="{53A09F59-8B2B-46CB-9B96-0F102EB0946A}"/>
+                </a:ext>
+              </a:extLst>
+            </p:cNvPr>
+            <p:cNvCxnSpPr>
+              <a:cxnSpLocks/>
+              <a:stCxn id="14" idx="3"/>
+            </p:cNvCxnSpPr>
+            <p:nvPr/>
+          </p:nvCxnSpPr>
+          <p:spPr>
+            <a:xfrm>
+              <a:off x="478676" y="5786968"/>
+              <a:ext cx="1763896" cy="624720"/>
+            </a:xfrm>
+            <a:prstGeom prst="straightConnector1">
+              <a:avLst/>
+            </a:prstGeom>
+            <a:ln w="28575">
+              <a:tailEnd type="triangle"/>
+            </a:ln>
+          </p:spPr>
+          <p:style>
+            <a:lnRef idx="1">
+              <a:schemeClr val="accent1"/>
+            </a:lnRef>
+            <a:fillRef idx="0">
+              <a:schemeClr val="accent1"/>
+            </a:fillRef>
+            <a:effectRef idx="0">
+              <a:schemeClr val="accent1"/>
+            </a:effectRef>
+            <a:fontRef idx="minor">
+              <a:schemeClr val="tx1"/>
+            </a:fontRef>
+          </p:style>
+        </p:cxnSp>
+      </p:grpSp>
+    </p:spTree>
+    <p:extLst>
+      <p:ext uri="{BB962C8B-B14F-4D97-AF65-F5344CB8AC3E}">
+        <p14:creationId xmlns:p14="http://schemas.microsoft.com/office/powerpoint/2010/main" val="3673013680"/>
+      </p:ext>
+    </p:extLst>
+  </p:cSld>
+  <p:clrMapOvr>
+    <a:masterClrMapping/>
+  </p:clrMapOvr>
+</p:sld>
+</file>
+
+<file path=ppt/slides/slide17.xml><?xml version="1.0" encoding="utf-8"?>
+<p:sld xmlns:a="http://schemas.openxmlformats.org/drawingml/2006/main" xmlns:r="http://schemas.openxmlformats.org/officeDocument/2006/relationships" xmlns:p="http://schemas.openxmlformats.org/presentationml/2006/main">
+  <p:cSld>
+    <p:spTree>
+      <p:nvGrpSpPr>
+        <p:cNvPr id="1" name=""/>
+        <p:cNvGrpSpPr/>
+        <p:nvPr/>
+      </p:nvGrpSpPr>
+      <p:grpSpPr>
+        <a:xfrm>
+          <a:off x="0" y="0"/>
+          <a:ext cx="0" cy="0"/>
+          <a:chOff x="0" y="0"/>
+          <a:chExt cx="0" cy="0"/>
+        </a:xfrm>
+      </p:grpSpPr>
+      <p:sp>
+        <p:nvSpPr>
+          <p:cNvPr id="2" name="Title 1">
+            <a:extLst>
+              <a:ext uri="{FF2B5EF4-FFF2-40B4-BE49-F238E27FC236}">
                 <a16:creationId xmlns:a16="http://schemas.microsoft.com/office/drawing/2014/main" id="{55FD76FE-7C6B-4D75-B94F-BD18220813E0}"/>
               </a:ext>
             </a:extLst>
@@ -7255,7 +9705,7 @@
         </p:blipFill>
         <p:spPr>
           <a:xfrm>
-            <a:off x="180975" y="2214562"/>
+            <a:off x="180975" y="2702242"/>
             <a:ext cx="12011025" cy="628650"/>
           </a:xfrm>
           <a:prstGeom prst="rect">
@@ -7284,7 +9734,7 @@
         </p:blipFill>
         <p:spPr>
           <a:xfrm>
-            <a:off x="180975" y="3929064"/>
+            <a:off x="180975" y="4416744"/>
             <a:ext cx="12011025" cy="699770"/>
           </a:xfrm>
           <a:prstGeom prst="rect">
@@ -7306,7 +9756,7 @@
         </p:nvGrpSpPr>
         <p:grpSpPr>
           <a:xfrm>
-            <a:off x="243840" y="3112409"/>
+            <a:off x="243840" y="3600089"/>
             <a:ext cx="4783384" cy="916547"/>
             <a:chOff x="-6239946" y="6343019"/>
             <a:chExt cx="4533703" cy="904491"/>
@@ -7459,7 +9909,7 @@
         </p:nvGrpSpPr>
         <p:grpSpPr>
           <a:xfrm>
-            <a:off x="243840" y="4511038"/>
+            <a:off x="243840" y="4998718"/>
             <a:ext cx="4783384" cy="1289829"/>
             <a:chOff x="-6398577" y="5916030"/>
             <a:chExt cx="4533703" cy="1272863"/>
@@ -7596,7 +10046,7 @@
         </p:nvGrpSpPr>
         <p:grpSpPr>
           <a:xfrm>
-            <a:off x="6096000" y="4275909"/>
+            <a:off x="6096000" y="4763589"/>
             <a:ext cx="4783384" cy="1884567"/>
             <a:chOff x="-6398577" y="5693589"/>
             <a:chExt cx="4533703" cy="1859778"/>
@@ -7863,6 +10313,36 @@
           </p:style>
         </p:cxnSp>
       </p:grpSp>
+      <p:pic>
+        <p:nvPicPr>
+          <p:cNvPr id="6" name="Picture 5">
+            <a:extLst>
+              <a:ext uri="{FF2B5EF4-FFF2-40B4-BE49-F238E27FC236}">
+                <a16:creationId xmlns:a16="http://schemas.microsoft.com/office/drawing/2014/main" id="{B4008F09-5887-491C-82C3-89E1DEA1A570}"/>
+              </a:ext>
+            </a:extLst>
+          </p:cNvPr>
+          <p:cNvPicPr>
+            <a:picLocks noChangeAspect="1"/>
+          </p:cNvPicPr>
+          <p:nvPr/>
+        </p:nvPicPr>
+        <p:blipFill>
+          <a:blip r:embed="rId3"/>
+          <a:stretch>
+            <a:fillRect/>
+          </a:stretch>
+        </p:blipFill>
+        <p:spPr>
+          <a:xfrm>
+            <a:off x="7814989" y="221409"/>
+            <a:ext cx="4086225" cy="2105025"/>
+          </a:xfrm>
+          <a:prstGeom prst="rect">
+            <a:avLst/>
+          </a:prstGeom>
+        </p:spPr>
+      </p:pic>
     </p:spTree>
     <p:extLst>
       <p:ext uri="{BB962C8B-B14F-4D97-AF65-F5344CB8AC3E}">
@@ -7876,7 +10356,7 @@
 </p:sld>
 </file>
 
-<file path=ppt/slides/slide15.xml><?xml version="1.0" encoding="utf-8"?>
+<file path=ppt/slides/slide18.xml><?xml version="1.0" encoding="utf-8"?>
 <p:sld xmlns:a="http://schemas.openxmlformats.org/drawingml/2006/main" xmlns:r="http://schemas.openxmlformats.org/officeDocument/2006/relationships" xmlns:p="http://schemas.openxmlformats.org/presentationml/2006/main">
   <p:cSld>
     <p:spTree>
@@ -7972,10 +10452,10 @@
         </p:nvGrpSpPr>
         <p:grpSpPr>
           <a:xfrm>
-            <a:off x="3634638" y="1830572"/>
-            <a:ext cx="4783384" cy="1180901"/>
-            <a:chOff x="-6431594" y="6342656"/>
-            <a:chExt cx="4533703" cy="1165368"/>
+            <a:off x="2607026" y="1792888"/>
+            <a:ext cx="4783384" cy="1209419"/>
+            <a:chOff x="-7405567" y="6305469"/>
+            <a:chExt cx="4533703" cy="1193511"/>
           </a:xfrm>
         </p:grpSpPr>
         <p:sp>
@@ -7992,7 +10472,7 @@
           </p:nvSpPr>
           <p:spPr>
             <a:xfrm>
-              <a:off x="-6431594" y="6342656"/>
+              <a:off x="-7405567" y="6305469"/>
               <a:ext cx="4533703" cy="637829"/>
             </a:xfrm>
             <a:prstGeom prst="rect">
@@ -8055,8 +10535,8 @@
           </p:nvCxnSpPr>
           <p:spPr>
             <a:xfrm>
-              <a:off x="-4164742" y="6980484"/>
-              <a:ext cx="1" cy="527540"/>
+              <a:off x="-5138716" y="6943298"/>
+              <a:ext cx="965721" cy="555682"/>
             </a:xfrm>
             <a:prstGeom prst="straightConnector1">
               <a:avLst/>
@@ -8630,6 +11110,36 @@
           </p:txBody>
         </p:sp>
       </p:grpSp>
+      <p:pic>
+        <p:nvPicPr>
+          <p:cNvPr id="4" name="Picture 3">
+            <a:extLst>
+              <a:ext uri="{FF2B5EF4-FFF2-40B4-BE49-F238E27FC236}">
+                <a16:creationId xmlns:a16="http://schemas.microsoft.com/office/drawing/2014/main" id="{8A97C5D1-D797-4C15-AD29-23F63D086260}"/>
+              </a:ext>
+            </a:extLst>
+          </p:cNvPr>
+          <p:cNvPicPr>
+            <a:picLocks noChangeAspect="1"/>
+          </p:cNvPicPr>
+          <p:nvPr/>
+        </p:nvPicPr>
+        <p:blipFill>
+          <a:blip r:embed="rId3"/>
+          <a:stretch>
+            <a:fillRect/>
+          </a:stretch>
+        </p:blipFill>
+        <p:spPr>
+          <a:xfrm>
+            <a:off x="7880168" y="136366"/>
+            <a:ext cx="4114800" cy="2352675"/>
+          </a:xfrm>
+          <a:prstGeom prst="rect">
+            <a:avLst/>
+          </a:prstGeom>
+        </p:spPr>
+      </p:pic>
     </p:spTree>
     <p:extLst>
       <p:ext uri="{BB962C8B-B14F-4D97-AF65-F5344CB8AC3E}">
@@ -8643,7 +11153,7 @@
 </p:sld>
 </file>
 
-<file path=ppt/slides/slide16.xml><?xml version="1.0" encoding="utf-8"?>
+<file path=ppt/slides/slide19.xml><?xml version="1.0" encoding="utf-8"?>
 <p:sld xmlns:a="http://schemas.openxmlformats.org/drawingml/2006/main" xmlns:r="http://schemas.openxmlformats.org/officeDocument/2006/relationships" xmlns:p="http://schemas.openxmlformats.org/presentationml/2006/main">
   <p:cSld>
     <p:spTree>
@@ -8665,7 +11175,7 @@
           <p:cNvPr id="2" name="Title 1">
             <a:extLst>
               <a:ext uri="{FF2B5EF4-FFF2-40B4-BE49-F238E27FC236}">
-                <a16:creationId xmlns:a16="http://schemas.microsoft.com/office/drawing/2014/main" id="{FCF3A516-0DBD-4B17-9668-830AA15D8632}"/>
+                <a16:creationId xmlns:a16="http://schemas.microsoft.com/office/drawing/2014/main" id="{A235FF3B-563A-4C23-BE37-6E4502AA315D}"/>
               </a:ext>
             </a:extLst>
           </p:cNvPr>
@@ -8678,12 +11188,21 @@
         </p:nvSpPr>
         <p:spPr/>
         <p:txBody>
-          <a:bodyPr/>
+          <a:bodyPr>
+            <a:normAutofit/>
+          </a:bodyPr>
           <a:lstStyle/>
           <a:p>
             <a:r>
-              <a:rPr lang="en-GB"/>
-              <a:t>TODO – Other complementary functions</a:t>
+              <a:rPr lang="en-GB" sz="2800" dirty="0"/>
+              <a:t>Complementary functions:</a:t>
+            </a:r>
+            <a:br>
+              <a:rPr lang="en-GB" sz="2800" dirty="0"/>
+            </a:br>
+            <a:r>
+              <a:rPr lang="en-GB" sz="2800" dirty="0"/>
+              <a:t>Presenting the user with choices for a parameter</a:t>
             </a:r>
           </a:p>
         </p:txBody>
@@ -8693,7 +11212,7 @@
           <p:cNvPr id="3" name="Content Placeholder 2">
             <a:extLst>
               <a:ext uri="{FF2B5EF4-FFF2-40B4-BE49-F238E27FC236}">
-                <a16:creationId xmlns:a16="http://schemas.microsoft.com/office/drawing/2014/main" id="{5CD2AC60-5711-49F1-8A32-602E5552A42C}"/>
+                <a16:creationId xmlns:a16="http://schemas.microsoft.com/office/drawing/2014/main" id="{02403EA7-2020-4CFB-A639-71C09E7258FE}"/>
               </a:ext>
             </a:extLst>
           </p:cNvPr>
@@ -8704,40 +11223,1489 @@
             <p:ph idx="1"/>
           </p:nvPr>
         </p:nvSpPr>
-        <p:spPr/>
+        <p:spPr>
+          <a:xfrm>
+            <a:off x="838199" y="1825625"/>
+            <a:ext cx="11005457" cy="4775472"/>
+          </a:xfrm>
+        </p:spPr>
         <p:txBody>
-          <a:bodyPr/>
+          <a:bodyPr>
+            <a:normAutofit fontScale="70000" lnSpcReduction="20000"/>
+          </a:bodyPr>
           <a:lstStyle/>
           <a:p>
-            <a:r>
-              <a:rPr lang="en-GB"/>
-              <a:t>ChoicesXxx</a:t>
-            </a:r>
+            <a:endParaRPr lang="en-GB" sz="1500" dirty="0"/>
           </a:p>
           <a:p>
-            <a:r>
-              <a:rPr lang="en-GB"/>
-              <a:t>DefaultXxx</a:t>
-            </a:r>
+            <a:pPr marL="0" indent="0">
+              <a:buNone/>
+            </a:pPr>
+            <a:endParaRPr lang="en-US" sz="1500" dirty="0">
+              <a:solidFill>
+                <a:srgbClr val="0000FF"/>
+              </a:solidFill>
+              <a:latin typeface="Consolas" panose="020B0609020204030204" pitchFamily="49" charset="0"/>
+            </a:endParaRPr>
           </a:p>
           <a:p>
-            <a:r>
-              <a:rPr lang="en-GB"/>
-              <a:t>HideXxx</a:t>
-            </a:r>
+            <a:pPr marL="0" indent="0">
+              <a:buNone/>
+            </a:pPr>
+            <a:endParaRPr lang="en-US" sz="1500" dirty="0">
+              <a:solidFill>
+                <a:srgbClr val="0000FF"/>
+              </a:solidFill>
+              <a:latin typeface="Consolas" panose="020B0609020204030204" pitchFamily="49" charset="0"/>
+            </a:endParaRPr>
           </a:p>
           <a:p>
-            <a:r>
-              <a:rPr lang="en-GB"/>
-              <a:t>DisableXxx</a:t>
-            </a:r>
+            <a:pPr marL="0" indent="0">
+              <a:buNone/>
+            </a:pPr>
+            <a:r>
+              <a:rPr lang="en-US" sz="2000" dirty="0">
+                <a:solidFill>
+                  <a:srgbClr val="0000FF"/>
+                </a:solidFill>
+                <a:latin typeface="Consolas" panose="020B0609020204030204" pitchFamily="49" charset="0"/>
+              </a:rPr>
+              <a:t>public</a:t>
+            </a:r>
+            <a:r>
+              <a:rPr lang="en-US" sz="2000" dirty="0">
+                <a:solidFill>
+                  <a:srgbClr val="000000"/>
+                </a:solidFill>
+                <a:latin typeface="Consolas" panose="020B0609020204030204" pitchFamily="49" charset="0"/>
+              </a:rPr>
+              <a:t> </a:t>
+            </a:r>
+            <a:r>
+              <a:rPr lang="en-US" sz="2000" dirty="0">
+                <a:solidFill>
+                  <a:srgbClr val="0000FF"/>
+                </a:solidFill>
+                <a:latin typeface="Consolas" panose="020B0609020204030204" pitchFamily="49" charset="0"/>
+              </a:rPr>
+              <a:t>static</a:t>
+            </a:r>
+            <a:r>
+              <a:rPr lang="en-US" sz="2000" dirty="0">
+                <a:solidFill>
+                  <a:srgbClr val="000000"/>
+                </a:solidFill>
+                <a:latin typeface="Consolas" panose="020B0609020204030204" pitchFamily="49" charset="0"/>
+              </a:rPr>
+              <a:t> </a:t>
+            </a:r>
+            <a:r>
+              <a:rPr lang="en-US" sz="2000" dirty="0" err="1">
+                <a:solidFill>
+                  <a:srgbClr val="000000"/>
+                </a:solidFill>
+                <a:latin typeface="Consolas" panose="020B0609020204030204" pitchFamily="49" charset="0"/>
+              </a:rPr>
+              <a:t>IContext</a:t>
+            </a:r>
+            <a:r>
+              <a:rPr lang="en-US" sz="2000" dirty="0">
+                <a:solidFill>
+                  <a:srgbClr val="000000"/>
+                </a:solidFill>
+                <a:latin typeface="Consolas" panose="020B0609020204030204" pitchFamily="49" charset="0"/>
+              </a:rPr>
+              <a:t> </a:t>
+            </a:r>
+            <a:r>
+              <a:rPr lang="en-US" sz="2000" dirty="0" err="1">
+                <a:solidFill>
+                  <a:srgbClr val="000000"/>
+                </a:solidFill>
+                <a:latin typeface="Consolas" panose="020B0609020204030204" pitchFamily="49" charset="0"/>
+              </a:rPr>
+              <a:t>EditCategory</a:t>
+            </a:r>
+            <a:r>
+              <a:rPr lang="en-US" sz="2000" dirty="0">
+                <a:solidFill>
+                  <a:srgbClr val="000000"/>
+                </a:solidFill>
+                <a:latin typeface="Consolas" panose="020B0609020204030204" pitchFamily="49" charset="0"/>
+              </a:rPr>
+              <a:t>(</a:t>
+            </a:r>
+            <a:r>
+              <a:rPr lang="en-US" sz="2000" dirty="0">
+                <a:solidFill>
+                  <a:srgbClr val="0000FF"/>
+                </a:solidFill>
+                <a:latin typeface="Consolas" panose="020B0609020204030204" pitchFamily="49" charset="0"/>
+              </a:rPr>
+              <a:t>this</a:t>
+            </a:r>
+            <a:r>
+              <a:rPr lang="en-US" sz="2000" dirty="0">
+                <a:solidFill>
+                  <a:srgbClr val="000000"/>
+                </a:solidFill>
+                <a:latin typeface="Consolas" panose="020B0609020204030204" pitchFamily="49" charset="0"/>
+              </a:rPr>
+              <a:t> </a:t>
+            </a:r>
+            <a:r>
+              <a:rPr lang="en-US" sz="2000" dirty="0" err="1">
+                <a:solidFill>
+                  <a:srgbClr val="000000"/>
+                </a:solidFill>
+                <a:latin typeface="Consolas" panose="020B0609020204030204" pitchFamily="49" charset="0"/>
+              </a:rPr>
+              <a:t>SpecialOffer</a:t>
+            </a:r>
+            <a:r>
+              <a:rPr lang="en-US" sz="2000" dirty="0">
+                <a:solidFill>
+                  <a:srgbClr val="000000"/>
+                </a:solidFill>
+                <a:latin typeface="Consolas" panose="020B0609020204030204" pitchFamily="49" charset="0"/>
+              </a:rPr>
+              <a:t> </a:t>
+            </a:r>
+            <a:r>
+              <a:rPr lang="en-US" sz="2000" dirty="0" err="1">
+                <a:solidFill>
+                  <a:srgbClr val="000000"/>
+                </a:solidFill>
+                <a:latin typeface="Consolas" panose="020B0609020204030204" pitchFamily="49" charset="0"/>
+              </a:rPr>
+              <a:t>sp</a:t>
+            </a:r>
+            <a:r>
+              <a:rPr lang="en-US" sz="2000" dirty="0">
+                <a:solidFill>
+                  <a:srgbClr val="000000"/>
+                </a:solidFill>
+                <a:latin typeface="Consolas" panose="020B0609020204030204" pitchFamily="49" charset="0"/>
+              </a:rPr>
+              <a:t>, </a:t>
+            </a:r>
+            <a:r>
+              <a:rPr lang="en-US" sz="2000" dirty="0">
+                <a:solidFill>
+                  <a:srgbClr val="0000FF"/>
+                </a:solidFill>
+                <a:latin typeface="Consolas" panose="020B0609020204030204" pitchFamily="49" charset="0"/>
+              </a:rPr>
+              <a:t>string</a:t>
+            </a:r>
+            <a:r>
+              <a:rPr lang="en-US" sz="2000" dirty="0">
+                <a:solidFill>
+                  <a:srgbClr val="000000"/>
+                </a:solidFill>
+                <a:latin typeface="Consolas" panose="020B0609020204030204" pitchFamily="49" charset="0"/>
+              </a:rPr>
+              <a:t> category, </a:t>
+            </a:r>
+            <a:r>
+              <a:rPr lang="en-US" sz="2000" dirty="0" err="1">
+                <a:solidFill>
+                  <a:srgbClr val="000000"/>
+                </a:solidFill>
+                <a:latin typeface="Consolas" panose="020B0609020204030204" pitchFamily="49" charset="0"/>
+              </a:rPr>
+              <a:t>IContext</a:t>
+            </a:r>
+            <a:r>
+              <a:rPr lang="en-US" sz="2000" dirty="0">
+                <a:solidFill>
+                  <a:srgbClr val="000000"/>
+                </a:solidFill>
+                <a:latin typeface="Consolas" panose="020B0609020204030204" pitchFamily="49" charset="0"/>
+              </a:rPr>
+              <a:t> context) =&gt; </a:t>
+            </a:r>
+          </a:p>
+          <a:p>
+            <a:pPr marL="0" indent="0">
+              <a:buNone/>
+            </a:pPr>
+            <a:r>
+              <a:rPr lang="en-US" sz="2000" dirty="0">
+                <a:solidFill>
+                  <a:srgbClr val="000000"/>
+                </a:solidFill>
+                <a:latin typeface="Consolas" panose="020B0609020204030204" pitchFamily="49" charset="0"/>
+              </a:rPr>
+              <a:t>    </a:t>
+            </a:r>
+            <a:r>
+              <a:rPr lang="en-US" sz="2000" dirty="0" err="1">
+                <a:solidFill>
+                  <a:srgbClr val="000000"/>
+                </a:solidFill>
+                <a:latin typeface="Consolas" panose="020B0609020204030204" pitchFamily="49" charset="0"/>
+              </a:rPr>
+              <a:t>context.WithUpdated</a:t>
+            </a:r>
+            <a:r>
+              <a:rPr lang="en-US" sz="2000" dirty="0">
+                <a:solidFill>
+                  <a:srgbClr val="000000"/>
+                </a:solidFill>
+                <a:latin typeface="Consolas" panose="020B0609020204030204" pitchFamily="49" charset="0"/>
+              </a:rPr>
+              <a:t>(</a:t>
+            </a:r>
+            <a:r>
+              <a:rPr lang="en-US" sz="2000" dirty="0" err="1">
+                <a:solidFill>
+                  <a:srgbClr val="000000"/>
+                </a:solidFill>
+                <a:latin typeface="Consolas" panose="020B0609020204030204" pitchFamily="49" charset="0"/>
+              </a:rPr>
+              <a:t>sp</a:t>
+            </a:r>
+            <a:r>
+              <a:rPr lang="en-US" sz="2000" dirty="0">
+                <a:solidFill>
+                  <a:srgbClr val="000000"/>
+                </a:solidFill>
+                <a:latin typeface="Consolas" panose="020B0609020204030204" pitchFamily="49" charset="0"/>
+              </a:rPr>
+              <a:t>, </a:t>
+            </a:r>
+            <a:r>
+              <a:rPr lang="en-US" sz="2000" dirty="0" err="1">
+                <a:solidFill>
+                  <a:srgbClr val="000000"/>
+                </a:solidFill>
+                <a:latin typeface="Consolas" panose="020B0609020204030204" pitchFamily="49" charset="0"/>
+              </a:rPr>
+              <a:t>sp</a:t>
+            </a:r>
+            <a:r>
+              <a:rPr lang="en-US" sz="2000" dirty="0">
+                <a:solidFill>
+                  <a:srgbClr val="000000"/>
+                </a:solidFill>
+                <a:latin typeface="Consolas" panose="020B0609020204030204" pitchFamily="49" charset="0"/>
+              </a:rPr>
+              <a:t> </a:t>
+            </a:r>
+            <a:r>
+              <a:rPr lang="en-US" sz="2000" dirty="0">
+                <a:solidFill>
+                  <a:srgbClr val="0000FF"/>
+                </a:solidFill>
+                <a:latin typeface="Consolas" panose="020B0609020204030204" pitchFamily="49" charset="0"/>
+              </a:rPr>
+              <a:t>with</a:t>
+            </a:r>
+            <a:r>
+              <a:rPr lang="en-US" sz="2000" dirty="0">
+                <a:solidFill>
+                  <a:srgbClr val="000000"/>
+                </a:solidFill>
+                <a:latin typeface="Consolas" panose="020B0609020204030204" pitchFamily="49" charset="0"/>
+              </a:rPr>
+              <a:t> { Category = category, </a:t>
+            </a:r>
+            <a:r>
+              <a:rPr lang="en-US" sz="2000" dirty="0" err="1">
+                <a:solidFill>
+                  <a:srgbClr val="000000"/>
+                </a:solidFill>
+                <a:latin typeface="Consolas" panose="020B0609020204030204" pitchFamily="49" charset="0"/>
+              </a:rPr>
+              <a:t>ModifiedDate</a:t>
+            </a:r>
+            <a:r>
+              <a:rPr lang="en-US" sz="2000" dirty="0">
+                <a:solidFill>
+                  <a:srgbClr val="000000"/>
+                </a:solidFill>
+                <a:latin typeface="Consolas" panose="020B0609020204030204" pitchFamily="49" charset="0"/>
+              </a:rPr>
+              <a:t> = </a:t>
+            </a:r>
+            <a:r>
+              <a:rPr lang="en-US" sz="2000" dirty="0" err="1">
+                <a:solidFill>
+                  <a:srgbClr val="000000"/>
+                </a:solidFill>
+                <a:latin typeface="Consolas" panose="020B0609020204030204" pitchFamily="49" charset="0"/>
+              </a:rPr>
+              <a:t>context.Now</a:t>
+            </a:r>
+            <a:r>
+              <a:rPr lang="en-US" sz="2000" dirty="0">
+                <a:solidFill>
+                  <a:srgbClr val="000000"/>
+                </a:solidFill>
+                <a:latin typeface="Consolas" panose="020B0609020204030204" pitchFamily="49" charset="0"/>
+              </a:rPr>
+              <a:t>() });</a:t>
+            </a:r>
+          </a:p>
+          <a:p>
+            <a:pPr marL="0" indent="0">
+              <a:buNone/>
+            </a:pPr>
+            <a:endParaRPr lang="en-GB" sz="2000" dirty="0">
+              <a:solidFill>
+                <a:srgbClr val="000000"/>
+              </a:solidFill>
+              <a:latin typeface="Consolas" panose="020B0609020204030204" pitchFamily="49" charset="0"/>
+            </a:endParaRPr>
+          </a:p>
+          <a:p>
+            <a:pPr marL="0" indent="0">
+              <a:buNone/>
+            </a:pPr>
+            <a:r>
+              <a:rPr lang="en-US" sz="2000" dirty="0">
+                <a:solidFill>
+                  <a:srgbClr val="0000FF"/>
+                </a:solidFill>
+                <a:latin typeface="Consolas" panose="020B0609020204030204" pitchFamily="49" charset="0"/>
+              </a:rPr>
+              <a:t>public</a:t>
+            </a:r>
+            <a:r>
+              <a:rPr lang="en-US" sz="2000" dirty="0">
+                <a:solidFill>
+                  <a:srgbClr val="000000"/>
+                </a:solidFill>
+                <a:latin typeface="Consolas" panose="020B0609020204030204" pitchFamily="49" charset="0"/>
+              </a:rPr>
+              <a:t> </a:t>
+            </a:r>
+            <a:r>
+              <a:rPr lang="en-US" sz="2000" dirty="0">
+                <a:solidFill>
+                  <a:srgbClr val="0000FF"/>
+                </a:solidFill>
+                <a:latin typeface="Consolas" panose="020B0609020204030204" pitchFamily="49" charset="0"/>
+              </a:rPr>
+              <a:t>static</a:t>
+            </a:r>
+            <a:r>
+              <a:rPr lang="en-US" sz="2000" dirty="0">
+                <a:solidFill>
+                  <a:srgbClr val="000000"/>
+                </a:solidFill>
+                <a:latin typeface="Consolas" panose="020B0609020204030204" pitchFamily="49" charset="0"/>
+              </a:rPr>
+              <a:t> </a:t>
+            </a:r>
+            <a:r>
+              <a:rPr lang="en-US" sz="2000" dirty="0" err="1">
+                <a:solidFill>
+                  <a:srgbClr val="000000"/>
+                </a:solidFill>
+                <a:latin typeface="Consolas" panose="020B0609020204030204" pitchFamily="49" charset="0"/>
+              </a:rPr>
+              <a:t>IList</a:t>
+            </a:r>
+            <a:r>
+              <a:rPr lang="en-US" sz="2000" dirty="0">
+                <a:solidFill>
+                  <a:srgbClr val="000000"/>
+                </a:solidFill>
+                <a:latin typeface="Consolas" panose="020B0609020204030204" pitchFamily="49" charset="0"/>
+              </a:rPr>
+              <a:t>&lt;</a:t>
+            </a:r>
+            <a:r>
+              <a:rPr lang="en-US" sz="2000" dirty="0">
+                <a:solidFill>
+                  <a:srgbClr val="0000FF"/>
+                </a:solidFill>
+                <a:latin typeface="Consolas" panose="020B0609020204030204" pitchFamily="49" charset="0"/>
+              </a:rPr>
+              <a:t>string</a:t>
+            </a:r>
+            <a:r>
+              <a:rPr lang="en-US" sz="2000" dirty="0">
+                <a:solidFill>
+                  <a:srgbClr val="000000"/>
+                </a:solidFill>
+                <a:latin typeface="Consolas" panose="020B0609020204030204" pitchFamily="49" charset="0"/>
+              </a:rPr>
+              <a:t>&gt; Choices1Category(</a:t>
+            </a:r>
+            <a:r>
+              <a:rPr lang="en-US" sz="2000" dirty="0">
+                <a:solidFill>
+                  <a:srgbClr val="0000FF"/>
+                </a:solidFill>
+                <a:latin typeface="Consolas" panose="020B0609020204030204" pitchFamily="49" charset="0"/>
+              </a:rPr>
+              <a:t>this</a:t>
+            </a:r>
+            <a:r>
+              <a:rPr lang="en-US" sz="2000" dirty="0">
+                <a:solidFill>
+                  <a:srgbClr val="000000"/>
+                </a:solidFill>
+                <a:latin typeface="Consolas" panose="020B0609020204030204" pitchFamily="49" charset="0"/>
+              </a:rPr>
+              <a:t> </a:t>
+            </a:r>
+            <a:r>
+              <a:rPr lang="en-US" sz="2000" dirty="0" err="1">
+                <a:solidFill>
+                  <a:srgbClr val="000000"/>
+                </a:solidFill>
+                <a:latin typeface="Consolas" panose="020B0609020204030204" pitchFamily="49" charset="0"/>
+              </a:rPr>
+              <a:t>SpecialOffer</a:t>
+            </a:r>
+            <a:r>
+              <a:rPr lang="en-US" sz="2000" dirty="0">
+                <a:solidFill>
+                  <a:srgbClr val="000000"/>
+                </a:solidFill>
+                <a:latin typeface="Consolas" panose="020B0609020204030204" pitchFamily="49" charset="0"/>
+              </a:rPr>
+              <a:t> </a:t>
+            </a:r>
+            <a:r>
+              <a:rPr lang="en-US" sz="2000" dirty="0" err="1">
+                <a:solidFill>
+                  <a:srgbClr val="000000"/>
+                </a:solidFill>
+                <a:latin typeface="Consolas" panose="020B0609020204030204" pitchFamily="49" charset="0"/>
+              </a:rPr>
+              <a:t>sp</a:t>
+            </a:r>
+            <a:r>
+              <a:rPr lang="en-US" sz="2000" dirty="0">
+                <a:solidFill>
+                  <a:srgbClr val="000000"/>
+                </a:solidFill>
+                <a:latin typeface="Consolas" panose="020B0609020204030204" pitchFamily="49" charset="0"/>
+              </a:rPr>
+              <a:t>) =&gt; </a:t>
+            </a:r>
+            <a:r>
+              <a:rPr lang="en-US" sz="2000" dirty="0">
+                <a:solidFill>
+                  <a:srgbClr val="0000FF"/>
+                </a:solidFill>
+                <a:latin typeface="Consolas" panose="020B0609020204030204" pitchFamily="49" charset="0"/>
+              </a:rPr>
+              <a:t>new</a:t>
+            </a:r>
+            <a:r>
+              <a:rPr lang="en-US" sz="2000" dirty="0">
+                <a:solidFill>
+                  <a:srgbClr val="000000"/>
+                </a:solidFill>
+                <a:latin typeface="Consolas" panose="020B0609020204030204" pitchFamily="49" charset="0"/>
+              </a:rPr>
+              <a:t>[] { </a:t>
+            </a:r>
+            <a:r>
+              <a:rPr lang="en-US" sz="2000" dirty="0">
+                <a:solidFill>
+                  <a:srgbClr val="A31515"/>
+                </a:solidFill>
+                <a:latin typeface="Consolas" panose="020B0609020204030204" pitchFamily="49" charset="0"/>
+              </a:rPr>
+              <a:t>"Reseller"</a:t>
+            </a:r>
+            <a:r>
+              <a:rPr lang="en-US" sz="2000" dirty="0">
+                <a:solidFill>
+                  <a:srgbClr val="000000"/>
+                </a:solidFill>
+                <a:latin typeface="Consolas" panose="020B0609020204030204" pitchFamily="49" charset="0"/>
+              </a:rPr>
+              <a:t>, </a:t>
+            </a:r>
+            <a:r>
+              <a:rPr lang="en-US" sz="2000" dirty="0">
+                <a:solidFill>
+                  <a:srgbClr val="A31515"/>
+                </a:solidFill>
+                <a:latin typeface="Consolas" panose="020B0609020204030204" pitchFamily="49" charset="0"/>
+              </a:rPr>
+              <a:t>"Customer"</a:t>
+            </a:r>
+            <a:r>
+              <a:rPr lang="en-US" sz="2000" dirty="0">
+                <a:solidFill>
+                  <a:srgbClr val="000000"/>
+                </a:solidFill>
+                <a:latin typeface="Consolas" panose="020B0609020204030204" pitchFamily="49" charset="0"/>
+              </a:rPr>
+              <a:t> };</a:t>
+            </a:r>
+          </a:p>
+          <a:p>
+            <a:pPr marL="0" indent="0">
+              <a:buNone/>
+            </a:pPr>
+            <a:endParaRPr lang="en-US" sz="2000" dirty="0">
+              <a:solidFill>
+                <a:srgbClr val="000000"/>
+              </a:solidFill>
+              <a:latin typeface="Consolas" panose="020B0609020204030204" pitchFamily="49" charset="0"/>
+            </a:endParaRPr>
+          </a:p>
+          <a:p>
+            <a:pPr marL="0" indent="0">
+              <a:buNone/>
+            </a:pPr>
+            <a:endParaRPr lang="en-US" sz="2000" dirty="0">
+              <a:solidFill>
+                <a:srgbClr val="000000"/>
+              </a:solidFill>
+              <a:latin typeface="Consolas" panose="020B0609020204030204" pitchFamily="49" charset="0"/>
+            </a:endParaRPr>
+          </a:p>
+          <a:p>
+            <a:pPr marL="0" indent="0">
+              <a:buNone/>
+            </a:pPr>
+            <a:endParaRPr lang="en-US" sz="2000" dirty="0">
+              <a:solidFill>
+                <a:srgbClr val="000000"/>
+              </a:solidFill>
+              <a:latin typeface="Consolas" panose="020B0609020204030204" pitchFamily="49" charset="0"/>
+            </a:endParaRPr>
+          </a:p>
+          <a:p>
+            <a:pPr marL="0" indent="0">
+              <a:buNone/>
+            </a:pPr>
+            <a:r>
+              <a:rPr lang="en-US" sz="2000" dirty="0">
+                <a:solidFill>
+                  <a:srgbClr val="0000FF"/>
+                </a:solidFill>
+                <a:latin typeface="Consolas" panose="020B0609020204030204" pitchFamily="49" charset="0"/>
+              </a:rPr>
+              <a:t>public</a:t>
+            </a:r>
+            <a:r>
+              <a:rPr lang="en-US" sz="2000" dirty="0">
+                <a:solidFill>
+                  <a:srgbClr val="000000"/>
+                </a:solidFill>
+                <a:latin typeface="Consolas" panose="020B0609020204030204" pitchFamily="49" charset="0"/>
+              </a:rPr>
+              <a:t> </a:t>
+            </a:r>
+            <a:r>
+              <a:rPr lang="en-US" sz="2000" dirty="0">
+                <a:solidFill>
+                  <a:srgbClr val="0000FF"/>
+                </a:solidFill>
+                <a:latin typeface="Consolas" panose="020B0609020204030204" pitchFamily="49" charset="0"/>
+              </a:rPr>
+              <a:t>static</a:t>
+            </a:r>
+            <a:r>
+              <a:rPr lang="en-US" sz="2000" dirty="0">
+                <a:solidFill>
+                  <a:srgbClr val="000000"/>
+                </a:solidFill>
+                <a:latin typeface="Consolas" panose="020B0609020204030204" pitchFamily="49" charset="0"/>
+              </a:rPr>
+              <a:t> </a:t>
+            </a:r>
+            <a:r>
+              <a:rPr lang="en-US" sz="2000" dirty="0" err="1">
+                <a:solidFill>
+                  <a:srgbClr val="000000"/>
+                </a:solidFill>
+                <a:latin typeface="Consolas" panose="020B0609020204030204" pitchFamily="49" charset="0"/>
+              </a:rPr>
+              <a:t>IContext</a:t>
+            </a:r>
+            <a:r>
+              <a:rPr lang="en-US" sz="2000" dirty="0">
+                <a:solidFill>
+                  <a:srgbClr val="000000"/>
+                </a:solidFill>
+                <a:latin typeface="Consolas" panose="020B0609020204030204" pitchFamily="49" charset="0"/>
+              </a:rPr>
+              <a:t> </a:t>
+            </a:r>
+            <a:r>
+              <a:rPr lang="en-US" sz="2000" dirty="0" err="1">
+                <a:solidFill>
+                  <a:srgbClr val="000000"/>
+                </a:solidFill>
+                <a:latin typeface="Consolas" panose="020B0609020204030204" pitchFamily="49" charset="0"/>
+              </a:rPr>
+              <a:t>EditStateProvince</a:t>
+            </a:r>
+            <a:r>
+              <a:rPr lang="en-US" sz="2000" dirty="0">
+                <a:solidFill>
+                  <a:srgbClr val="000000"/>
+                </a:solidFill>
+                <a:latin typeface="Consolas" panose="020B0609020204030204" pitchFamily="49" charset="0"/>
+              </a:rPr>
+              <a:t>(</a:t>
+            </a:r>
+            <a:r>
+              <a:rPr lang="en-US" sz="2000" dirty="0">
+                <a:solidFill>
+                  <a:srgbClr val="0000FF"/>
+                </a:solidFill>
+                <a:latin typeface="Consolas" panose="020B0609020204030204" pitchFamily="49" charset="0"/>
+              </a:rPr>
+              <a:t>this</a:t>
+            </a:r>
+            <a:r>
+              <a:rPr lang="en-US" sz="2000" dirty="0">
+                <a:solidFill>
+                  <a:srgbClr val="000000"/>
+                </a:solidFill>
+                <a:latin typeface="Consolas" panose="020B0609020204030204" pitchFamily="49" charset="0"/>
+              </a:rPr>
+              <a:t> Address a,</a:t>
+            </a:r>
+          </a:p>
+          <a:p>
+            <a:pPr marL="0" indent="0">
+              <a:buNone/>
+            </a:pPr>
+            <a:r>
+              <a:rPr lang="en-US" sz="2000" dirty="0">
+                <a:solidFill>
+                  <a:srgbClr val="000000"/>
+                </a:solidFill>
+                <a:latin typeface="Consolas" panose="020B0609020204030204" pitchFamily="49" charset="0"/>
+              </a:rPr>
+              <a:t>    </a:t>
+            </a:r>
+            <a:r>
+              <a:rPr lang="en-US" sz="2000" dirty="0" err="1">
+                <a:solidFill>
+                  <a:srgbClr val="000000"/>
+                </a:solidFill>
+                <a:latin typeface="Consolas" panose="020B0609020204030204" pitchFamily="49" charset="0"/>
+              </a:rPr>
+              <a:t>CountryRegion</a:t>
+            </a:r>
+            <a:r>
+              <a:rPr lang="en-US" sz="2000" dirty="0">
+                <a:solidFill>
+                  <a:srgbClr val="000000"/>
+                </a:solidFill>
+                <a:latin typeface="Consolas" panose="020B0609020204030204" pitchFamily="49" charset="0"/>
+              </a:rPr>
+              <a:t> </a:t>
+            </a:r>
+            <a:r>
+              <a:rPr lang="en-US" sz="2000" dirty="0" err="1">
+                <a:solidFill>
+                  <a:srgbClr val="000000"/>
+                </a:solidFill>
+                <a:latin typeface="Consolas" panose="020B0609020204030204" pitchFamily="49" charset="0"/>
+              </a:rPr>
+              <a:t>countryRegion</a:t>
+            </a:r>
+            <a:r>
+              <a:rPr lang="en-US" sz="2000" dirty="0">
+                <a:solidFill>
+                  <a:srgbClr val="000000"/>
+                </a:solidFill>
+                <a:latin typeface="Consolas" panose="020B0609020204030204" pitchFamily="49" charset="0"/>
+              </a:rPr>
+              <a:t>, </a:t>
+            </a:r>
+            <a:r>
+              <a:rPr lang="en-US" sz="2000" dirty="0" err="1">
+                <a:solidFill>
+                  <a:srgbClr val="000000"/>
+                </a:solidFill>
+                <a:latin typeface="Consolas" panose="020B0609020204030204" pitchFamily="49" charset="0"/>
+              </a:rPr>
+              <a:t>StateProvince</a:t>
+            </a:r>
+            <a:r>
+              <a:rPr lang="en-US" sz="2000" dirty="0">
+                <a:solidFill>
+                  <a:srgbClr val="000000"/>
+                </a:solidFill>
+                <a:latin typeface="Consolas" panose="020B0609020204030204" pitchFamily="49" charset="0"/>
+              </a:rPr>
+              <a:t> </a:t>
+            </a:r>
+            <a:r>
+              <a:rPr lang="en-US" sz="2000" dirty="0" err="1">
+                <a:solidFill>
+                  <a:srgbClr val="000000"/>
+                </a:solidFill>
+                <a:latin typeface="Consolas" panose="020B0609020204030204" pitchFamily="49" charset="0"/>
+              </a:rPr>
+              <a:t>stateProvince</a:t>
+            </a:r>
+            <a:r>
+              <a:rPr lang="en-US" sz="2000" dirty="0">
+                <a:solidFill>
+                  <a:srgbClr val="000000"/>
+                </a:solidFill>
+                <a:latin typeface="Consolas" panose="020B0609020204030204" pitchFamily="49" charset="0"/>
+              </a:rPr>
+              <a:t>, </a:t>
+            </a:r>
+            <a:r>
+              <a:rPr lang="en-US" sz="2000" dirty="0" err="1">
+                <a:solidFill>
+                  <a:srgbClr val="000000"/>
+                </a:solidFill>
+                <a:latin typeface="Consolas" panose="020B0609020204030204" pitchFamily="49" charset="0"/>
+              </a:rPr>
+              <a:t>IContext</a:t>
+            </a:r>
+            <a:r>
+              <a:rPr lang="en-US" sz="2000" dirty="0">
+                <a:solidFill>
+                  <a:srgbClr val="000000"/>
+                </a:solidFill>
+                <a:latin typeface="Consolas" panose="020B0609020204030204" pitchFamily="49" charset="0"/>
+              </a:rPr>
+              <a:t> context) =&gt;</a:t>
+            </a:r>
+          </a:p>
+          <a:p>
+            <a:pPr marL="0" indent="0">
+              <a:buNone/>
+            </a:pPr>
+            <a:r>
+              <a:rPr lang="en-US" sz="2000" dirty="0">
+                <a:solidFill>
+                  <a:srgbClr val="000000"/>
+                </a:solidFill>
+                <a:latin typeface="Consolas" panose="020B0609020204030204" pitchFamily="49" charset="0"/>
+              </a:rPr>
+              <a:t>        </a:t>
+            </a:r>
+            <a:r>
+              <a:rPr lang="en-US" sz="2000" dirty="0" err="1">
+                <a:solidFill>
+                  <a:srgbClr val="000000"/>
+                </a:solidFill>
+                <a:latin typeface="Consolas" panose="020B0609020204030204" pitchFamily="49" charset="0"/>
+              </a:rPr>
+              <a:t>UpdateAddress</a:t>
+            </a:r>
+            <a:r>
+              <a:rPr lang="en-US" sz="2000" dirty="0">
+                <a:solidFill>
+                  <a:srgbClr val="000000"/>
+                </a:solidFill>
+                <a:latin typeface="Consolas" panose="020B0609020204030204" pitchFamily="49" charset="0"/>
+              </a:rPr>
+              <a:t>(a, a </a:t>
+            </a:r>
+            <a:r>
+              <a:rPr lang="en-US" sz="2000" dirty="0">
+                <a:solidFill>
+                  <a:srgbClr val="0000FF"/>
+                </a:solidFill>
+                <a:latin typeface="Consolas" panose="020B0609020204030204" pitchFamily="49" charset="0"/>
+              </a:rPr>
+              <a:t>with</a:t>
+            </a:r>
+            <a:r>
+              <a:rPr lang="en-US" sz="2000" dirty="0">
+                <a:solidFill>
+                  <a:srgbClr val="000000"/>
+                </a:solidFill>
+                <a:latin typeface="Consolas" panose="020B0609020204030204" pitchFamily="49" charset="0"/>
+              </a:rPr>
+              <a:t> { </a:t>
+            </a:r>
+            <a:r>
+              <a:rPr lang="en-US" sz="2000" dirty="0" err="1">
+                <a:solidFill>
+                  <a:srgbClr val="000000"/>
+                </a:solidFill>
+                <a:latin typeface="Consolas" panose="020B0609020204030204" pitchFamily="49" charset="0"/>
+              </a:rPr>
+              <a:t>StateProvince</a:t>
+            </a:r>
+            <a:r>
+              <a:rPr lang="en-US" sz="2000" dirty="0">
+                <a:solidFill>
+                  <a:srgbClr val="000000"/>
+                </a:solidFill>
+                <a:latin typeface="Consolas" panose="020B0609020204030204" pitchFamily="49" charset="0"/>
+              </a:rPr>
+              <a:t> = </a:t>
+            </a:r>
+            <a:r>
+              <a:rPr lang="en-US" sz="2000" dirty="0" err="1">
+                <a:solidFill>
+                  <a:srgbClr val="000000"/>
+                </a:solidFill>
+                <a:latin typeface="Consolas" panose="020B0609020204030204" pitchFamily="49" charset="0"/>
+              </a:rPr>
+              <a:t>stateProvince</a:t>
+            </a:r>
+            <a:r>
+              <a:rPr lang="en-US" sz="2000" dirty="0">
+                <a:solidFill>
+                  <a:srgbClr val="000000"/>
+                </a:solidFill>
+                <a:latin typeface="Consolas" panose="020B0609020204030204" pitchFamily="49" charset="0"/>
+              </a:rPr>
+              <a:t> }, context);</a:t>
+            </a:r>
+          </a:p>
+          <a:p>
+            <a:pPr marL="0" indent="0">
+              <a:buNone/>
+            </a:pPr>
+            <a:endParaRPr lang="en-GB" sz="2000" dirty="0">
+              <a:solidFill>
+                <a:srgbClr val="000000"/>
+              </a:solidFill>
+              <a:latin typeface="Consolas" panose="020B0609020204030204" pitchFamily="49" charset="0"/>
+            </a:endParaRPr>
+          </a:p>
+          <a:p>
+            <a:pPr marL="0" indent="0">
+              <a:buNone/>
+            </a:pPr>
+            <a:r>
+              <a:rPr lang="en-US" sz="2000" dirty="0">
+                <a:solidFill>
+                  <a:srgbClr val="0000FF"/>
+                </a:solidFill>
+                <a:latin typeface="Consolas" panose="020B0609020204030204" pitchFamily="49" charset="0"/>
+              </a:rPr>
+              <a:t>public</a:t>
+            </a:r>
+            <a:r>
+              <a:rPr lang="en-US" sz="2000" dirty="0">
+                <a:solidFill>
+                  <a:srgbClr val="000000"/>
+                </a:solidFill>
+                <a:latin typeface="Consolas" panose="020B0609020204030204" pitchFamily="49" charset="0"/>
+              </a:rPr>
+              <a:t> </a:t>
+            </a:r>
+            <a:r>
+              <a:rPr lang="en-US" sz="2000" dirty="0">
+                <a:solidFill>
+                  <a:srgbClr val="0000FF"/>
+                </a:solidFill>
+                <a:latin typeface="Consolas" panose="020B0609020204030204" pitchFamily="49" charset="0"/>
+              </a:rPr>
+              <a:t>static</a:t>
+            </a:r>
+            <a:r>
+              <a:rPr lang="en-US" sz="2000" dirty="0">
+                <a:solidFill>
+                  <a:srgbClr val="000000"/>
+                </a:solidFill>
+                <a:latin typeface="Consolas" panose="020B0609020204030204" pitchFamily="49" charset="0"/>
+              </a:rPr>
+              <a:t> </a:t>
+            </a:r>
+            <a:r>
+              <a:rPr lang="en-US" sz="2000" dirty="0" err="1">
+                <a:solidFill>
+                  <a:srgbClr val="000000"/>
+                </a:solidFill>
+                <a:latin typeface="Consolas" panose="020B0609020204030204" pitchFamily="49" charset="0"/>
+              </a:rPr>
+              <a:t>IList</a:t>
+            </a:r>
+            <a:r>
+              <a:rPr lang="en-US" sz="2000" dirty="0">
+                <a:solidFill>
+                  <a:srgbClr val="000000"/>
+                </a:solidFill>
+                <a:latin typeface="Consolas" panose="020B0609020204030204" pitchFamily="49" charset="0"/>
+              </a:rPr>
+              <a:t>&lt;</a:t>
+            </a:r>
+            <a:r>
+              <a:rPr lang="en-US" sz="2000" dirty="0" err="1">
+                <a:solidFill>
+                  <a:srgbClr val="000000"/>
+                </a:solidFill>
+                <a:latin typeface="Consolas" panose="020B0609020204030204" pitchFamily="49" charset="0"/>
+              </a:rPr>
+              <a:t>StateProvince</a:t>
+            </a:r>
+            <a:r>
+              <a:rPr lang="en-US" sz="2000" dirty="0">
+                <a:solidFill>
+                  <a:srgbClr val="000000"/>
+                </a:solidFill>
+                <a:latin typeface="Consolas" panose="020B0609020204030204" pitchFamily="49" charset="0"/>
+              </a:rPr>
+              <a:t>&gt; Choices2EditStateProvince(</a:t>
+            </a:r>
+            <a:r>
+              <a:rPr lang="en-US" sz="2000" dirty="0">
+                <a:solidFill>
+                  <a:srgbClr val="0000FF"/>
+                </a:solidFill>
+                <a:latin typeface="Consolas" panose="020B0609020204030204" pitchFamily="49" charset="0"/>
+              </a:rPr>
+              <a:t>this</a:t>
+            </a:r>
+            <a:r>
+              <a:rPr lang="en-US" sz="2000" dirty="0">
+                <a:solidFill>
+                  <a:srgbClr val="000000"/>
+                </a:solidFill>
+                <a:latin typeface="Consolas" panose="020B0609020204030204" pitchFamily="49" charset="0"/>
+              </a:rPr>
+              <a:t> Address a,</a:t>
+            </a:r>
+          </a:p>
+          <a:p>
+            <a:pPr marL="0" indent="0">
+              <a:buNone/>
+            </a:pPr>
+            <a:r>
+              <a:rPr lang="en-GB" sz="2000" dirty="0">
+                <a:solidFill>
+                  <a:srgbClr val="000000"/>
+                </a:solidFill>
+                <a:latin typeface="Consolas" panose="020B0609020204030204" pitchFamily="49" charset="0"/>
+              </a:rPr>
+              <a:t>    </a:t>
+            </a:r>
+            <a:r>
+              <a:rPr lang="en-GB" sz="2000" dirty="0" err="1">
+                <a:solidFill>
+                  <a:srgbClr val="000000"/>
+                </a:solidFill>
+                <a:latin typeface="Consolas" panose="020B0609020204030204" pitchFamily="49" charset="0"/>
+              </a:rPr>
+              <a:t>CountryRegion</a:t>
+            </a:r>
+            <a:r>
+              <a:rPr lang="en-GB" sz="2000" dirty="0">
+                <a:solidFill>
+                  <a:srgbClr val="000000"/>
+                </a:solidFill>
+                <a:latin typeface="Consolas" panose="020B0609020204030204" pitchFamily="49" charset="0"/>
+              </a:rPr>
+              <a:t> </a:t>
+            </a:r>
+            <a:r>
+              <a:rPr lang="en-GB" sz="2000" dirty="0" err="1">
+                <a:solidFill>
+                  <a:srgbClr val="000000"/>
+                </a:solidFill>
+                <a:latin typeface="Consolas" panose="020B0609020204030204" pitchFamily="49" charset="0"/>
+              </a:rPr>
+              <a:t>countryRegion</a:t>
+            </a:r>
+            <a:r>
+              <a:rPr lang="en-GB" sz="2000" dirty="0">
+                <a:solidFill>
+                  <a:srgbClr val="000000"/>
+                </a:solidFill>
+                <a:latin typeface="Consolas" panose="020B0609020204030204" pitchFamily="49" charset="0"/>
+              </a:rPr>
+              <a:t>, </a:t>
+            </a:r>
+            <a:r>
+              <a:rPr lang="en-GB" sz="2000" dirty="0" err="1">
+                <a:solidFill>
+                  <a:srgbClr val="000000"/>
+                </a:solidFill>
+                <a:latin typeface="Consolas" panose="020B0609020204030204" pitchFamily="49" charset="0"/>
+              </a:rPr>
+              <a:t>IContext</a:t>
+            </a:r>
+            <a:r>
+              <a:rPr lang="en-GB" sz="2000" dirty="0">
+                <a:solidFill>
+                  <a:srgbClr val="000000"/>
+                </a:solidFill>
+                <a:latin typeface="Consolas" panose="020B0609020204030204" pitchFamily="49" charset="0"/>
+              </a:rPr>
+              <a:t> context) =&gt;</a:t>
+            </a:r>
+          </a:p>
+          <a:p>
+            <a:pPr marL="0" indent="0">
+              <a:buNone/>
+            </a:pPr>
+            <a:r>
+              <a:rPr lang="en-GB" sz="2000" dirty="0">
+                <a:solidFill>
+                  <a:srgbClr val="000000"/>
+                </a:solidFill>
+                <a:latin typeface="Consolas" panose="020B0609020204030204" pitchFamily="49" charset="0"/>
+              </a:rPr>
+              <a:t>        </a:t>
+            </a:r>
+            <a:r>
+              <a:rPr lang="en-GB" sz="2000" dirty="0" err="1">
+                <a:solidFill>
+                  <a:srgbClr val="000000"/>
+                </a:solidFill>
+                <a:latin typeface="Consolas" panose="020B0609020204030204" pitchFamily="49" charset="0"/>
+              </a:rPr>
+              <a:t>StateProvincesForCountry</a:t>
+            </a:r>
+            <a:r>
+              <a:rPr lang="en-GB" sz="2000" dirty="0">
+                <a:solidFill>
+                  <a:srgbClr val="000000"/>
+                </a:solidFill>
+                <a:latin typeface="Consolas" panose="020B0609020204030204" pitchFamily="49" charset="0"/>
+              </a:rPr>
+              <a:t>(</a:t>
+            </a:r>
+            <a:r>
+              <a:rPr lang="en-GB" sz="2000" dirty="0" err="1">
+                <a:solidFill>
+                  <a:srgbClr val="000000"/>
+                </a:solidFill>
+                <a:latin typeface="Consolas" panose="020B0609020204030204" pitchFamily="49" charset="0"/>
+              </a:rPr>
+              <a:t>countryRegion</a:t>
+            </a:r>
+            <a:r>
+              <a:rPr lang="en-GB" sz="2000" dirty="0">
+                <a:solidFill>
+                  <a:srgbClr val="000000"/>
+                </a:solidFill>
+                <a:latin typeface="Consolas" panose="020B0609020204030204" pitchFamily="49" charset="0"/>
+              </a:rPr>
+              <a:t>, context);</a:t>
+            </a:r>
+            <a:endParaRPr lang="en-GB" sz="2000" dirty="0"/>
           </a:p>
         </p:txBody>
       </p:sp>
+      <p:grpSp>
+        <p:nvGrpSpPr>
+          <p:cNvPr id="15" name="Group 14">
+            <a:extLst>
+              <a:ext uri="{FF2B5EF4-FFF2-40B4-BE49-F238E27FC236}">
+                <a16:creationId xmlns:a16="http://schemas.microsoft.com/office/drawing/2014/main" id="{52DF6A69-74F4-447E-BE17-7BE74BF6120B}"/>
+              </a:ext>
+            </a:extLst>
+          </p:cNvPr>
+          <p:cNvGrpSpPr/>
+          <p:nvPr/>
+        </p:nvGrpSpPr>
+        <p:grpSpPr>
+          <a:xfrm>
+            <a:off x="927552" y="1630052"/>
+            <a:ext cx="6509569" cy="4240596"/>
+            <a:chOff x="-7408480" y="6364852"/>
+            <a:chExt cx="6169784" cy="4184816"/>
+          </a:xfrm>
+        </p:grpSpPr>
+        <p:sp>
+          <p:nvSpPr>
+            <p:cNvPr id="16" name="TextBox 15">
+              <a:extLst>
+                <a:ext uri="{FF2B5EF4-FFF2-40B4-BE49-F238E27FC236}">
+                  <a16:creationId xmlns:a16="http://schemas.microsoft.com/office/drawing/2014/main" id="{924A15DA-8942-4507-9595-2AEBF2EBD421}"/>
+                </a:ext>
+              </a:extLst>
+            </p:cNvPr>
+            <p:cNvSpPr txBox="1"/>
+            <p:nvPr/>
+          </p:nvSpPr>
+          <p:spPr>
+            <a:xfrm>
+              <a:off x="-5960074" y="6364852"/>
+              <a:ext cx="3702007" cy="637829"/>
+            </a:xfrm>
+            <a:prstGeom prst="rect">
+              <a:avLst/>
+            </a:prstGeom>
+            <a:solidFill>
+              <a:schemeClr val="bg1"/>
+            </a:solidFill>
+            <a:ln w="28575">
+              <a:solidFill>
+                <a:schemeClr val="accent1"/>
+              </a:solidFill>
+            </a:ln>
+          </p:spPr>
+          <p:txBody>
+            <a:bodyPr wrap="square" rtlCol="0">
+              <a:spAutoFit/>
+            </a:bodyPr>
+            <a:lstStyle/>
+            <a:p>
+              <a:r>
+                <a:rPr lang="en-GB" sz="1200" dirty="0">
+                  <a:solidFill>
+                    <a:srgbClr val="FF0000"/>
+                  </a:solidFill>
+                </a:rPr>
+                <a:t>2. Choices for any parameter may be specified using a </a:t>
+              </a:r>
+              <a:r>
+                <a:rPr lang="en-GB" sz="1100" dirty="0">
+                  <a:latin typeface="Consolas" panose="020B0609020204030204" pitchFamily="49" charset="0"/>
+                </a:rPr>
+                <a:t>Choices</a:t>
+              </a:r>
+              <a:r>
+                <a:rPr lang="en-GB" sz="1200" dirty="0">
+                  <a:solidFill>
+                    <a:srgbClr val="FF0000"/>
+                  </a:solidFill>
+                </a:rPr>
+                <a:t> complementary function, either creating instances as needed or filtering </a:t>
+              </a:r>
+            </a:p>
+          </p:txBody>
+        </p:sp>
+        <p:cxnSp>
+          <p:nvCxnSpPr>
+            <p:cNvPr id="17" name="Straight Arrow Connector 16">
+              <a:extLst>
+                <a:ext uri="{FF2B5EF4-FFF2-40B4-BE49-F238E27FC236}">
+                  <a16:creationId xmlns:a16="http://schemas.microsoft.com/office/drawing/2014/main" id="{FC85E032-A3A0-46B9-A169-1A08B425DF2D}"/>
+                </a:ext>
+              </a:extLst>
+            </p:cNvPr>
+            <p:cNvCxnSpPr>
+              <a:cxnSpLocks/>
+              <a:stCxn id="16" idx="2"/>
+            </p:cNvCxnSpPr>
+            <p:nvPr/>
+          </p:nvCxnSpPr>
+          <p:spPr>
+            <a:xfrm>
+              <a:off x="-4109071" y="7002681"/>
+              <a:ext cx="1" cy="1036476"/>
+            </a:xfrm>
+            <a:prstGeom prst="straightConnector1">
+              <a:avLst/>
+            </a:prstGeom>
+            <a:ln w="28575">
+              <a:tailEnd type="triangle"/>
+            </a:ln>
+          </p:spPr>
+          <p:style>
+            <a:lnRef idx="1">
+              <a:schemeClr val="accent1"/>
+            </a:lnRef>
+            <a:fillRef idx="0">
+              <a:schemeClr val="accent1"/>
+            </a:fillRef>
+            <a:effectRef idx="0">
+              <a:schemeClr val="accent1"/>
+            </a:effectRef>
+            <a:fontRef idx="minor">
+              <a:schemeClr val="tx1"/>
+            </a:fontRef>
+          </p:style>
+        </p:cxnSp>
+        <p:cxnSp>
+          <p:nvCxnSpPr>
+            <p:cNvPr id="18" name="Straight Arrow Connector 17">
+              <a:extLst>
+                <a:ext uri="{FF2B5EF4-FFF2-40B4-BE49-F238E27FC236}">
+                  <a16:creationId xmlns:a16="http://schemas.microsoft.com/office/drawing/2014/main" id="{0B4F272B-1977-4931-99E1-8CEFDA97B58F}"/>
+                </a:ext>
+              </a:extLst>
+            </p:cNvPr>
+            <p:cNvCxnSpPr>
+              <a:cxnSpLocks/>
+              <a:stCxn id="16" idx="3"/>
+            </p:cNvCxnSpPr>
+            <p:nvPr/>
+          </p:nvCxnSpPr>
+          <p:spPr>
+            <a:xfrm>
+              <a:off x="-2258067" y="6683767"/>
+              <a:ext cx="1019371" cy="599117"/>
+            </a:xfrm>
+            <a:prstGeom prst="straightConnector1">
+              <a:avLst/>
+            </a:prstGeom>
+            <a:ln w="28575">
+              <a:tailEnd type="triangle"/>
+            </a:ln>
+          </p:spPr>
+          <p:style>
+            <a:lnRef idx="1">
+              <a:schemeClr val="accent1"/>
+            </a:lnRef>
+            <a:fillRef idx="0">
+              <a:schemeClr val="accent1"/>
+            </a:fillRef>
+            <a:effectRef idx="0">
+              <a:schemeClr val="accent1"/>
+            </a:effectRef>
+            <a:fontRef idx="minor">
+              <a:schemeClr val="tx1"/>
+            </a:fontRef>
+          </p:style>
+        </p:cxnSp>
+        <p:sp>
+          <p:nvSpPr>
+            <p:cNvPr id="19" name="TextBox 18">
+              <a:extLst>
+                <a:ext uri="{FF2B5EF4-FFF2-40B4-BE49-F238E27FC236}">
+                  <a16:creationId xmlns:a16="http://schemas.microsoft.com/office/drawing/2014/main" id="{43C15F22-202F-4229-A163-1BC1FF70D77E}"/>
+                </a:ext>
+              </a:extLst>
+            </p:cNvPr>
+            <p:cNvSpPr txBox="1"/>
+            <p:nvPr/>
+          </p:nvSpPr>
+          <p:spPr>
+            <a:xfrm>
+              <a:off x="-7408479" y="6364852"/>
+              <a:ext cx="936744" cy="637829"/>
+            </a:xfrm>
+            <a:prstGeom prst="rect">
+              <a:avLst/>
+            </a:prstGeom>
+            <a:solidFill>
+              <a:schemeClr val="bg1"/>
+            </a:solidFill>
+            <a:ln w="28575">
+              <a:solidFill>
+                <a:schemeClr val="accent1"/>
+              </a:solidFill>
+            </a:ln>
+          </p:spPr>
+          <p:txBody>
+            <a:bodyPr wrap="square" rtlCol="0">
+              <a:spAutoFit/>
+            </a:bodyPr>
+            <a:lstStyle/>
+            <a:p>
+              <a:r>
+                <a:rPr lang="en-GB" sz="1200" dirty="0">
+                  <a:solidFill>
+                    <a:srgbClr val="FF0000"/>
+                  </a:solidFill>
+                </a:rPr>
+                <a:t>1. See also: </a:t>
+              </a:r>
+              <a:r>
+                <a:rPr lang="en-GB" sz="1100" dirty="0">
+                  <a:latin typeface="Consolas" panose="020B0609020204030204" pitchFamily="49" charset="0"/>
+                </a:rPr>
+                <a:t>[Bounded] </a:t>
+              </a:r>
+              <a:r>
+                <a:rPr lang="en-GB" sz="1200" dirty="0">
+                  <a:solidFill>
+                    <a:srgbClr val="FF0000"/>
+                  </a:solidFill>
+                </a:rPr>
+                <a:t>attribute.</a:t>
+              </a:r>
+            </a:p>
+          </p:txBody>
+        </p:sp>
+        <p:sp>
+          <p:nvSpPr>
+            <p:cNvPr id="23" name="TextBox 22">
+              <a:extLst>
+                <a:ext uri="{FF2B5EF4-FFF2-40B4-BE49-F238E27FC236}">
+                  <a16:creationId xmlns:a16="http://schemas.microsoft.com/office/drawing/2014/main" id="{BB3FF49A-2C93-414E-9F8A-0DBAC2DEF9CC}"/>
+                </a:ext>
+              </a:extLst>
+            </p:cNvPr>
+            <p:cNvSpPr txBox="1"/>
+            <p:nvPr/>
+          </p:nvSpPr>
+          <p:spPr>
+            <a:xfrm>
+              <a:off x="-7408480" y="8457260"/>
+              <a:ext cx="5014214" cy="637829"/>
+            </a:xfrm>
+            <a:prstGeom prst="rect">
+              <a:avLst/>
+            </a:prstGeom>
+            <a:solidFill>
+              <a:schemeClr val="bg1"/>
+            </a:solidFill>
+            <a:ln w="28575">
+              <a:solidFill>
+                <a:schemeClr val="accent1"/>
+              </a:solidFill>
+            </a:ln>
+          </p:spPr>
+          <p:txBody>
+            <a:bodyPr wrap="square" rtlCol="0">
+              <a:spAutoFit/>
+            </a:bodyPr>
+            <a:lstStyle/>
+            <a:p>
+              <a:r>
+                <a:rPr lang="en-GB" sz="1200" dirty="0">
+                  <a:solidFill>
+                    <a:srgbClr val="FF0000"/>
+                  </a:solidFill>
+                </a:rPr>
+                <a:t>3. Choices for one parameter may be made dependent on the value selected for another parameter. Here, the choices offered for parameter 2 (</a:t>
+              </a:r>
+              <a:r>
+                <a:rPr lang="en-GB" sz="1100" dirty="0" err="1">
+                  <a:latin typeface="Consolas" panose="020B0609020204030204" pitchFamily="49" charset="0"/>
+                </a:rPr>
+                <a:t>stateProvince</a:t>
+              </a:r>
+              <a:r>
+                <a:rPr lang="en-GB" sz="1200" dirty="0">
+                  <a:solidFill>
+                    <a:srgbClr val="FF0000"/>
+                  </a:solidFill>
+                </a:rPr>
+                <a:t>) are based on the user’s selection of parameter 1 (</a:t>
+              </a:r>
+              <a:r>
+                <a:rPr lang="en-GB" sz="1100" dirty="0" err="1">
+                  <a:latin typeface="Consolas" panose="020B0609020204030204" pitchFamily="49" charset="0"/>
+                </a:rPr>
+                <a:t>countryRegion</a:t>
+              </a:r>
+              <a:r>
+                <a:rPr lang="en-GB" sz="1200" dirty="0">
+                  <a:solidFill>
+                    <a:srgbClr val="FF0000"/>
+                  </a:solidFill>
+                </a:rPr>
+                <a:t>)</a:t>
+              </a:r>
+            </a:p>
+          </p:txBody>
+        </p:sp>
+        <p:cxnSp>
+          <p:nvCxnSpPr>
+            <p:cNvPr id="24" name="Straight Arrow Connector 23">
+              <a:extLst>
+                <a:ext uri="{FF2B5EF4-FFF2-40B4-BE49-F238E27FC236}">
+                  <a16:creationId xmlns:a16="http://schemas.microsoft.com/office/drawing/2014/main" id="{CE774CFE-3BCB-433F-8109-AC3CFF8995D3}"/>
+                </a:ext>
+              </a:extLst>
+            </p:cNvPr>
+            <p:cNvCxnSpPr>
+              <a:cxnSpLocks/>
+              <a:stCxn id="23" idx="2"/>
+            </p:cNvCxnSpPr>
+            <p:nvPr/>
+          </p:nvCxnSpPr>
+          <p:spPr>
+            <a:xfrm>
+              <a:off x="-4901373" y="9095089"/>
+              <a:ext cx="1425840" cy="1187107"/>
+            </a:xfrm>
+            <a:prstGeom prst="straightConnector1">
+              <a:avLst/>
+            </a:prstGeom>
+            <a:ln w="28575">
+              <a:tailEnd type="triangle"/>
+            </a:ln>
+          </p:spPr>
+          <p:style>
+            <a:lnRef idx="1">
+              <a:schemeClr val="accent1"/>
+            </a:lnRef>
+            <a:fillRef idx="0">
+              <a:schemeClr val="accent1"/>
+            </a:fillRef>
+            <a:effectRef idx="0">
+              <a:schemeClr val="accent1"/>
+            </a:effectRef>
+            <a:fontRef idx="minor">
+              <a:schemeClr val="tx1"/>
+            </a:fontRef>
+          </p:style>
+        </p:cxnSp>
+        <p:cxnSp>
+          <p:nvCxnSpPr>
+            <p:cNvPr id="27" name="Straight Arrow Connector 26">
+              <a:extLst>
+                <a:ext uri="{FF2B5EF4-FFF2-40B4-BE49-F238E27FC236}">
+                  <a16:creationId xmlns:a16="http://schemas.microsoft.com/office/drawing/2014/main" id="{879A86CB-4E01-4BB4-B97E-D2A4F74B61B7}"/>
+                </a:ext>
+              </a:extLst>
+            </p:cNvPr>
+            <p:cNvCxnSpPr>
+              <a:cxnSpLocks/>
+              <a:stCxn id="23" idx="2"/>
+            </p:cNvCxnSpPr>
+            <p:nvPr/>
+          </p:nvCxnSpPr>
+          <p:spPr>
+            <a:xfrm flipH="1">
+              <a:off x="-5390460" y="9095089"/>
+              <a:ext cx="489088" cy="1454579"/>
+            </a:xfrm>
+            <a:prstGeom prst="straightConnector1">
+              <a:avLst/>
+            </a:prstGeom>
+            <a:ln w="28575">
+              <a:tailEnd type="triangle"/>
+            </a:ln>
+          </p:spPr>
+          <p:style>
+            <a:lnRef idx="1">
+              <a:schemeClr val="accent1"/>
+            </a:lnRef>
+            <a:fillRef idx="0">
+              <a:schemeClr val="accent1"/>
+            </a:fillRef>
+            <a:effectRef idx="0">
+              <a:schemeClr val="accent1"/>
+            </a:effectRef>
+            <a:fontRef idx="minor">
+              <a:schemeClr val="tx1"/>
+            </a:fontRef>
+          </p:style>
+        </p:cxnSp>
+      </p:grpSp>
+      <p:pic>
+        <p:nvPicPr>
+          <p:cNvPr id="31" name="Picture 30">
+            <a:extLst>
+              <a:ext uri="{FF2B5EF4-FFF2-40B4-BE49-F238E27FC236}">
+                <a16:creationId xmlns:a16="http://schemas.microsoft.com/office/drawing/2014/main" id="{B58E5FF7-C7AD-4F82-A9B9-1CD325ACFE73}"/>
+              </a:ext>
+            </a:extLst>
+          </p:cNvPr>
+          <p:cNvPicPr>
+            <a:picLocks noChangeAspect="1"/>
+          </p:cNvPicPr>
+          <p:nvPr/>
+        </p:nvPicPr>
+        <p:blipFill>
+          <a:blip r:embed="rId2"/>
+          <a:stretch>
+            <a:fillRect/>
+          </a:stretch>
+        </p:blipFill>
+        <p:spPr>
+          <a:xfrm>
+            <a:off x="8490857" y="74026"/>
+            <a:ext cx="3611879" cy="2368992"/>
+          </a:xfrm>
+          <a:prstGeom prst="rect">
+            <a:avLst/>
+          </a:prstGeom>
+        </p:spPr>
+      </p:pic>
     </p:spTree>
     <p:extLst>
       <p:ext uri="{BB962C8B-B14F-4D97-AF65-F5344CB8AC3E}">
-        <p14:creationId xmlns:p14="http://schemas.microsoft.com/office/powerpoint/2010/main" val="3867404632"/>
+        <p14:creationId xmlns:p14="http://schemas.microsoft.com/office/powerpoint/2010/main" val="1020162898"/>
       </p:ext>
     </p:extLst>
   </p:cSld>
@@ -8747,7 +12715,4027 @@
 </p:sld>
 </file>
 
-<file path=ppt/slides/slide17.xml><?xml version="1.0" encoding="utf-8"?>
+<file path=ppt/slides/slide2.xml><?xml version="1.0" encoding="utf-8"?>
+<p:sld xmlns:a="http://schemas.openxmlformats.org/drawingml/2006/main" xmlns:r="http://schemas.openxmlformats.org/officeDocument/2006/relationships" xmlns:p="http://schemas.openxmlformats.org/presentationml/2006/main">
+  <p:cSld>
+    <p:spTree>
+      <p:nvGrpSpPr>
+        <p:cNvPr id="1" name=""/>
+        <p:cNvGrpSpPr/>
+        <p:nvPr/>
+      </p:nvGrpSpPr>
+      <p:grpSpPr>
+        <a:xfrm>
+          <a:off x="0" y="0"/>
+          <a:ext cx="0" cy="0"/>
+          <a:chOff x="0" y="0"/>
+          <a:chExt cx="0" cy="0"/>
+        </a:xfrm>
+      </p:grpSpPr>
+      <p:pic>
+        <p:nvPicPr>
+          <p:cNvPr id="48" name="Picture 47">
+            <a:extLst>
+              <a:ext uri="{FF2B5EF4-FFF2-40B4-BE49-F238E27FC236}">
+                <a16:creationId xmlns:a16="http://schemas.microsoft.com/office/drawing/2014/main" id="{F82BF298-420D-4FDD-B8CE-ADA8EEA4C395}"/>
+              </a:ext>
+            </a:extLst>
+          </p:cNvPr>
+          <p:cNvPicPr>
+            <a:picLocks noChangeAspect="1"/>
+          </p:cNvPicPr>
+          <p:nvPr/>
+        </p:nvPicPr>
+        <p:blipFill>
+          <a:blip r:embed="rId2"/>
+          <a:stretch>
+            <a:fillRect/>
+          </a:stretch>
+        </p:blipFill>
+        <p:spPr>
+          <a:xfrm>
+            <a:off x="117013" y="681037"/>
+            <a:ext cx="5122994" cy="5999697"/>
+          </a:xfrm>
+          <a:prstGeom prst="rect">
+            <a:avLst/>
+          </a:prstGeom>
+        </p:spPr>
+      </p:pic>
+      <p:sp>
+        <p:nvSpPr>
+          <p:cNvPr id="2" name="Title 1">
+            <a:extLst>
+              <a:ext uri="{FF2B5EF4-FFF2-40B4-BE49-F238E27FC236}">
+                <a16:creationId xmlns:a16="http://schemas.microsoft.com/office/drawing/2014/main" id="{8EDDC412-877C-4510-B156-A22697AAD67E}"/>
+              </a:ext>
+            </a:extLst>
+          </p:cNvPr>
+          <p:cNvSpPr>
+            <a:spLocks noGrp="1"/>
+          </p:cNvSpPr>
+          <p:nvPr>
+            <p:ph type="title"/>
+          </p:nvPr>
+        </p:nvSpPr>
+        <p:spPr>
+          <a:xfrm>
+            <a:off x="838200" y="198669"/>
+            <a:ext cx="10515600" cy="482368"/>
+          </a:xfrm>
+        </p:spPr>
+        <p:txBody>
+          <a:bodyPr>
+            <a:normAutofit fontScale="90000"/>
+          </a:bodyPr>
+          <a:lstStyle/>
+          <a:p>
+            <a:r>
+              <a:rPr lang="en-GB" sz="3200" dirty="0"/>
+              <a:t>Most views are generated automatically from the underlying record</a:t>
+            </a:r>
+          </a:p>
+        </p:txBody>
+      </p:sp>
+      <p:pic>
+        <p:nvPicPr>
+          <p:cNvPr id="10" name="Picture 9">
+            <a:extLst>
+              <a:ext uri="{FF2B5EF4-FFF2-40B4-BE49-F238E27FC236}">
+                <a16:creationId xmlns:a16="http://schemas.microsoft.com/office/drawing/2014/main" id="{187FAC00-4612-4441-B665-1578F947A423}"/>
+              </a:ext>
+            </a:extLst>
+          </p:cNvPr>
+          <p:cNvPicPr>
+            <a:picLocks noChangeAspect="1"/>
+          </p:cNvPicPr>
+          <p:nvPr/>
+        </p:nvPicPr>
+        <p:blipFill>
+          <a:blip r:embed="rId3"/>
+          <a:stretch>
+            <a:fillRect/>
+          </a:stretch>
+        </p:blipFill>
+        <p:spPr>
+          <a:xfrm>
+            <a:off x="5553075" y="1455982"/>
+            <a:ext cx="6638925" cy="3648075"/>
+          </a:xfrm>
+          <a:prstGeom prst="rect">
+            <a:avLst/>
+          </a:prstGeom>
+        </p:spPr>
+      </p:pic>
+      <p:grpSp>
+        <p:nvGrpSpPr>
+          <p:cNvPr id="5" name="Group 4">
+            <a:extLst>
+              <a:ext uri="{FF2B5EF4-FFF2-40B4-BE49-F238E27FC236}">
+                <a16:creationId xmlns:a16="http://schemas.microsoft.com/office/drawing/2014/main" id="{CF4DACAB-2F31-4851-92D8-F332559B4D79}"/>
+              </a:ext>
+            </a:extLst>
+          </p:cNvPr>
+          <p:cNvGrpSpPr/>
+          <p:nvPr/>
+        </p:nvGrpSpPr>
+        <p:grpSpPr>
+          <a:xfrm>
+            <a:off x="6487888" y="745344"/>
+            <a:ext cx="4519745" cy="1266336"/>
+            <a:chOff x="2431908" y="1455983"/>
+            <a:chExt cx="4519745" cy="1266336"/>
+          </a:xfrm>
+        </p:grpSpPr>
+        <p:sp>
+          <p:nvSpPr>
+            <p:cNvPr id="6" name="TextBox 5">
+              <a:extLst>
+                <a:ext uri="{FF2B5EF4-FFF2-40B4-BE49-F238E27FC236}">
+                  <a16:creationId xmlns:a16="http://schemas.microsoft.com/office/drawing/2014/main" id="{82AD786B-77AC-4F75-8C7B-04831E0E081E}"/>
+                </a:ext>
+              </a:extLst>
+            </p:cNvPr>
+            <p:cNvSpPr txBox="1"/>
+            <p:nvPr/>
+          </p:nvSpPr>
+          <p:spPr>
+            <a:xfrm>
+              <a:off x="3655992" y="1455983"/>
+              <a:ext cx="3295661" cy="830997"/>
+            </a:xfrm>
+            <a:prstGeom prst="rect">
+              <a:avLst/>
+            </a:prstGeom>
+            <a:solidFill>
+              <a:schemeClr val="bg1"/>
+            </a:solidFill>
+            <a:ln w="28575">
+              <a:solidFill>
+                <a:schemeClr val="accent1"/>
+              </a:solidFill>
+            </a:ln>
+          </p:spPr>
+          <p:txBody>
+            <a:bodyPr wrap="square" rtlCol="0">
+              <a:spAutoFit/>
+            </a:bodyPr>
+            <a:lstStyle/>
+            <a:p>
+              <a:r>
+                <a:rPr lang="en-GB" sz="1200" dirty="0">
+                  <a:solidFill>
+                    <a:srgbClr val="FF0000"/>
+                  </a:solidFill>
+                </a:rPr>
+                <a:t>A record (in C# 9) is an immutable class. Properties have an </a:t>
+              </a:r>
+              <a:r>
+                <a:rPr lang="en-GB" sz="1100" dirty="0" err="1">
+                  <a:latin typeface="Consolas" panose="020B0609020204030204" pitchFamily="49" charset="0"/>
+                </a:rPr>
+                <a:t>init</a:t>
+              </a:r>
+              <a:r>
+                <a:rPr lang="en-GB" sz="1200" dirty="0">
+                  <a:solidFill>
+                    <a:srgbClr val="FF0000"/>
+                  </a:solidFill>
+                </a:rPr>
+                <a:t> rather than a </a:t>
+              </a:r>
+              <a:r>
+                <a:rPr lang="en-GB" sz="1100" dirty="0">
+                  <a:latin typeface="Consolas" panose="020B0609020204030204" pitchFamily="49" charset="0"/>
+                </a:rPr>
+                <a:t>set</a:t>
+              </a:r>
+              <a:r>
+                <a:rPr lang="en-GB" sz="1200" dirty="0">
+                  <a:solidFill>
+                    <a:srgbClr val="FF0000"/>
+                  </a:solidFill>
+                </a:rPr>
+                <a:t>, which means the property may only be </a:t>
+              </a:r>
+              <a:r>
+                <a:rPr lang="en-GB" sz="1200">
+                  <a:solidFill>
+                    <a:srgbClr val="FF0000"/>
+                  </a:solidFill>
+                </a:rPr>
+                <a:t>set when constructing the object.</a:t>
+              </a:r>
+              <a:endParaRPr lang="en-GB" sz="1200" dirty="0">
+                <a:solidFill>
+                  <a:srgbClr val="FF0000"/>
+                </a:solidFill>
+              </a:endParaRPr>
+            </a:p>
+          </p:txBody>
+        </p:sp>
+        <p:cxnSp>
+          <p:nvCxnSpPr>
+            <p:cNvPr id="7" name="Straight Arrow Connector 6">
+              <a:extLst>
+                <a:ext uri="{FF2B5EF4-FFF2-40B4-BE49-F238E27FC236}">
+                  <a16:creationId xmlns:a16="http://schemas.microsoft.com/office/drawing/2014/main" id="{7CF528E7-3C51-41CD-87B7-F0A50EE16C4F}"/>
+                </a:ext>
+              </a:extLst>
+            </p:cNvPr>
+            <p:cNvCxnSpPr>
+              <a:cxnSpLocks/>
+              <a:stCxn id="6" idx="2"/>
+            </p:cNvCxnSpPr>
+            <p:nvPr/>
+          </p:nvCxnSpPr>
+          <p:spPr>
+            <a:xfrm flipH="1">
+              <a:off x="5131563" y="2286980"/>
+              <a:ext cx="172260" cy="435339"/>
+            </a:xfrm>
+            <a:prstGeom prst="straightConnector1">
+              <a:avLst/>
+            </a:prstGeom>
+            <a:ln w="28575">
+              <a:tailEnd type="triangle"/>
+            </a:ln>
+          </p:spPr>
+          <p:style>
+            <a:lnRef idx="1">
+              <a:schemeClr val="accent1"/>
+            </a:lnRef>
+            <a:fillRef idx="0">
+              <a:schemeClr val="accent1"/>
+            </a:fillRef>
+            <a:effectRef idx="0">
+              <a:schemeClr val="accent1"/>
+            </a:effectRef>
+            <a:fontRef idx="minor">
+              <a:schemeClr val="tx1"/>
+            </a:fontRef>
+          </p:style>
+        </p:cxnSp>
+        <p:cxnSp>
+          <p:nvCxnSpPr>
+            <p:cNvPr id="8" name="Straight Arrow Connector 7">
+              <a:extLst>
+                <a:ext uri="{FF2B5EF4-FFF2-40B4-BE49-F238E27FC236}">
+                  <a16:creationId xmlns:a16="http://schemas.microsoft.com/office/drawing/2014/main" id="{861208DE-3434-414B-BE86-DDA72A99E646}"/>
+                </a:ext>
+              </a:extLst>
+            </p:cNvPr>
+            <p:cNvCxnSpPr>
+              <a:cxnSpLocks/>
+              <a:stCxn id="6" idx="1"/>
+            </p:cNvCxnSpPr>
+            <p:nvPr/>
+          </p:nvCxnSpPr>
+          <p:spPr>
+            <a:xfrm flipH="1">
+              <a:off x="2431908" y="1871482"/>
+              <a:ext cx="1224084" cy="295139"/>
+            </a:xfrm>
+            <a:prstGeom prst="straightConnector1">
+              <a:avLst/>
+            </a:prstGeom>
+            <a:ln w="28575">
+              <a:tailEnd type="triangle"/>
+            </a:ln>
+          </p:spPr>
+          <p:style>
+            <a:lnRef idx="1">
+              <a:schemeClr val="accent1"/>
+            </a:lnRef>
+            <a:fillRef idx="0">
+              <a:schemeClr val="accent1"/>
+            </a:fillRef>
+            <a:effectRef idx="0">
+              <a:schemeClr val="accent1"/>
+            </a:effectRef>
+            <a:fontRef idx="minor">
+              <a:schemeClr val="tx1"/>
+            </a:fontRef>
+          </p:style>
+        </p:cxnSp>
+      </p:grpSp>
+    </p:spTree>
+    <p:extLst>
+      <p:ext uri="{BB962C8B-B14F-4D97-AF65-F5344CB8AC3E}">
+        <p14:creationId xmlns:p14="http://schemas.microsoft.com/office/powerpoint/2010/main" val="1390112203"/>
+      </p:ext>
+    </p:extLst>
+  </p:cSld>
+  <p:clrMapOvr>
+    <a:masterClrMapping/>
+  </p:clrMapOvr>
+</p:sld>
+</file>
+
+<file path=ppt/slides/slide20.xml><?xml version="1.0" encoding="utf-8"?>
+<p:sld xmlns:a="http://schemas.openxmlformats.org/drawingml/2006/main" xmlns:r="http://schemas.openxmlformats.org/officeDocument/2006/relationships" xmlns:p="http://schemas.openxmlformats.org/presentationml/2006/main">
+  <p:cSld>
+    <p:spTree>
+      <p:nvGrpSpPr>
+        <p:cNvPr id="1" name=""/>
+        <p:cNvGrpSpPr/>
+        <p:nvPr/>
+      </p:nvGrpSpPr>
+      <p:grpSpPr>
+        <a:xfrm>
+          <a:off x="0" y="0"/>
+          <a:ext cx="0" cy="0"/>
+          <a:chOff x="0" y="0"/>
+          <a:chExt cx="0" cy="0"/>
+        </a:xfrm>
+      </p:grpSpPr>
+      <p:sp>
+        <p:nvSpPr>
+          <p:cNvPr id="13" name="Content Placeholder 2">
+            <a:extLst>
+              <a:ext uri="{FF2B5EF4-FFF2-40B4-BE49-F238E27FC236}">
+                <a16:creationId xmlns:a16="http://schemas.microsoft.com/office/drawing/2014/main" id="{5A666F0B-6C43-495C-93D2-CE4644176EF6}"/>
+              </a:ext>
+            </a:extLst>
+          </p:cNvPr>
+          <p:cNvSpPr txBox="1">
+            <a:spLocks/>
+          </p:cNvSpPr>
+          <p:nvPr/>
+        </p:nvSpPr>
+        <p:spPr>
+          <a:xfrm>
+            <a:off x="990599" y="4449332"/>
+            <a:ext cx="11005457" cy="2304164"/>
+          </a:xfrm>
+          <a:prstGeom prst="rect">
+            <a:avLst/>
+          </a:prstGeom>
+        </p:spPr>
+        <p:txBody>
+          <a:bodyPr vert="horz" lIns="91440" tIns="45720" rIns="91440" bIns="45720" rtlCol="0">
+            <a:normAutofit/>
+          </a:bodyPr>
+          <a:lstStyle>
+            <a:lvl1pPr marL="228600" indent="-228600" algn="l" defTabSz="914400" rtl="0" eaLnBrk="1" latinLnBrk="0" hangingPunct="1">
+              <a:lnSpc>
+                <a:spcPct val="90000"/>
+              </a:lnSpc>
+              <a:spcBef>
+                <a:spcPts val="1000"/>
+              </a:spcBef>
+              <a:buFont typeface="Arial" panose="020B0604020202020204" pitchFamily="34" charset="0"/>
+              <a:buChar char="•"/>
+              <a:defRPr sz="2800" kern="1200">
+                <a:solidFill>
+                  <a:schemeClr val="tx1"/>
+                </a:solidFill>
+                <a:latin typeface="+mn-lt"/>
+                <a:ea typeface="+mn-ea"/>
+                <a:cs typeface="+mn-cs"/>
+              </a:defRPr>
+            </a:lvl1pPr>
+            <a:lvl2pPr marL="685800" indent="-228600" algn="l" defTabSz="914400" rtl="0" eaLnBrk="1" latinLnBrk="0" hangingPunct="1">
+              <a:lnSpc>
+                <a:spcPct val="90000"/>
+              </a:lnSpc>
+              <a:spcBef>
+                <a:spcPts val="500"/>
+              </a:spcBef>
+              <a:buFont typeface="Arial" panose="020B0604020202020204" pitchFamily="34" charset="0"/>
+              <a:buChar char="•"/>
+              <a:defRPr sz="2400" kern="1200">
+                <a:solidFill>
+                  <a:schemeClr val="tx1"/>
+                </a:solidFill>
+                <a:latin typeface="+mn-lt"/>
+                <a:ea typeface="+mn-ea"/>
+                <a:cs typeface="+mn-cs"/>
+              </a:defRPr>
+            </a:lvl2pPr>
+            <a:lvl3pPr marL="1143000" indent="-228600" algn="l" defTabSz="914400" rtl="0" eaLnBrk="1" latinLnBrk="0" hangingPunct="1">
+              <a:lnSpc>
+                <a:spcPct val="90000"/>
+              </a:lnSpc>
+              <a:spcBef>
+                <a:spcPts val="500"/>
+              </a:spcBef>
+              <a:buFont typeface="Arial" panose="020B0604020202020204" pitchFamily="34" charset="0"/>
+              <a:buChar char="•"/>
+              <a:defRPr sz="2000" kern="1200">
+                <a:solidFill>
+                  <a:schemeClr val="tx1"/>
+                </a:solidFill>
+                <a:latin typeface="+mn-lt"/>
+                <a:ea typeface="+mn-ea"/>
+                <a:cs typeface="+mn-cs"/>
+              </a:defRPr>
+            </a:lvl3pPr>
+            <a:lvl4pPr marL="1600200" indent="-228600" algn="l" defTabSz="914400" rtl="0" eaLnBrk="1" latinLnBrk="0" hangingPunct="1">
+              <a:lnSpc>
+                <a:spcPct val="90000"/>
+              </a:lnSpc>
+              <a:spcBef>
+                <a:spcPts val="500"/>
+              </a:spcBef>
+              <a:buFont typeface="Arial" panose="020B0604020202020204" pitchFamily="34" charset="0"/>
+              <a:buChar char="•"/>
+              <a:defRPr sz="1800" kern="1200">
+                <a:solidFill>
+                  <a:schemeClr val="tx1"/>
+                </a:solidFill>
+                <a:latin typeface="+mn-lt"/>
+                <a:ea typeface="+mn-ea"/>
+                <a:cs typeface="+mn-cs"/>
+              </a:defRPr>
+            </a:lvl4pPr>
+            <a:lvl5pPr marL="2057400" indent="-228600" algn="l" defTabSz="914400" rtl="0" eaLnBrk="1" latinLnBrk="0" hangingPunct="1">
+              <a:lnSpc>
+                <a:spcPct val="90000"/>
+              </a:lnSpc>
+              <a:spcBef>
+                <a:spcPts val="500"/>
+              </a:spcBef>
+              <a:buFont typeface="Arial" panose="020B0604020202020204" pitchFamily="34" charset="0"/>
+              <a:buChar char="•"/>
+              <a:defRPr sz="1800" kern="1200">
+                <a:solidFill>
+                  <a:schemeClr val="tx1"/>
+                </a:solidFill>
+                <a:latin typeface="+mn-lt"/>
+                <a:ea typeface="+mn-ea"/>
+                <a:cs typeface="+mn-cs"/>
+              </a:defRPr>
+            </a:lvl5pPr>
+            <a:lvl6pPr marL="2514600" indent="-228600" algn="l" defTabSz="914400" rtl="0" eaLnBrk="1" latinLnBrk="0" hangingPunct="1">
+              <a:lnSpc>
+                <a:spcPct val="90000"/>
+              </a:lnSpc>
+              <a:spcBef>
+                <a:spcPts val="500"/>
+              </a:spcBef>
+              <a:buFont typeface="Arial" panose="020B0604020202020204" pitchFamily="34" charset="0"/>
+              <a:buChar char="•"/>
+              <a:defRPr sz="1800" kern="1200">
+                <a:solidFill>
+                  <a:schemeClr val="tx1"/>
+                </a:solidFill>
+                <a:latin typeface="+mn-lt"/>
+                <a:ea typeface="+mn-ea"/>
+                <a:cs typeface="+mn-cs"/>
+              </a:defRPr>
+            </a:lvl6pPr>
+            <a:lvl7pPr marL="2971800" indent="-228600" algn="l" defTabSz="914400" rtl="0" eaLnBrk="1" latinLnBrk="0" hangingPunct="1">
+              <a:lnSpc>
+                <a:spcPct val="90000"/>
+              </a:lnSpc>
+              <a:spcBef>
+                <a:spcPts val="500"/>
+              </a:spcBef>
+              <a:buFont typeface="Arial" panose="020B0604020202020204" pitchFamily="34" charset="0"/>
+              <a:buChar char="•"/>
+              <a:defRPr sz="1800" kern="1200">
+                <a:solidFill>
+                  <a:schemeClr val="tx1"/>
+                </a:solidFill>
+                <a:latin typeface="+mn-lt"/>
+                <a:ea typeface="+mn-ea"/>
+                <a:cs typeface="+mn-cs"/>
+              </a:defRPr>
+            </a:lvl7pPr>
+            <a:lvl8pPr marL="3429000" indent="-228600" algn="l" defTabSz="914400" rtl="0" eaLnBrk="1" latinLnBrk="0" hangingPunct="1">
+              <a:lnSpc>
+                <a:spcPct val="90000"/>
+              </a:lnSpc>
+              <a:spcBef>
+                <a:spcPts val="500"/>
+              </a:spcBef>
+              <a:buFont typeface="Arial" panose="020B0604020202020204" pitchFamily="34" charset="0"/>
+              <a:buChar char="•"/>
+              <a:defRPr sz="1800" kern="1200">
+                <a:solidFill>
+                  <a:schemeClr val="tx1"/>
+                </a:solidFill>
+                <a:latin typeface="+mn-lt"/>
+                <a:ea typeface="+mn-ea"/>
+                <a:cs typeface="+mn-cs"/>
+              </a:defRPr>
+            </a:lvl8pPr>
+            <a:lvl9pPr marL="3886200" indent="-228600" algn="l" defTabSz="914400" rtl="0" eaLnBrk="1" latinLnBrk="0" hangingPunct="1">
+              <a:lnSpc>
+                <a:spcPct val="90000"/>
+              </a:lnSpc>
+              <a:spcBef>
+                <a:spcPts val="500"/>
+              </a:spcBef>
+              <a:buFont typeface="Arial" panose="020B0604020202020204" pitchFamily="34" charset="0"/>
+              <a:buChar char="•"/>
+              <a:defRPr sz="1800" kern="1200">
+                <a:solidFill>
+                  <a:schemeClr val="tx1"/>
+                </a:solidFill>
+                <a:latin typeface="+mn-lt"/>
+                <a:ea typeface="+mn-ea"/>
+                <a:cs typeface="+mn-cs"/>
+              </a:defRPr>
+            </a:lvl9pPr>
+          </a:lstStyle>
+          <a:p>
+            <a:pPr marL="0" indent="0">
+              <a:buNone/>
+            </a:pPr>
+            <a:r>
+              <a:rPr lang="en-GB" sz="1400" dirty="0">
+                <a:solidFill>
+                  <a:srgbClr val="0000FF"/>
+                </a:solidFill>
+                <a:latin typeface="Consolas" panose="020B0609020204030204" pitchFamily="49" charset="0"/>
+              </a:rPr>
+              <a:t>public</a:t>
+            </a:r>
+            <a:r>
+              <a:rPr lang="en-GB" sz="1400" dirty="0">
+                <a:solidFill>
+                  <a:srgbClr val="000000"/>
+                </a:solidFill>
+                <a:latin typeface="Consolas" panose="020B0609020204030204" pitchFamily="49" charset="0"/>
+              </a:rPr>
+              <a:t> </a:t>
+            </a:r>
+            <a:r>
+              <a:rPr lang="en-GB" sz="1400" dirty="0">
+                <a:solidFill>
+                  <a:srgbClr val="0000FF"/>
+                </a:solidFill>
+                <a:latin typeface="Consolas" panose="020B0609020204030204" pitchFamily="49" charset="0"/>
+              </a:rPr>
+              <a:t>static</a:t>
+            </a:r>
+            <a:r>
+              <a:rPr lang="en-GB" sz="1400" dirty="0">
+                <a:solidFill>
+                  <a:srgbClr val="000000"/>
+                </a:solidFill>
+                <a:latin typeface="Consolas" panose="020B0609020204030204" pitchFamily="49" charset="0"/>
+              </a:rPr>
+              <a:t>  </a:t>
+            </a:r>
+            <a:r>
+              <a:rPr lang="en-GB" sz="1400" dirty="0" err="1">
+                <a:solidFill>
+                  <a:srgbClr val="000000"/>
+                </a:solidFill>
+                <a:latin typeface="Consolas" panose="020B0609020204030204" pitchFamily="49" charset="0"/>
+              </a:rPr>
+              <a:t>IContext</a:t>
+            </a:r>
+            <a:r>
+              <a:rPr lang="en-GB" sz="1400" dirty="0">
+                <a:solidFill>
+                  <a:srgbClr val="000000"/>
+                </a:solidFill>
+                <a:latin typeface="Consolas" panose="020B0609020204030204" pitchFamily="49" charset="0"/>
+              </a:rPr>
+              <a:t> </a:t>
+            </a:r>
+            <a:r>
+              <a:rPr lang="en-GB" sz="1400" dirty="0" err="1">
+                <a:solidFill>
+                  <a:srgbClr val="000000"/>
+                </a:solidFill>
+                <a:latin typeface="Consolas" panose="020B0609020204030204" pitchFamily="49" charset="0"/>
+              </a:rPr>
+              <a:t>ChangeDepartmentOrShift</a:t>
+            </a:r>
+            <a:r>
+              <a:rPr lang="en-GB" sz="1400" dirty="0">
+                <a:solidFill>
+                  <a:srgbClr val="000000"/>
+                </a:solidFill>
+                <a:latin typeface="Consolas" panose="020B0609020204030204" pitchFamily="49" charset="0"/>
+              </a:rPr>
+              <a:t>(</a:t>
+            </a:r>
+            <a:br>
+              <a:rPr lang="en-GB" sz="1400" dirty="0">
+                <a:solidFill>
+                  <a:srgbClr val="000000"/>
+                </a:solidFill>
+                <a:latin typeface="Consolas" panose="020B0609020204030204" pitchFamily="49" charset="0"/>
+              </a:rPr>
+            </a:br>
+            <a:r>
+              <a:rPr lang="en-GB" sz="1400" dirty="0">
+                <a:solidFill>
+                  <a:srgbClr val="000000"/>
+                </a:solidFill>
+                <a:latin typeface="Consolas" panose="020B0609020204030204" pitchFamily="49" charset="0"/>
+              </a:rPr>
+              <a:t>    </a:t>
+            </a:r>
+            <a:r>
+              <a:rPr lang="en-US" sz="1400" dirty="0">
+                <a:solidFill>
+                  <a:srgbClr val="0000FF"/>
+                </a:solidFill>
+                <a:latin typeface="Consolas" panose="020B0609020204030204" pitchFamily="49" charset="0"/>
+              </a:rPr>
+              <a:t>this</a:t>
+            </a:r>
+            <a:r>
+              <a:rPr lang="en-US" sz="1400" dirty="0">
+                <a:solidFill>
+                  <a:srgbClr val="000000"/>
+                </a:solidFill>
+                <a:latin typeface="Consolas" panose="020B0609020204030204" pitchFamily="49" charset="0"/>
+              </a:rPr>
+              <a:t> Employee e, Department </a:t>
+            </a:r>
+            <a:r>
+              <a:rPr lang="en-US" sz="1400" dirty="0" err="1">
+                <a:solidFill>
+                  <a:srgbClr val="000000"/>
+                </a:solidFill>
+                <a:latin typeface="Consolas" panose="020B0609020204030204" pitchFamily="49" charset="0"/>
+              </a:rPr>
+              <a:t>department</a:t>
+            </a:r>
+            <a:r>
+              <a:rPr lang="en-US" sz="1400" dirty="0">
+                <a:solidFill>
+                  <a:srgbClr val="000000"/>
+                </a:solidFill>
+                <a:latin typeface="Consolas" panose="020B0609020204030204" pitchFamily="49" charset="0"/>
+              </a:rPr>
+              <a:t>, Shift </a:t>
+            </a:r>
+            <a:r>
+              <a:rPr lang="en-US" sz="1400" dirty="0" err="1">
+                <a:solidFill>
+                  <a:srgbClr val="000000"/>
+                </a:solidFill>
+                <a:latin typeface="Consolas" panose="020B0609020204030204" pitchFamily="49" charset="0"/>
+              </a:rPr>
+              <a:t>shift</a:t>
+            </a:r>
+            <a:r>
+              <a:rPr lang="en-US" sz="1400" dirty="0">
+                <a:solidFill>
+                  <a:srgbClr val="000000"/>
+                </a:solidFill>
+                <a:latin typeface="Consolas" panose="020B0609020204030204" pitchFamily="49" charset="0"/>
+              </a:rPr>
+              <a:t>, </a:t>
+            </a:r>
+            <a:r>
+              <a:rPr lang="en-US" sz="1400" dirty="0" err="1">
+                <a:solidFill>
+                  <a:srgbClr val="000000"/>
+                </a:solidFill>
+                <a:latin typeface="Consolas" panose="020B0609020204030204" pitchFamily="49" charset="0"/>
+              </a:rPr>
+              <a:t>IContext</a:t>
+            </a:r>
+            <a:r>
+              <a:rPr lang="en-US" sz="1400" dirty="0">
+                <a:solidFill>
+                  <a:srgbClr val="000000"/>
+                </a:solidFill>
+                <a:latin typeface="Consolas" panose="020B0609020204030204" pitchFamily="49" charset="0"/>
+              </a:rPr>
+              <a:t> context) =&gt; …</a:t>
+            </a:r>
+          </a:p>
+          <a:p>
+            <a:pPr marL="0" indent="0">
+              <a:buNone/>
+            </a:pPr>
+            <a:r>
+              <a:rPr lang="en-US" sz="1400" dirty="0">
+                <a:solidFill>
+                  <a:srgbClr val="0000FF"/>
+                </a:solidFill>
+                <a:latin typeface="Consolas" panose="020B0609020204030204" pitchFamily="49" charset="0"/>
+              </a:rPr>
+              <a:t>public</a:t>
+            </a:r>
+            <a:r>
+              <a:rPr lang="en-US" sz="1400" dirty="0">
+                <a:solidFill>
+                  <a:srgbClr val="000000"/>
+                </a:solidFill>
+                <a:latin typeface="Consolas" panose="020B0609020204030204" pitchFamily="49" charset="0"/>
+              </a:rPr>
+              <a:t> </a:t>
+            </a:r>
+            <a:r>
+              <a:rPr lang="en-US" sz="1400" dirty="0">
+                <a:solidFill>
+                  <a:srgbClr val="0000FF"/>
+                </a:solidFill>
+                <a:latin typeface="Consolas" panose="020B0609020204030204" pitchFamily="49" charset="0"/>
+              </a:rPr>
+              <a:t>static</a:t>
+            </a:r>
+            <a:r>
+              <a:rPr lang="en-US" sz="1400" dirty="0">
+                <a:solidFill>
+                  <a:srgbClr val="000000"/>
+                </a:solidFill>
+                <a:latin typeface="Consolas" panose="020B0609020204030204" pitchFamily="49" charset="0"/>
+              </a:rPr>
+              <a:t> Department Default1ChangeDepartmentOrShift(</a:t>
+            </a:r>
+            <a:r>
+              <a:rPr lang="en-US" sz="1400" dirty="0">
+                <a:solidFill>
+                  <a:srgbClr val="0000FF"/>
+                </a:solidFill>
+                <a:latin typeface="Consolas" panose="020B0609020204030204" pitchFamily="49" charset="0"/>
+              </a:rPr>
+              <a:t>this</a:t>
+            </a:r>
+            <a:r>
+              <a:rPr lang="en-US" sz="1400" dirty="0">
+                <a:solidFill>
+                  <a:srgbClr val="000000"/>
+                </a:solidFill>
+                <a:latin typeface="Consolas" panose="020B0609020204030204" pitchFamily="49" charset="0"/>
+              </a:rPr>
+              <a:t> Employee e) =&gt;    </a:t>
+            </a:r>
+            <a:br>
+              <a:rPr lang="en-US" sz="1400" dirty="0">
+                <a:solidFill>
+                  <a:srgbClr val="000000"/>
+                </a:solidFill>
+                <a:latin typeface="Consolas" panose="020B0609020204030204" pitchFamily="49" charset="0"/>
+              </a:rPr>
+            </a:br>
+            <a:r>
+              <a:rPr lang="en-US" sz="1400" dirty="0">
+                <a:solidFill>
+                  <a:srgbClr val="000000"/>
+                </a:solidFill>
+                <a:latin typeface="Consolas" panose="020B0609020204030204" pitchFamily="49" charset="0"/>
+              </a:rPr>
+              <a:t>    </a:t>
+            </a:r>
+            <a:r>
+              <a:rPr lang="en-US" sz="1400" dirty="0" err="1">
+                <a:solidFill>
+                  <a:srgbClr val="000000"/>
+                </a:solidFill>
+                <a:latin typeface="Consolas" panose="020B0609020204030204" pitchFamily="49" charset="0"/>
+              </a:rPr>
+              <a:t>CurrentAssignment</a:t>
+            </a:r>
+            <a:r>
+              <a:rPr lang="en-US" sz="1400" dirty="0">
+                <a:solidFill>
+                  <a:srgbClr val="000000"/>
+                </a:solidFill>
+                <a:latin typeface="Consolas" panose="020B0609020204030204" pitchFamily="49" charset="0"/>
+              </a:rPr>
+              <a:t>(e)?.Department;</a:t>
+            </a:r>
+            <a:endParaRPr lang="en-US" sz="1400" dirty="0">
+              <a:solidFill>
+                <a:srgbClr val="0000FF"/>
+              </a:solidFill>
+              <a:latin typeface="Consolas" panose="020B0609020204030204" pitchFamily="49" charset="0"/>
+            </a:endParaRPr>
+          </a:p>
+          <a:p>
+            <a:pPr marL="0" indent="0">
+              <a:buNone/>
+            </a:pPr>
+            <a:r>
+              <a:rPr lang="en-US" sz="1400" dirty="0">
+                <a:solidFill>
+                  <a:srgbClr val="0000FF"/>
+                </a:solidFill>
+                <a:latin typeface="Consolas" panose="020B0609020204030204" pitchFamily="49" charset="0"/>
+              </a:rPr>
+              <a:t>public</a:t>
+            </a:r>
+            <a:r>
+              <a:rPr lang="en-US" sz="1400" dirty="0">
+                <a:solidFill>
+                  <a:srgbClr val="000000"/>
+                </a:solidFill>
+                <a:latin typeface="Consolas" panose="020B0609020204030204" pitchFamily="49" charset="0"/>
+              </a:rPr>
+              <a:t> </a:t>
+            </a:r>
+            <a:r>
+              <a:rPr lang="en-US" sz="1400" dirty="0">
+                <a:solidFill>
+                  <a:srgbClr val="0000FF"/>
+                </a:solidFill>
+                <a:latin typeface="Consolas" panose="020B0609020204030204" pitchFamily="49" charset="0"/>
+              </a:rPr>
+              <a:t>static</a:t>
+            </a:r>
+            <a:r>
+              <a:rPr lang="en-US" sz="1400" dirty="0">
+                <a:solidFill>
+                  <a:srgbClr val="000000"/>
+                </a:solidFill>
+                <a:latin typeface="Consolas" panose="020B0609020204030204" pitchFamily="49" charset="0"/>
+              </a:rPr>
+              <a:t> Shift Default2ChangeDepartmentOrShift(</a:t>
+            </a:r>
+            <a:r>
+              <a:rPr lang="en-US" sz="1400" dirty="0">
+                <a:solidFill>
+                  <a:srgbClr val="0000FF"/>
+                </a:solidFill>
+                <a:latin typeface="Consolas" panose="020B0609020204030204" pitchFamily="49" charset="0"/>
+              </a:rPr>
+              <a:t>this</a:t>
+            </a:r>
+            <a:r>
+              <a:rPr lang="en-US" sz="1400" dirty="0">
+                <a:solidFill>
+                  <a:srgbClr val="000000"/>
+                </a:solidFill>
+                <a:latin typeface="Consolas" panose="020B0609020204030204" pitchFamily="49" charset="0"/>
+              </a:rPr>
+              <a:t> Employee e) =&gt; </a:t>
+            </a:r>
+            <a:br>
+              <a:rPr lang="en-US" sz="1400" dirty="0">
+                <a:solidFill>
+                  <a:srgbClr val="000000"/>
+                </a:solidFill>
+                <a:latin typeface="Consolas" panose="020B0609020204030204" pitchFamily="49" charset="0"/>
+              </a:rPr>
+            </a:br>
+            <a:r>
+              <a:rPr lang="en-US" sz="1400" dirty="0">
+                <a:solidFill>
+                  <a:srgbClr val="000000"/>
+                </a:solidFill>
+                <a:latin typeface="Consolas" panose="020B0609020204030204" pitchFamily="49" charset="0"/>
+              </a:rPr>
+              <a:t>    </a:t>
+            </a:r>
+            <a:r>
+              <a:rPr lang="en-US" sz="1400" dirty="0" err="1">
+                <a:solidFill>
+                  <a:srgbClr val="000000"/>
+                </a:solidFill>
+                <a:latin typeface="Consolas" panose="020B0609020204030204" pitchFamily="49" charset="0"/>
+              </a:rPr>
+              <a:t>CurrentAssignment</a:t>
+            </a:r>
+            <a:r>
+              <a:rPr lang="en-US" sz="1400" dirty="0">
+                <a:solidFill>
+                  <a:srgbClr val="000000"/>
+                </a:solidFill>
+                <a:latin typeface="Consolas" panose="020B0609020204030204" pitchFamily="49" charset="0"/>
+              </a:rPr>
+              <a:t>(e)?.Shift;</a:t>
+            </a:r>
+            <a:endParaRPr lang="en-US" sz="1400" dirty="0">
+              <a:solidFill>
+                <a:srgbClr val="0000FF"/>
+              </a:solidFill>
+              <a:latin typeface="Consolas" panose="020B0609020204030204" pitchFamily="49" charset="0"/>
+            </a:endParaRPr>
+          </a:p>
+          <a:p>
+            <a:pPr marL="0" indent="0">
+              <a:buNone/>
+            </a:pPr>
+            <a:r>
+              <a:rPr lang="en-US" sz="1400" dirty="0">
+                <a:solidFill>
+                  <a:srgbClr val="0000FF"/>
+                </a:solidFill>
+                <a:latin typeface="Consolas" panose="020B0609020204030204" pitchFamily="49" charset="0"/>
+              </a:rPr>
+              <a:t>private</a:t>
+            </a:r>
+            <a:r>
+              <a:rPr lang="en-US" sz="1400" dirty="0">
+                <a:solidFill>
+                  <a:srgbClr val="000000"/>
+                </a:solidFill>
+                <a:latin typeface="Consolas" panose="020B0609020204030204" pitchFamily="49" charset="0"/>
+              </a:rPr>
+              <a:t> </a:t>
+            </a:r>
+            <a:r>
+              <a:rPr lang="en-US" sz="1400" dirty="0">
+                <a:solidFill>
+                  <a:srgbClr val="0000FF"/>
+                </a:solidFill>
+                <a:latin typeface="Consolas" panose="020B0609020204030204" pitchFamily="49" charset="0"/>
+              </a:rPr>
+              <a:t>static</a:t>
+            </a:r>
+            <a:r>
+              <a:rPr lang="en-US" sz="1400" dirty="0">
+                <a:solidFill>
+                  <a:srgbClr val="000000"/>
+                </a:solidFill>
+                <a:latin typeface="Consolas" panose="020B0609020204030204" pitchFamily="49" charset="0"/>
+              </a:rPr>
+              <a:t> </a:t>
+            </a:r>
+            <a:r>
+              <a:rPr lang="en-US" sz="1400" dirty="0" err="1">
+                <a:solidFill>
+                  <a:srgbClr val="000000"/>
+                </a:solidFill>
+                <a:latin typeface="Consolas" panose="020B0609020204030204" pitchFamily="49" charset="0"/>
+              </a:rPr>
+              <a:t>EmployeeDepartmentHistory</a:t>
+            </a:r>
+            <a:r>
+              <a:rPr lang="en-US" sz="1400" dirty="0">
+                <a:solidFill>
+                  <a:srgbClr val="000000"/>
+                </a:solidFill>
+                <a:latin typeface="Consolas" panose="020B0609020204030204" pitchFamily="49" charset="0"/>
+              </a:rPr>
+              <a:t> </a:t>
+            </a:r>
+            <a:r>
+              <a:rPr lang="en-US" sz="1400" dirty="0" err="1">
+                <a:solidFill>
+                  <a:srgbClr val="000000"/>
+                </a:solidFill>
+                <a:latin typeface="Consolas" panose="020B0609020204030204" pitchFamily="49" charset="0"/>
+              </a:rPr>
+              <a:t>CurrentAssignment</a:t>
+            </a:r>
+            <a:r>
+              <a:rPr lang="en-US" sz="1400" dirty="0">
+                <a:solidFill>
+                  <a:srgbClr val="000000"/>
+                </a:solidFill>
+                <a:latin typeface="Consolas" panose="020B0609020204030204" pitchFamily="49" charset="0"/>
+              </a:rPr>
+              <a:t>(Employee e) =&gt;</a:t>
+            </a:r>
+            <a:br>
+              <a:rPr lang="en-US" sz="1400" dirty="0">
+                <a:solidFill>
+                  <a:srgbClr val="000000"/>
+                </a:solidFill>
+                <a:latin typeface="Consolas" panose="020B0609020204030204" pitchFamily="49" charset="0"/>
+              </a:rPr>
+            </a:br>
+            <a:r>
+              <a:rPr lang="en-US" sz="1400" dirty="0">
+                <a:solidFill>
+                  <a:srgbClr val="000000"/>
+                </a:solidFill>
+                <a:latin typeface="Consolas" panose="020B0609020204030204" pitchFamily="49" charset="0"/>
+              </a:rPr>
+              <a:t>    </a:t>
+            </a:r>
+            <a:r>
+              <a:rPr lang="en-US" sz="1400" dirty="0" err="1">
+                <a:solidFill>
+                  <a:srgbClr val="000000"/>
+                </a:solidFill>
+                <a:latin typeface="Consolas" panose="020B0609020204030204" pitchFamily="49" charset="0"/>
+              </a:rPr>
+              <a:t>e.DepartmentHistory.Where</a:t>
+            </a:r>
+            <a:r>
+              <a:rPr lang="en-US" sz="1400" dirty="0">
+                <a:solidFill>
+                  <a:srgbClr val="000000"/>
+                </a:solidFill>
+                <a:latin typeface="Consolas" panose="020B0609020204030204" pitchFamily="49" charset="0"/>
+              </a:rPr>
+              <a:t>(n =&gt; </a:t>
+            </a:r>
+            <a:r>
+              <a:rPr lang="en-US" sz="1400" dirty="0" err="1">
+                <a:solidFill>
+                  <a:srgbClr val="000000"/>
+                </a:solidFill>
+                <a:latin typeface="Consolas" panose="020B0609020204030204" pitchFamily="49" charset="0"/>
+              </a:rPr>
+              <a:t>n.EndDate</a:t>
+            </a:r>
+            <a:r>
+              <a:rPr lang="en-US" sz="1400" dirty="0">
+                <a:solidFill>
+                  <a:srgbClr val="000000"/>
+                </a:solidFill>
+                <a:latin typeface="Consolas" panose="020B0609020204030204" pitchFamily="49" charset="0"/>
+              </a:rPr>
+              <a:t> == </a:t>
+            </a:r>
+            <a:r>
+              <a:rPr lang="en-US" sz="1400" dirty="0">
+                <a:solidFill>
+                  <a:srgbClr val="0000FF"/>
+                </a:solidFill>
+                <a:latin typeface="Consolas" panose="020B0609020204030204" pitchFamily="49" charset="0"/>
+              </a:rPr>
+              <a:t>null</a:t>
+            </a:r>
+            <a:r>
+              <a:rPr lang="en-US" sz="1400" dirty="0">
+                <a:solidFill>
+                  <a:srgbClr val="000000"/>
+                </a:solidFill>
+                <a:latin typeface="Consolas" panose="020B0609020204030204" pitchFamily="49" charset="0"/>
+              </a:rPr>
+              <a:t>).</a:t>
+            </a:r>
+            <a:r>
+              <a:rPr lang="en-US" sz="1400" dirty="0" err="1">
+                <a:solidFill>
+                  <a:srgbClr val="000000"/>
+                </a:solidFill>
+                <a:latin typeface="Consolas" panose="020B0609020204030204" pitchFamily="49" charset="0"/>
+              </a:rPr>
+              <a:t>FirstOrDefault</a:t>
+            </a:r>
+            <a:r>
+              <a:rPr lang="en-US" sz="1400" dirty="0">
+                <a:solidFill>
+                  <a:srgbClr val="000000"/>
+                </a:solidFill>
+                <a:latin typeface="Consolas" panose="020B0609020204030204" pitchFamily="49" charset="0"/>
+              </a:rPr>
+              <a:t>();</a:t>
+            </a:r>
+            <a:endParaRPr lang="en-US" sz="1400" dirty="0">
+              <a:solidFill>
+                <a:srgbClr val="0000FF"/>
+              </a:solidFill>
+              <a:latin typeface="Consolas" panose="020B0609020204030204" pitchFamily="49" charset="0"/>
+            </a:endParaRPr>
+          </a:p>
+        </p:txBody>
+      </p:sp>
+      <p:sp>
+        <p:nvSpPr>
+          <p:cNvPr id="2" name="Title 1">
+            <a:extLst>
+              <a:ext uri="{FF2B5EF4-FFF2-40B4-BE49-F238E27FC236}">
+                <a16:creationId xmlns:a16="http://schemas.microsoft.com/office/drawing/2014/main" id="{A235FF3B-563A-4C23-BE37-6E4502AA315D}"/>
+              </a:ext>
+            </a:extLst>
+          </p:cNvPr>
+          <p:cNvSpPr>
+            <a:spLocks noGrp="1"/>
+          </p:cNvSpPr>
+          <p:nvPr>
+            <p:ph type="title"/>
+          </p:nvPr>
+        </p:nvSpPr>
+        <p:spPr/>
+        <p:txBody>
+          <a:bodyPr>
+            <a:normAutofit/>
+          </a:bodyPr>
+          <a:lstStyle/>
+          <a:p>
+            <a:r>
+              <a:rPr lang="en-GB" sz="2800" dirty="0"/>
+              <a:t>Complementary functions:</a:t>
+            </a:r>
+            <a:br>
+              <a:rPr lang="en-GB" sz="2800" dirty="0"/>
+            </a:br>
+            <a:r>
+              <a:rPr lang="en-GB" sz="2800" dirty="0"/>
+              <a:t>Specifying default value for a parameter</a:t>
+            </a:r>
+          </a:p>
+        </p:txBody>
+      </p:sp>
+      <p:sp>
+        <p:nvSpPr>
+          <p:cNvPr id="14" name="TextBox 13">
+            <a:extLst>
+              <a:ext uri="{FF2B5EF4-FFF2-40B4-BE49-F238E27FC236}">
+                <a16:creationId xmlns:a16="http://schemas.microsoft.com/office/drawing/2014/main" id="{E521CC6B-FBB3-4AAB-AB2A-FF428B9F18A7}"/>
+              </a:ext>
+            </a:extLst>
+          </p:cNvPr>
+          <p:cNvSpPr txBox="1"/>
+          <p:nvPr/>
+        </p:nvSpPr>
+        <p:spPr>
+          <a:xfrm>
+            <a:off x="7659277" y="750907"/>
+            <a:ext cx="3026139" cy="461665"/>
+          </a:xfrm>
+          <a:prstGeom prst="rect">
+            <a:avLst/>
+          </a:prstGeom>
+          <a:solidFill>
+            <a:schemeClr val="bg1"/>
+          </a:solidFill>
+          <a:ln w="28575">
+            <a:solidFill>
+              <a:schemeClr val="accent1"/>
+            </a:solidFill>
+          </a:ln>
+        </p:spPr>
+        <p:txBody>
+          <a:bodyPr wrap="square" rtlCol="0">
+            <a:spAutoFit/>
+          </a:bodyPr>
+          <a:lstStyle/>
+          <a:p>
+            <a:r>
+              <a:rPr lang="en-GB" sz="1200" dirty="0">
+                <a:solidFill>
+                  <a:srgbClr val="FF0000"/>
+                </a:solidFill>
+              </a:rPr>
+              <a:t>1. For </a:t>
+            </a:r>
+            <a:r>
+              <a:rPr lang="en-GB" sz="1200" i="1" dirty="0">
+                <a:solidFill>
+                  <a:srgbClr val="FF0000"/>
+                </a:solidFill>
+              </a:rPr>
+              <a:t>fixed</a:t>
+            </a:r>
+            <a:r>
+              <a:rPr lang="en-GB" sz="1200" dirty="0">
+                <a:solidFill>
+                  <a:srgbClr val="FF0000"/>
+                </a:solidFill>
+              </a:rPr>
+              <a:t> default values, just use the </a:t>
+            </a:r>
+            <a:r>
+              <a:rPr lang="en-GB" sz="1100" dirty="0">
+                <a:latin typeface="Consolas" panose="020B0609020204030204" pitchFamily="49" charset="0"/>
+              </a:rPr>
+              <a:t>[</a:t>
+            </a:r>
+            <a:r>
+              <a:rPr lang="en-GB" sz="1100" dirty="0" err="1">
+                <a:latin typeface="Consolas" panose="020B0609020204030204" pitchFamily="49" charset="0"/>
+              </a:rPr>
+              <a:t>DefaultValue</a:t>
+            </a:r>
+            <a:r>
+              <a:rPr lang="en-GB" sz="1100" dirty="0">
+                <a:latin typeface="Consolas" panose="020B0609020204030204" pitchFamily="49" charset="0"/>
+              </a:rPr>
+              <a:t>]</a:t>
+            </a:r>
+            <a:r>
+              <a:rPr lang="en-GB" sz="1200" dirty="0">
+                <a:solidFill>
+                  <a:srgbClr val="FF0000"/>
+                </a:solidFill>
+              </a:rPr>
+              <a:t> attribute on the parameter</a:t>
+            </a:r>
+          </a:p>
+        </p:txBody>
+      </p:sp>
+      <p:pic>
+        <p:nvPicPr>
+          <p:cNvPr id="29" name="Picture 28">
+            <a:extLst>
+              <a:ext uri="{FF2B5EF4-FFF2-40B4-BE49-F238E27FC236}">
+                <a16:creationId xmlns:a16="http://schemas.microsoft.com/office/drawing/2014/main" id="{5FC3D096-52CD-48B5-99BD-D1B6F64DCE9A}"/>
+              </a:ext>
+            </a:extLst>
+          </p:cNvPr>
+          <p:cNvPicPr>
+            <a:picLocks noChangeAspect="1"/>
+          </p:cNvPicPr>
+          <p:nvPr/>
+        </p:nvPicPr>
+        <p:blipFill>
+          <a:blip r:embed="rId2"/>
+          <a:stretch>
+            <a:fillRect/>
+          </a:stretch>
+        </p:blipFill>
+        <p:spPr>
+          <a:xfrm>
+            <a:off x="990599" y="1588481"/>
+            <a:ext cx="8656320" cy="2562110"/>
+          </a:xfrm>
+          <a:prstGeom prst="rect">
+            <a:avLst/>
+          </a:prstGeom>
+        </p:spPr>
+      </p:pic>
+      <p:grpSp>
+        <p:nvGrpSpPr>
+          <p:cNvPr id="15" name="Group 14">
+            <a:extLst>
+              <a:ext uri="{FF2B5EF4-FFF2-40B4-BE49-F238E27FC236}">
+                <a16:creationId xmlns:a16="http://schemas.microsoft.com/office/drawing/2014/main" id="{52DF6A69-74F4-447E-BE17-7BE74BF6120B}"/>
+              </a:ext>
+            </a:extLst>
+          </p:cNvPr>
+          <p:cNvGrpSpPr/>
+          <p:nvPr/>
+        </p:nvGrpSpPr>
+        <p:grpSpPr>
+          <a:xfrm>
+            <a:off x="4058194" y="2951772"/>
+            <a:ext cx="5401492" cy="938890"/>
+            <a:chOff x="-8932284" y="5751810"/>
+            <a:chExt cx="5071588" cy="715922"/>
+          </a:xfrm>
+        </p:grpSpPr>
+        <p:sp>
+          <p:nvSpPr>
+            <p:cNvPr id="16" name="TextBox 15">
+              <a:extLst>
+                <a:ext uri="{FF2B5EF4-FFF2-40B4-BE49-F238E27FC236}">
+                  <a16:creationId xmlns:a16="http://schemas.microsoft.com/office/drawing/2014/main" id="{924A15DA-8942-4507-9595-2AEBF2EBD421}"/>
+                </a:ext>
+              </a:extLst>
+            </p:cNvPr>
+            <p:cNvSpPr txBox="1"/>
+            <p:nvPr/>
+          </p:nvSpPr>
+          <p:spPr>
+            <a:xfrm>
+              <a:off x="-7562703" y="6115704"/>
+              <a:ext cx="3702007" cy="352028"/>
+            </a:xfrm>
+            <a:prstGeom prst="rect">
+              <a:avLst/>
+            </a:prstGeom>
+            <a:solidFill>
+              <a:schemeClr val="bg1"/>
+            </a:solidFill>
+            <a:ln w="28575">
+              <a:solidFill>
+                <a:schemeClr val="accent1"/>
+              </a:solidFill>
+            </a:ln>
+          </p:spPr>
+          <p:txBody>
+            <a:bodyPr wrap="square" rtlCol="0">
+              <a:spAutoFit/>
+            </a:bodyPr>
+            <a:lstStyle/>
+            <a:p>
+              <a:r>
+                <a:rPr lang="en-GB" sz="1200" dirty="0">
+                  <a:solidFill>
+                    <a:srgbClr val="FF0000"/>
+                  </a:solidFill>
+                </a:rPr>
+                <a:t>2. Here we want the default values (from the drop-down lists) to be the Employee’s existing Department and Shift </a:t>
+              </a:r>
+            </a:p>
+          </p:txBody>
+        </p:sp>
+        <p:cxnSp>
+          <p:nvCxnSpPr>
+            <p:cNvPr id="17" name="Straight Arrow Connector 16">
+              <a:extLst>
+                <a:ext uri="{FF2B5EF4-FFF2-40B4-BE49-F238E27FC236}">
+                  <a16:creationId xmlns:a16="http://schemas.microsoft.com/office/drawing/2014/main" id="{FC85E032-A3A0-46B9-A169-1A08B425DF2D}"/>
+                </a:ext>
+              </a:extLst>
+            </p:cNvPr>
+            <p:cNvCxnSpPr>
+              <a:cxnSpLocks/>
+            </p:cNvCxnSpPr>
+            <p:nvPr/>
+          </p:nvCxnSpPr>
+          <p:spPr>
+            <a:xfrm flipV="1">
+              <a:off x="-5711700" y="5751810"/>
+              <a:ext cx="1097219" cy="363894"/>
+            </a:xfrm>
+            <a:prstGeom prst="straightConnector1">
+              <a:avLst/>
+            </a:prstGeom>
+            <a:ln w="28575">
+              <a:tailEnd type="triangle"/>
+            </a:ln>
+          </p:spPr>
+          <p:style>
+            <a:lnRef idx="1">
+              <a:schemeClr val="accent1"/>
+            </a:lnRef>
+            <a:fillRef idx="0">
+              <a:schemeClr val="accent1"/>
+            </a:fillRef>
+            <a:effectRef idx="0">
+              <a:schemeClr val="accent1"/>
+            </a:effectRef>
+            <a:fontRef idx="minor">
+              <a:schemeClr val="tx1"/>
+            </a:fontRef>
+          </p:style>
+        </p:cxnSp>
+        <p:cxnSp>
+          <p:nvCxnSpPr>
+            <p:cNvPr id="18" name="Straight Arrow Connector 17">
+              <a:extLst>
+                <a:ext uri="{FF2B5EF4-FFF2-40B4-BE49-F238E27FC236}">
+                  <a16:creationId xmlns:a16="http://schemas.microsoft.com/office/drawing/2014/main" id="{0B4F272B-1977-4931-99E1-8CEFDA97B58F}"/>
+                </a:ext>
+              </a:extLst>
+            </p:cNvPr>
+            <p:cNvCxnSpPr>
+              <a:cxnSpLocks/>
+              <a:stCxn id="16" idx="1"/>
+            </p:cNvCxnSpPr>
+            <p:nvPr/>
+          </p:nvCxnSpPr>
+          <p:spPr>
+            <a:xfrm flipH="1" flipV="1">
+              <a:off x="-8932284" y="5826153"/>
+              <a:ext cx="1369580" cy="465565"/>
+            </a:xfrm>
+            <a:prstGeom prst="straightConnector1">
+              <a:avLst/>
+            </a:prstGeom>
+            <a:ln w="28575">
+              <a:tailEnd type="triangle"/>
+            </a:ln>
+          </p:spPr>
+          <p:style>
+            <a:lnRef idx="1">
+              <a:schemeClr val="accent1"/>
+            </a:lnRef>
+            <a:fillRef idx="0">
+              <a:schemeClr val="accent1"/>
+            </a:fillRef>
+            <a:effectRef idx="0">
+              <a:schemeClr val="accent1"/>
+            </a:effectRef>
+            <a:fontRef idx="minor">
+              <a:schemeClr val="tx1"/>
+            </a:fontRef>
+          </p:style>
+        </p:cxnSp>
+      </p:grpSp>
+      <p:grpSp>
+        <p:nvGrpSpPr>
+          <p:cNvPr id="38" name="Group 37">
+            <a:extLst>
+              <a:ext uri="{FF2B5EF4-FFF2-40B4-BE49-F238E27FC236}">
+                <a16:creationId xmlns:a16="http://schemas.microsoft.com/office/drawing/2014/main" id="{3D02B9D7-0E36-497A-BD3B-05D51993DCA4}"/>
+              </a:ext>
+            </a:extLst>
+          </p:cNvPr>
+          <p:cNvGrpSpPr/>
+          <p:nvPr/>
+        </p:nvGrpSpPr>
+        <p:grpSpPr>
+          <a:xfrm>
+            <a:off x="3840481" y="5167300"/>
+            <a:ext cx="8033115" cy="1205000"/>
+            <a:chOff x="-11672494" y="5917503"/>
+            <a:chExt cx="7542481" cy="918837"/>
+          </a:xfrm>
+        </p:grpSpPr>
+        <p:sp>
+          <p:nvSpPr>
+            <p:cNvPr id="39" name="TextBox 38">
+              <a:extLst>
+                <a:ext uri="{FF2B5EF4-FFF2-40B4-BE49-F238E27FC236}">
+                  <a16:creationId xmlns:a16="http://schemas.microsoft.com/office/drawing/2014/main" id="{0934331D-B4B3-432C-AF31-7DCD3258EA8B}"/>
+                </a:ext>
+              </a:extLst>
+            </p:cNvPr>
+            <p:cNvSpPr txBox="1"/>
+            <p:nvPr/>
+          </p:nvSpPr>
+          <p:spPr>
+            <a:xfrm>
+              <a:off x="-7150276" y="6343500"/>
+              <a:ext cx="3020263" cy="492840"/>
+            </a:xfrm>
+            <a:prstGeom prst="rect">
+              <a:avLst/>
+            </a:prstGeom>
+            <a:solidFill>
+              <a:schemeClr val="bg1"/>
+            </a:solidFill>
+            <a:ln w="28575">
+              <a:solidFill>
+                <a:schemeClr val="accent1"/>
+              </a:solidFill>
+            </a:ln>
+          </p:spPr>
+          <p:txBody>
+            <a:bodyPr wrap="square" rtlCol="0">
+              <a:spAutoFit/>
+            </a:bodyPr>
+            <a:lstStyle/>
+            <a:p>
+              <a:r>
+                <a:rPr lang="en-GB" sz="1200" dirty="0">
+                  <a:solidFill>
+                    <a:srgbClr val="FF0000"/>
+                  </a:solidFill>
+                </a:rPr>
+                <a:t>3. Default values are specified for parameters 1 &amp; 2, derived from information in the Employee object</a:t>
+              </a:r>
+            </a:p>
+          </p:txBody>
+        </p:sp>
+        <p:cxnSp>
+          <p:nvCxnSpPr>
+            <p:cNvPr id="40" name="Straight Arrow Connector 39">
+              <a:extLst>
+                <a:ext uri="{FF2B5EF4-FFF2-40B4-BE49-F238E27FC236}">
+                  <a16:creationId xmlns:a16="http://schemas.microsoft.com/office/drawing/2014/main" id="{45CED69E-3E1B-48F4-A534-7DC94B6EF688}"/>
+                </a:ext>
+              </a:extLst>
+            </p:cNvPr>
+            <p:cNvCxnSpPr>
+              <a:cxnSpLocks/>
+            </p:cNvCxnSpPr>
+            <p:nvPr/>
+          </p:nvCxnSpPr>
+          <p:spPr>
+            <a:xfrm flipH="1" flipV="1">
+              <a:off x="-11247307" y="5917503"/>
+              <a:ext cx="4097031" cy="672419"/>
+            </a:xfrm>
+            <a:prstGeom prst="straightConnector1">
+              <a:avLst/>
+            </a:prstGeom>
+            <a:ln w="28575">
+              <a:tailEnd type="triangle"/>
+            </a:ln>
+          </p:spPr>
+          <p:style>
+            <a:lnRef idx="1">
+              <a:schemeClr val="accent1"/>
+            </a:lnRef>
+            <a:fillRef idx="0">
+              <a:schemeClr val="accent1"/>
+            </a:fillRef>
+            <a:effectRef idx="0">
+              <a:schemeClr val="accent1"/>
+            </a:effectRef>
+            <a:fontRef idx="minor">
+              <a:schemeClr val="tx1"/>
+            </a:fontRef>
+          </p:style>
+        </p:cxnSp>
+        <p:cxnSp>
+          <p:nvCxnSpPr>
+            <p:cNvPr id="41" name="Straight Arrow Connector 40">
+              <a:extLst>
+                <a:ext uri="{FF2B5EF4-FFF2-40B4-BE49-F238E27FC236}">
+                  <a16:creationId xmlns:a16="http://schemas.microsoft.com/office/drawing/2014/main" id="{7F90EB8E-32AD-4BC6-8E9E-F708241C6DCB}"/>
+                </a:ext>
+              </a:extLst>
+            </p:cNvPr>
+            <p:cNvCxnSpPr>
+              <a:cxnSpLocks/>
+              <a:stCxn id="39" idx="1"/>
+            </p:cNvCxnSpPr>
+            <p:nvPr/>
+          </p:nvCxnSpPr>
+          <p:spPr>
+            <a:xfrm flipH="1" flipV="1">
+              <a:off x="-11672494" y="6269533"/>
+              <a:ext cx="4522218" cy="320387"/>
+            </a:xfrm>
+            <a:prstGeom prst="straightConnector1">
+              <a:avLst/>
+            </a:prstGeom>
+            <a:ln w="28575">
+              <a:tailEnd type="triangle"/>
+            </a:ln>
+          </p:spPr>
+          <p:style>
+            <a:lnRef idx="1">
+              <a:schemeClr val="accent1"/>
+            </a:lnRef>
+            <a:fillRef idx="0">
+              <a:schemeClr val="accent1"/>
+            </a:fillRef>
+            <a:effectRef idx="0">
+              <a:schemeClr val="accent1"/>
+            </a:effectRef>
+            <a:fontRef idx="minor">
+              <a:schemeClr val="tx1"/>
+            </a:fontRef>
+          </p:style>
+        </p:cxnSp>
+      </p:grpSp>
+    </p:spTree>
+    <p:extLst>
+      <p:ext uri="{BB962C8B-B14F-4D97-AF65-F5344CB8AC3E}">
+        <p14:creationId xmlns:p14="http://schemas.microsoft.com/office/powerpoint/2010/main" val="2910752787"/>
+      </p:ext>
+    </p:extLst>
+  </p:cSld>
+  <p:clrMapOvr>
+    <a:masterClrMapping/>
+  </p:clrMapOvr>
+</p:sld>
+</file>
+
+<file path=ppt/slides/slide21.xml><?xml version="1.0" encoding="utf-8"?>
+<p:sld xmlns:a="http://schemas.openxmlformats.org/drawingml/2006/main" xmlns:r="http://schemas.openxmlformats.org/officeDocument/2006/relationships" xmlns:p="http://schemas.openxmlformats.org/presentationml/2006/main">
+  <p:cSld>
+    <p:spTree>
+      <p:nvGrpSpPr>
+        <p:cNvPr id="1" name=""/>
+        <p:cNvGrpSpPr/>
+        <p:nvPr/>
+      </p:nvGrpSpPr>
+      <p:grpSpPr>
+        <a:xfrm>
+          <a:off x="0" y="0"/>
+          <a:ext cx="0" cy="0"/>
+          <a:chOff x="0" y="0"/>
+          <a:chExt cx="0" cy="0"/>
+        </a:xfrm>
+      </p:grpSpPr>
+      <p:sp>
+        <p:nvSpPr>
+          <p:cNvPr id="13" name="Content Placeholder 2">
+            <a:extLst>
+              <a:ext uri="{FF2B5EF4-FFF2-40B4-BE49-F238E27FC236}">
+                <a16:creationId xmlns:a16="http://schemas.microsoft.com/office/drawing/2014/main" id="{5A666F0B-6C43-495C-93D2-CE4644176EF6}"/>
+              </a:ext>
+            </a:extLst>
+          </p:cNvPr>
+          <p:cNvSpPr txBox="1">
+            <a:spLocks/>
+          </p:cNvSpPr>
+          <p:nvPr/>
+        </p:nvSpPr>
+        <p:spPr>
+          <a:xfrm>
+            <a:off x="990599" y="2020389"/>
+            <a:ext cx="11005457" cy="4733107"/>
+          </a:xfrm>
+          <a:prstGeom prst="rect">
+            <a:avLst/>
+          </a:prstGeom>
+        </p:spPr>
+        <p:txBody>
+          <a:bodyPr vert="horz" lIns="91440" tIns="45720" rIns="91440" bIns="45720" rtlCol="0">
+            <a:normAutofit/>
+          </a:bodyPr>
+          <a:lstStyle>
+            <a:lvl1pPr marL="228600" indent="-228600" algn="l" defTabSz="914400" rtl="0" eaLnBrk="1" latinLnBrk="0" hangingPunct="1">
+              <a:lnSpc>
+                <a:spcPct val="90000"/>
+              </a:lnSpc>
+              <a:spcBef>
+                <a:spcPts val="1000"/>
+              </a:spcBef>
+              <a:buFont typeface="Arial" panose="020B0604020202020204" pitchFamily="34" charset="0"/>
+              <a:buChar char="•"/>
+              <a:defRPr sz="2800" kern="1200">
+                <a:solidFill>
+                  <a:schemeClr val="tx1"/>
+                </a:solidFill>
+                <a:latin typeface="+mn-lt"/>
+                <a:ea typeface="+mn-ea"/>
+                <a:cs typeface="+mn-cs"/>
+              </a:defRPr>
+            </a:lvl1pPr>
+            <a:lvl2pPr marL="685800" indent="-228600" algn="l" defTabSz="914400" rtl="0" eaLnBrk="1" latinLnBrk="0" hangingPunct="1">
+              <a:lnSpc>
+                <a:spcPct val="90000"/>
+              </a:lnSpc>
+              <a:spcBef>
+                <a:spcPts val="500"/>
+              </a:spcBef>
+              <a:buFont typeface="Arial" panose="020B0604020202020204" pitchFamily="34" charset="0"/>
+              <a:buChar char="•"/>
+              <a:defRPr sz="2400" kern="1200">
+                <a:solidFill>
+                  <a:schemeClr val="tx1"/>
+                </a:solidFill>
+                <a:latin typeface="+mn-lt"/>
+                <a:ea typeface="+mn-ea"/>
+                <a:cs typeface="+mn-cs"/>
+              </a:defRPr>
+            </a:lvl2pPr>
+            <a:lvl3pPr marL="1143000" indent="-228600" algn="l" defTabSz="914400" rtl="0" eaLnBrk="1" latinLnBrk="0" hangingPunct="1">
+              <a:lnSpc>
+                <a:spcPct val="90000"/>
+              </a:lnSpc>
+              <a:spcBef>
+                <a:spcPts val="500"/>
+              </a:spcBef>
+              <a:buFont typeface="Arial" panose="020B0604020202020204" pitchFamily="34" charset="0"/>
+              <a:buChar char="•"/>
+              <a:defRPr sz="2000" kern="1200">
+                <a:solidFill>
+                  <a:schemeClr val="tx1"/>
+                </a:solidFill>
+                <a:latin typeface="+mn-lt"/>
+                <a:ea typeface="+mn-ea"/>
+                <a:cs typeface="+mn-cs"/>
+              </a:defRPr>
+            </a:lvl3pPr>
+            <a:lvl4pPr marL="1600200" indent="-228600" algn="l" defTabSz="914400" rtl="0" eaLnBrk="1" latinLnBrk="0" hangingPunct="1">
+              <a:lnSpc>
+                <a:spcPct val="90000"/>
+              </a:lnSpc>
+              <a:spcBef>
+                <a:spcPts val="500"/>
+              </a:spcBef>
+              <a:buFont typeface="Arial" panose="020B0604020202020204" pitchFamily="34" charset="0"/>
+              <a:buChar char="•"/>
+              <a:defRPr sz="1800" kern="1200">
+                <a:solidFill>
+                  <a:schemeClr val="tx1"/>
+                </a:solidFill>
+                <a:latin typeface="+mn-lt"/>
+                <a:ea typeface="+mn-ea"/>
+                <a:cs typeface="+mn-cs"/>
+              </a:defRPr>
+            </a:lvl4pPr>
+            <a:lvl5pPr marL="2057400" indent="-228600" algn="l" defTabSz="914400" rtl="0" eaLnBrk="1" latinLnBrk="0" hangingPunct="1">
+              <a:lnSpc>
+                <a:spcPct val="90000"/>
+              </a:lnSpc>
+              <a:spcBef>
+                <a:spcPts val="500"/>
+              </a:spcBef>
+              <a:buFont typeface="Arial" panose="020B0604020202020204" pitchFamily="34" charset="0"/>
+              <a:buChar char="•"/>
+              <a:defRPr sz="1800" kern="1200">
+                <a:solidFill>
+                  <a:schemeClr val="tx1"/>
+                </a:solidFill>
+                <a:latin typeface="+mn-lt"/>
+                <a:ea typeface="+mn-ea"/>
+                <a:cs typeface="+mn-cs"/>
+              </a:defRPr>
+            </a:lvl5pPr>
+            <a:lvl6pPr marL="2514600" indent="-228600" algn="l" defTabSz="914400" rtl="0" eaLnBrk="1" latinLnBrk="0" hangingPunct="1">
+              <a:lnSpc>
+                <a:spcPct val="90000"/>
+              </a:lnSpc>
+              <a:spcBef>
+                <a:spcPts val="500"/>
+              </a:spcBef>
+              <a:buFont typeface="Arial" panose="020B0604020202020204" pitchFamily="34" charset="0"/>
+              <a:buChar char="•"/>
+              <a:defRPr sz="1800" kern="1200">
+                <a:solidFill>
+                  <a:schemeClr val="tx1"/>
+                </a:solidFill>
+                <a:latin typeface="+mn-lt"/>
+                <a:ea typeface="+mn-ea"/>
+                <a:cs typeface="+mn-cs"/>
+              </a:defRPr>
+            </a:lvl6pPr>
+            <a:lvl7pPr marL="2971800" indent="-228600" algn="l" defTabSz="914400" rtl="0" eaLnBrk="1" latinLnBrk="0" hangingPunct="1">
+              <a:lnSpc>
+                <a:spcPct val="90000"/>
+              </a:lnSpc>
+              <a:spcBef>
+                <a:spcPts val="500"/>
+              </a:spcBef>
+              <a:buFont typeface="Arial" panose="020B0604020202020204" pitchFamily="34" charset="0"/>
+              <a:buChar char="•"/>
+              <a:defRPr sz="1800" kern="1200">
+                <a:solidFill>
+                  <a:schemeClr val="tx1"/>
+                </a:solidFill>
+                <a:latin typeface="+mn-lt"/>
+                <a:ea typeface="+mn-ea"/>
+                <a:cs typeface="+mn-cs"/>
+              </a:defRPr>
+            </a:lvl7pPr>
+            <a:lvl8pPr marL="3429000" indent="-228600" algn="l" defTabSz="914400" rtl="0" eaLnBrk="1" latinLnBrk="0" hangingPunct="1">
+              <a:lnSpc>
+                <a:spcPct val="90000"/>
+              </a:lnSpc>
+              <a:spcBef>
+                <a:spcPts val="500"/>
+              </a:spcBef>
+              <a:buFont typeface="Arial" panose="020B0604020202020204" pitchFamily="34" charset="0"/>
+              <a:buChar char="•"/>
+              <a:defRPr sz="1800" kern="1200">
+                <a:solidFill>
+                  <a:schemeClr val="tx1"/>
+                </a:solidFill>
+                <a:latin typeface="+mn-lt"/>
+                <a:ea typeface="+mn-ea"/>
+                <a:cs typeface="+mn-cs"/>
+              </a:defRPr>
+            </a:lvl8pPr>
+            <a:lvl9pPr marL="3886200" indent="-228600" algn="l" defTabSz="914400" rtl="0" eaLnBrk="1" latinLnBrk="0" hangingPunct="1">
+              <a:lnSpc>
+                <a:spcPct val="90000"/>
+              </a:lnSpc>
+              <a:spcBef>
+                <a:spcPts val="500"/>
+              </a:spcBef>
+              <a:buFont typeface="Arial" panose="020B0604020202020204" pitchFamily="34" charset="0"/>
+              <a:buChar char="•"/>
+              <a:defRPr sz="1800" kern="1200">
+                <a:solidFill>
+                  <a:schemeClr val="tx1"/>
+                </a:solidFill>
+                <a:latin typeface="+mn-lt"/>
+                <a:ea typeface="+mn-ea"/>
+                <a:cs typeface="+mn-cs"/>
+              </a:defRPr>
+            </a:lvl9pPr>
+          </a:lstStyle>
+          <a:p>
+            <a:pPr marL="0" indent="0">
+              <a:buNone/>
+            </a:pPr>
+            <a:endParaRPr lang="en-GB" sz="1400" dirty="0">
+              <a:solidFill>
+                <a:srgbClr val="0000FF"/>
+              </a:solidFill>
+              <a:latin typeface="Consolas" panose="020B0609020204030204" pitchFamily="49" charset="0"/>
+            </a:endParaRPr>
+          </a:p>
+          <a:p>
+            <a:pPr marL="0" indent="0">
+              <a:buNone/>
+            </a:pPr>
+            <a:endParaRPr lang="en-GB" sz="1400" dirty="0">
+              <a:solidFill>
+                <a:srgbClr val="0000FF"/>
+              </a:solidFill>
+              <a:latin typeface="Consolas" panose="020B0609020204030204" pitchFamily="49" charset="0"/>
+            </a:endParaRPr>
+          </a:p>
+          <a:p>
+            <a:pPr marL="0" indent="0">
+              <a:buNone/>
+            </a:pPr>
+            <a:endParaRPr lang="en-GB" sz="1400" dirty="0">
+              <a:solidFill>
+                <a:srgbClr val="0000FF"/>
+              </a:solidFill>
+              <a:latin typeface="Consolas" panose="020B0609020204030204" pitchFamily="49" charset="0"/>
+            </a:endParaRPr>
+          </a:p>
+          <a:p>
+            <a:pPr marL="0" indent="0">
+              <a:buNone/>
+            </a:pPr>
+            <a:endParaRPr lang="en-GB" sz="1400" dirty="0">
+              <a:solidFill>
+                <a:srgbClr val="0000FF"/>
+              </a:solidFill>
+              <a:latin typeface="Consolas" panose="020B0609020204030204" pitchFamily="49" charset="0"/>
+            </a:endParaRPr>
+          </a:p>
+          <a:p>
+            <a:pPr marL="0" indent="0">
+              <a:buNone/>
+            </a:pPr>
+            <a:r>
+              <a:rPr lang="en-GB" sz="1400" dirty="0">
+                <a:solidFill>
+                  <a:srgbClr val="0000FF"/>
+                </a:solidFill>
+                <a:latin typeface="Consolas" panose="020B0609020204030204" pitchFamily="49" charset="0"/>
+              </a:rPr>
+              <a:t>public</a:t>
+            </a:r>
+            <a:r>
+              <a:rPr lang="en-GB" sz="1400" dirty="0">
+                <a:solidFill>
+                  <a:srgbClr val="000000"/>
+                </a:solidFill>
+                <a:latin typeface="Consolas" panose="020B0609020204030204" pitchFamily="49" charset="0"/>
+              </a:rPr>
+              <a:t> </a:t>
+            </a:r>
+            <a:r>
+              <a:rPr lang="en-GB" sz="1400" dirty="0">
+                <a:solidFill>
+                  <a:srgbClr val="0000FF"/>
+                </a:solidFill>
+                <a:latin typeface="Consolas" panose="020B0609020204030204" pitchFamily="49" charset="0"/>
+              </a:rPr>
+              <a:t>static</a:t>
+            </a:r>
+            <a:r>
+              <a:rPr lang="en-GB" sz="1400" dirty="0">
+                <a:solidFill>
+                  <a:srgbClr val="000000"/>
+                </a:solidFill>
+                <a:latin typeface="Consolas" panose="020B0609020204030204" pitchFamily="49" charset="0"/>
+              </a:rPr>
+              <a:t> </a:t>
+            </a:r>
+            <a:r>
+              <a:rPr lang="en-GB" sz="1400" dirty="0" err="1">
+                <a:solidFill>
+                  <a:srgbClr val="000000"/>
+                </a:solidFill>
+                <a:latin typeface="Consolas" panose="020B0609020204030204" pitchFamily="49" charset="0"/>
+              </a:rPr>
+              <a:t>IContext</a:t>
+            </a:r>
+            <a:r>
+              <a:rPr lang="en-GB" sz="1400" dirty="0">
+                <a:solidFill>
+                  <a:srgbClr val="000000"/>
+                </a:solidFill>
+                <a:latin typeface="Consolas" panose="020B0609020204030204" pitchFamily="49" charset="0"/>
+              </a:rPr>
+              <a:t> </a:t>
+            </a:r>
+            <a:r>
+              <a:rPr lang="en-GB" sz="1400" dirty="0" err="1">
+                <a:solidFill>
+                  <a:srgbClr val="000000"/>
+                </a:solidFill>
+                <a:latin typeface="Consolas" panose="020B0609020204030204" pitchFamily="49" charset="0"/>
+              </a:rPr>
+              <a:t>EditDiscount</a:t>
+            </a:r>
+            <a:r>
+              <a:rPr lang="en-GB" sz="1400" dirty="0">
+                <a:solidFill>
+                  <a:srgbClr val="000000"/>
+                </a:solidFill>
+                <a:latin typeface="Consolas" panose="020B0609020204030204" pitchFamily="49" charset="0"/>
+              </a:rPr>
+              <a:t>(</a:t>
+            </a:r>
+            <a:r>
+              <a:rPr lang="en-US" sz="1400" dirty="0">
+                <a:solidFill>
+                  <a:srgbClr val="0000FF"/>
+                </a:solidFill>
+                <a:latin typeface="Consolas" panose="020B0609020204030204" pitchFamily="49" charset="0"/>
+              </a:rPr>
+              <a:t>this</a:t>
+            </a:r>
+            <a:r>
+              <a:rPr lang="en-US" sz="1400" dirty="0">
+                <a:solidFill>
+                  <a:srgbClr val="000000"/>
+                </a:solidFill>
+                <a:latin typeface="Consolas" panose="020B0609020204030204" pitchFamily="49" charset="0"/>
+              </a:rPr>
+              <a:t> </a:t>
+            </a:r>
+            <a:r>
+              <a:rPr lang="en-US" sz="1400" dirty="0" err="1">
+                <a:solidFill>
+                  <a:srgbClr val="000000"/>
+                </a:solidFill>
+                <a:latin typeface="Consolas" panose="020B0609020204030204" pitchFamily="49" charset="0"/>
+              </a:rPr>
+              <a:t>SpecialOffer</a:t>
+            </a:r>
+            <a:r>
+              <a:rPr lang="en-US" sz="1400" dirty="0">
+                <a:solidFill>
+                  <a:srgbClr val="000000"/>
+                </a:solidFill>
+                <a:latin typeface="Consolas" panose="020B0609020204030204" pitchFamily="49" charset="0"/>
+              </a:rPr>
+              <a:t> </a:t>
+            </a:r>
+            <a:r>
+              <a:rPr lang="en-US" sz="1400" dirty="0" err="1">
+                <a:solidFill>
+                  <a:srgbClr val="000000"/>
+                </a:solidFill>
+                <a:latin typeface="Consolas" panose="020B0609020204030204" pitchFamily="49" charset="0"/>
+              </a:rPr>
+              <a:t>sp</a:t>
+            </a:r>
+            <a:r>
+              <a:rPr lang="en-US" sz="1400" dirty="0">
+                <a:solidFill>
+                  <a:srgbClr val="000000"/>
+                </a:solidFill>
+                <a:latin typeface="Consolas" panose="020B0609020204030204" pitchFamily="49" charset="0"/>
+              </a:rPr>
+              <a:t>, </a:t>
+            </a:r>
+            <a:r>
+              <a:rPr lang="en-US" sz="1400" dirty="0">
+                <a:solidFill>
+                  <a:srgbClr val="0000FF"/>
+                </a:solidFill>
+                <a:latin typeface="Consolas" panose="020B0609020204030204" pitchFamily="49" charset="0"/>
+              </a:rPr>
+              <a:t>decimal</a:t>
+            </a:r>
+            <a:r>
+              <a:rPr lang="en-US" sz="1400" dirty="0">
+                <a:solidFill>
+                  <a:srgbClr val="000000"/>
+                </a:solidFill>
+                <a:latin typeface="Consolas" panose="020B0609020204030204" pitchFamily="49" charset="0"/>
+              </a:rPr>
+              <a:t> </a:t>
+            </a:r>
+            <a:r>
+              <a:rPr lang="en-US" sz="1400" dirty="0" err="1">
+                <a:solidFill>
+                  <a:srgbClr val="000000"/>
+                </a:solidFill>
+                <a:latin typeface="Consolas" panose="020B0609020204030204" pitchFamily="49" charset="0"/>
+              </a:rPr>
+              <a:t>discountPct</a:t>
+            </a:r>
+            <a:r>
+              <a:rPr lang="en-US" sz="1400" dirty="0">
+                <a:solidFill>
+                  <a:srgbClr val="000000"/>
+                </a:solidFill>
+                <a:latin typeface="Consolas" panose="020B0609020204030204" pitchFamily="49" charset="0"/>
+              </a:rPr>
+              <a:t>, </a:t>
+            </a:r>
+            <a:r>
+              <a:rPr lang="en-US" sz="1400" dirty="0" err="1">
+                <a:solidFill>
+                  <a:srgbClr val="000000"/>
+                </a:solidFill>
+                <a:latin typeface="Consolas" panose="020B0609020204030204" pitchFamily="49" charset="0"/>
+              </a:rPr>
+              <a:t>IContext</a:t>
+            </a:r>
+            <a:r>
+              <a:rPr lang="en-US" sz="1400" dirty="0">
+                <a:solidFill>
+                  <a:srgbClr val="000000"/>
+                </a:solidFill>
+                <a:latin typeface="Consolas" panose="020B0609020204030204" pitchFamily="49" charset="0"/>
+              </a:rPr>
+              <a:t> context) =&gt;</a:t>
+            </a:r>
+            <a:br>
+              <a:rPr lang="en-US" sz="1400" dirty="0">
+                <a:solidFill>
+                  <a:srgbClr val="000000"/>
+                </a:solidFill>
+                <a:latin typeface="Consolas" panose="020B0609020204030204" pitchFamily="49" charset="0"/>
+              </a:rPr>
+            </a:br>
+            <a:r>
+              <a:rPr lang="en-US" sz="1400" dirty="0">
+                <a:solidFill>
+                  <a:srgbClr val="000000"/>
+                </a:solidFill>
+                <a:latin typeface="Consolas" panose="020B0609020204030204" pitchFamily="49" charset="0"/>
+              </a:rPr>
+              <a:t>    </a:t>
+            </a:r>
+            <a:r>
+              <a:rPr lang="en-GB" sz="1400" dirty="0" err="1">
+                <a:solidFill>
+                  <a:srgbClr val="000000"/>
+                </a:solidFill>
+                <a:latin typeface="Consolas" panose="020B0609020204030204" pitchFamily="49" charset="0"/>
+              </a:rPr>
+              <a:t>UpdateSpecialOffer</a:t>
+            </a:r>
+            <a:r>
+              <a:rPr lang="en-GB" sz="1400" dirty="0">
+                <a:solidFill>
+                  <a:srgbClr val="000000"/>
+                </a:solidFill>
+                <a:latin typeface="Consolas" panose="020B0609020204030204" pitchFamily="49" charset="0"/>
+              </a:rPr>
+              <a:t>(</a:t>
+            </a:r>
+            <a:r>
+              <a:rPr lang="en-GB" sz="1400" dirty="0" err="1">
+                <a:solidFill>
+                  <a:srgbClr val="000000"/>
+                </a:solidFill>
+                <a:latin typeface="Consolas" panose="020B0609020204030204" pitchFamily="49" charset="0"/>
+              </a:rPr>
+              <a:t>sp</a:t>
+            </a:r>
+            <a:r>
+              <a:rPr lang="en-GB" sz="1400" dirty="0">
+                <a:solidFill>
+                  <a:srgbClr val="000000"/>
+                </a:solidFill>
+                <a:latin typeface="Consolas" panose="020B0609020204030204" pitchFamily="49" charset="0"/>
+              </a:rPr>
+              <a:t>, </a:t>
+            </a:r>
+            <a:r>
+              <a:rPr lang="en-GB" sz="1400" dirty="0" err="1">
+                <a:solidFill>
+                  <a:srgbClr val="000000"/>
+                </a:solidFill>
+                <a:latin typeface="Consolas" panose="020B0609020204030204" pitchFamily="49" charset="0"/>
+              </a:rPr>
+              <a:t>sp</a:t>
+            </a:r>
+            <a:r>
+              <a:rPr lang="en-GB" sz="1400" dirty="0">
+                <a:solidFill>
+                  <a:srgbClr val="000000"/>
+                </a:solidFill>
+                <a:latin typeface="Consolas" panose="020B0609020204030204" pitchFamily="49" charset="0"/>
+              </a:rPr>
+              <a:t> </a:t>
+            </a:r>
+            <a:r>
+              <a:rPr lang="en-GB" sz="1400" dirty="0">
+                <a:solidFill>
+                  <a:srgbClr val="0000FF"/>
+                </a:solidFill>
+                <a:latin typeface="Consolas" panose="020B0609020204030204" pitchFamily="49" charset="0"/>
+              </a:rPr>
+              <a:t>with</a:t>
+            </a:r>
+            <a:r>
+              <a:rPr lang="en-GB" sz="1400" dirty="0">
+                <a:solidFill>
+                  <a:srgbClr val="000000"/>
+                </a:solidFill>
+                <a:latin typeface="Consolas" panose="020B0609020204030204" pitchFamily="49" charset="0"/>
+              </a:rPr>
+              <a:t> { </a:t>
+            </a:r>
+            <a:r>
+              <a:rPr lang="en-GB" sz="1400" dirty="0" err="1">
+                <a:solidFill>
+                  <a:srgbClr val="000000"/>
+                </a:solidFill>
+                <a:latin typeface="Consolas" panose="020B0609020204030204" pitchFamily="49" charset="0"/>
+              </a:rPr>
+              <a:t>DiscountPct</a:t>
+            </a:r>
+            <a:r>
+              <a:rPr lang="en-GB" sz="1400" dirty="0">
+                <a:solidFill>
+                  <a:srgbClr val="000000"/>
+                </a:solidFill>
+                <a:latin typeface="Consolas" panose="020B0609020204030204" pitchFamily="49" charset="0"/>
+              </a:rPr>
+              <a:t> = </a:t>
+            </a:r>
+            <a:r>
+              <a:rPr lang="en-GB" sz="1400" dirty="0" err="1">
+                <a:solidFill>
+                  <a:srgbClr val="000000"/>
+                </a:solidFill>
+                <a:latin typeface="Consolas" panose="020B0609020204030204" pitchFamily="49" charset="0"/>
+              </a:rPr>
+              <a:t>discountPct</a:t>
+            </a:r>
+            <a:r>
+              <a:rPr lang="en-GB" sz="1400" dirty="0">
+                <a:solidFill>
+                  <a:srgbClr val="000000"/>
+                </a:solidFill>
+                <a:latin typeface="Consolas" panose="020B0609020204030204" pitchFamily="49" charset="0"/>
+              </a:rPr>
+              <a:t> }, context);</a:t>
+            </a:r>
+          </a:p>
+          <a:p>
+            <a:pPr marL="0" indent="0">
+              <a:buNone/>
+            </a:pPr>
+            <a:endParaRPr lang="en-GB" sz="1400" dirty="0">
+              <a:solidFill>
+                <a:srgbClr val="000000"/>
+              </a:solidFill>
+              <a:latin typeface="Consolas" panose="020B0609020204030204" pitchFamily="49" charset="0"/>
+            </a:endParaRPr>
+          </a:p>
+          <a:p>
+            <a:pPr marL="0" indent="0">
+              <a:buNone/>
+            </a:pPr>
+            <a:r>
+              <a:rPr lang="en-US" sz="1400" dirty="0">
+                <a:solidFill>
+                  <a:srgbClr val="0000FF"/>
+                </a:solidFill>
+                <a:latin typeface="Consolas" panose="020B0609020204030204" pitchFamily="49" charset="0"/>
+              </a:rPr>
+              <a:t>public</a:t>
+            </a:r>
+            <a:r>
+              <a:rPr lang="en-US" sz="1400" dirty="0">
+                <a:solidFill>
+                  <a:srgbClr val="000000"/>
+                </a:solidFill>
+                <a:latin typeface="Consolas" panose="020B0609020204030204" pitchFamily="49" charset="0"/>
+              </a:rPr>
+              <a:t> </a:t>
+            </a:r>
+            <a:r>
+              <a:rPr lang="en-US" sz="1400" dirty="0">
+                <a:solidFill>
+                  <a:srgbClr val="0000FF"/>
+                </a:solidFill>
+                <a:latin typeface="Consolas" panose="020B0609020204030204" pitchFamily="49" charset="0"/>
+              </a:rPr>
+              <a:t>static</a:t>
+            </a:r>
+            <a:r>
+              <a:rPr lang="en-US" sz="1400" dirty="0">
+                <a:solidFill>
+                  <a:srgbClr val="000000"/>
+                </a:solidFill>
+                <a:latin typeface="Consolas" panose="020B0609020204030204" pitchFamily="49" charset="0"/>
+              </a:rPr>
+              <a:t> </a:t>
+            </a:r>
+            <a:r>
+              <a:rPr lang="en-US" sz="1400" dirty="0">
+                <a:solidFill>
+                  <a:srgbClr val="0000FF"/>
+                </a:solidFill>
+                <a:latin typeface="Consolas" panose="020B0609020204030204" pitchFamily="49" charset="0"/>
+              </a:rPr>
+              <a:t>string</a:t>
+            </a:r>
+            <a:r>
+              <a:rPr lang="en-US" sz="1400" dirty="0">
+                <a:solidFill>
+                  <a:srgbClr val="000000"/>
+                </a:solidFill>
+                <a:latin typeface="Consolas" panose="020B0609020204030204" pitchFamily="49" charset="0"/>
+              </a:rPr>
+              <a:t> </a:t>
+            </a:r>
+            <a:r>
+              <a:rPr lang="en-US" sz="1400" dirty="0" err="1">
+                <a:solidFill>
+                  <a:srgbClr val="000000"/>
+                </a:solidFill>
+                <a:latin typeface="Consolas" panose="020B0609020204030204" pitchFamily="49" charset="0"/>
+              </a:rPr>
+              <a:t>DisableEditDiscount</a:t>
+            </a:r>
+            <a:r>
+              <a:rPr lang="en-US" sz="1400" dirty="0">
+                <a:solidFill>
+                  <a:srgbClr val="000000"/>
+                </a:solidFill>
+                <a:latin typeface="Consolas" panose="020B0609020204030204" pitchFamily="49" charset="0"/>
+              </a:rPr>
+              <a:t>(</a:t>
+            </a:r>
+            <a:r>
+              <a:rPr lang="en-US" sz="1400" dirty="0">
+                <a:solidFill>
+                  <a:srgbClr val="0000FF"/>
+                </a:solidFill>
+                <a:latin typeface="Consolas" panose="020B0609020204030204" pitchFamily="49" charset="0"/>
+              </a:rPr>
+              <a:t>this</a:t>
+            </a:r>
+            <a:r>
+              <a:rPr lang="en-US" sz="1400" dirty="0">
+                <a:solidFill>
+                  <a:srgbClr val="000000"/>
+                </a:solidFill>
+                <a:latin typeface="Consolas" panose="020B0609020204030204" pitchFamily="49" charset="0"/>
+              </a:rPr>
+              <a:t> </a:t>
+            </a:r>
+            <a:r>
+              <a:rPr lang="en-US" sz="1400" dirty="0" err="1">
+                <a:solidFill>
+                  <a:srgbClr val="000000"/>
+                </a:solidFill>
+                <a:latin typeface="Consolas" panose="020B0609020204030204" pitchFamily="49" charset="0"/>
+              </a:rPr>
+              <a:t>SpecialOffer</a:t>
+            </a:r>
+            <a:r>
+              <a:rPr lang="en-US" sz="1400" dirty="0">
+                <a:solidFill>
+                  <a:srgbClr val="000000"/>
+                </a:solidFill>
+                <a:latin typeface="Consolas" panose="020B0609020204030204" pitchFamily="49" charset="0"/>
+              </a:rPr>
+              <a:t> </a:t>
+            </a:r>
+            <a:r>
+              <a:rPr lang="en-US" sz="1400" dirty="0" err="1">
+                <a:solidFill>
+                  <a:srgbClr val="000000"/>
+                </a:solidFill>
+                <a:latin typeface="Consolas" panose="020B0609020204030204" pitchFamily="49" charset="0"/>
+              </a:rPr>
+              <a:t>sp</a:t>
+            </a:r>
+            <a:r>
+              <a:rPr lang="en-US" sz="1400" dirty="0">
+                <a:solidFill>
+                  <a:srgbClr val="000000"/>
+                </a:solidFill>
+                <a:latin typeface="Consolas" panose="020B0609020204030204" pitchFamily="49" charset="0"/>
+              </a:rPr>
+              <a:t>, </a:t>
+            </a:r>
+            <a:r>
+              <a:rPr lang="en-US" sz="1400" dirty="0" err="1">
+                <a:solidFill>
+                  <a:srgbClr val="000000"/>
+                </a:solidFill>
+                <a:latin typeface="Consolas" panose="020B0609020204030204" pitchFamily="49" charset="0"/>
+              </a:rPr>
+              <a:t>IContext</a:t>
+            </a:r>
+            <a:r>
+              <a:rPr lang="en-US" sz="1400" dirty="0">
+                <a:solidFill>
+                  <a:srgbClr val="000000"/>
+                </a:solidFill>
+                <a:latin typeface="Consolas" panose="020B0609020204030204" pitchFamily="49" charset="0"/>
+              </a:rPr>
+              <a:t> context) =&gt;</a:t>
+            </a:r>
+            <a:br>
+              <a:rPr lang="en-US" sz="1400" dirty="0">
+                <a:solidFill>
+                  <a:srgbClr val="000000"/>
+                </a:solidFill>
+                <a:latin typeface="Consolas" panose="020B0609020204030204" pitchFamily="49" charset="0"/>
+              </a:rPr>
+            </a:br>
+            <a:r>
+              <a:rPr lang="en-US" sz="1400" dirty="0">
+                <a:solidFill>
+                  <a:srgbClr val="000000"/>
+                </a:solidFill>
+                <a:latin typeface="Consolas" panose="020B0609020204030204" pitchFamily="49" charset="0"/>
+              </a:rPr>
+              <a:t>    </a:t>
+            </a:r>
+            <a:r>
+              <a:rPr lang="en-US" sz="1400" dirty="0" err="1">
+                <a:solidFill>
+                  <a:srgbClr val="000000"/>
+                </a:solidFill>
+                <a:latin typeface="Consolas" panose="020B0609020204030204" pitchFamily="49" charset="0"/>
+              </a:rPr>
+              <a:t>context.Today</a:t>
+            </a:r>
+            <a:r>
+              <a:rPr lang="en-US" sz="1400" dirty="0">
+                <a:solidFill>
+                  <a:srgbClr val="000000"/>
+                </a:solidFill>
+                <a:latin typeface="Consolas" panose="020B0609020204030204" pitchFamily="49" charset="0"/>
+              </a:rPr>
+              <a:t>() &gt; </a:t>
+            </a:r>
+            <a:r>
+              <a:rPr lang="en-US" sz="1400" dirty="0" err="1">
+                <a:solidFill>
+                  <a:srgbClr val="000000"/>
+                </a:solidFill>
+                <a:latin typeface="Consolas" panose="020B0609020204030204" pitchFamily="49" charset="0"/>
+              </a:rPr>
+              <a:t>sp.StartDate</a:t>
+            </a:r>
+            <a:r>
+              <a:rPr lang="en-US" sz="1400" dirty="0">
+                <a:solidFill>
+                  <a:srgbClr val="000000"/>
+                </a:solidFill>
+                <a:latin typeface="Consolas" panose="020B0609020204030204" pitchFamily="49" charset="0"/>
+              </a:rPr>
+              <a:t> ? </a:t>
+            </a:r>
+            <a:r>
+              <a:rPr lang="en-US" sz="1400" dirty="0">
+                <a:solidFill>
+                  <a:srgbClr val="A31515"/>
+                </a:solidFill>
+                <a:latin typeface="Consolas" panose="020B0609020204030204" pitchFamily="49" charset="0"/>
+              </a:rPr>
+              <a:t>"Offer has started"</a:t>
+            </a:r>
+            <a:r>
+              <a:rPr lang="en-US" sz="1400" dirty="0">
+                <a:solidFill>
+                  <a:srgbClr val="000000"/>
+                </a:solidFill>
+                <a:latin typeface="Consolas" panose="020B0609020204030204" pitchFamily="49" charset="0"/>
+              </a:rPr>
+              <a:t> : </a:t>
+            </a:r>
+            <a:r>
+              <a:rPr lang="en-US" sz="1400" dirty="0">
+                <a:solidFill>
+                  <a:srgbClr val="0000FF"/>
+                </a:solidFill>
+                <a:latin typeface="Consolas" panose="020B0609020204030204" pitchFamily="49" charset="0"/>
+              </a:rPr>
+              <a:t>null</a:t>
+            </a:r>
+            <a:r>
+              <a:rPr lang="en-US" sz="1400" dirty="0">
+                <a:solidFill>
+                  <a:srgbClr val="000000"/>
+                </a:solidFill>
+                <a:latin typeface="Consolas" panose="020B0609020204030204" pitchFamily="49" charset="0"/>
+              </a:rPr>
+              <a:t>;</a:t>
+            </a:r>
+            <a:endParaRPr lang="en-US" sz="1100" dirty="0">
+              <a:solidFill>
+                <a:srgbClr val="0000FF"/>
+              </a:solidFill>
+              <a:latin typeface="Consolas" panose="020B0609020204030204" pitchFamily="49" charset="0"/>
+            </a:endParaRPr>
+          </a:p>
+        </p:txBody>
+      </p:sp>
+      <p:sp>
+        <p:nvSpPr>
+          <p:cNvPr id="2" name="Title 1">
+            <a:extLst>
+              <a:ext uri="{FF2B5EF4-FFF2-40B4-BE49-F238E27FC236}">
+                <a16:creationId xmlns:a16="http://schemas.microsoft.com/office/drawing/2014/main" id="{A235FF3B-563A-4C23-BE37-6E4502AA315D}"/>
+              </a:ext>
+            </a:extLst>
+          </p:cNvPr>
+          <p:cNvSpPr>
+            <a:spLocks noGrp="1"/>
+          </p:cNvSpPr>
+          <p:nvPr>
+            <p:ph type="title"/>
+          </p:nvPr>
+        </p:nvSpPr>
+        <p:spPr/>
+        <p:txBody>
+          <a:bodyPr>
+            <a:normAutofit/>
+          </a:bodyPr>
+          <a:lstStyle/>
+          <a:p>
+            <a:r>
+              <a:rPr lang="en-GB" sz="2800" dirty="0"/>
+              <a:t>Complementary functions:</a:t>
+            </a:r>
+            <a:br>
+              <a:rPr lang="en-GB" sz="2800" dirty="0"/>
+            </a:br>
+            <a:r>
+              <a:rPr lang="en-GB" sz="2800" dirty="0"/>
+              <a:t>Disabling an action based on the object state</a:t>
+            </a:r>
+          </a:p>
+        </p:txBody>
+      </p:sp>
+      <p:grpSp>
+        <p:nvGrpSpPr>
+          <p:cNvPr id="15" name="Group 14">
+            <a:extLst>
+              <a:ext uri="{FF2B5EF4-FFF2-40B4-BE49-F238E27FC236}">
+                <a16:creationId xmlns:a16="http://schemas.microsoft.com/office/drawing/2014/main" id="{52DF6A69-74F4-447E-BE17-7BE74BF6120B}"/>
+              </a:ext>
+            </a:extLst>
+          </p:cNvPr>
+          <p:cNvGrpSpPr/>
+          <p:nvPr/>
+        </p:nvGrpSpPr>
+        <p:grpSpPr>
+          <a:xfrm>
+            <a:off x="1869070" y="2510877"/>
+            <a:ext cx="3942821" cy="780937"/>
+            <a:chOff x="-8461109" y="6128663"/>
+            <a:chExt cx="3702007" cy="595478"/>
+          </a:xfrm>
+        </p:grpSpPr>
+        <p:sp>
+          <p:nvSpPr>
+            <p:cNvPr id="16" name="TextBox 15">
+              <a:extLst>
+                <a:ext uri="{FF2B5EF4-FFF2-40B4-BE49-F238E27FC236}">
+                  <a16:creationId xmlns:a16="http://schemas.microsoft.com/office/drawing/2014/main" id="{924A15DA-8942-4507-9595-2AEBF2EBD421}"/>
+                </a:ext>
+              </a:extLst>
+            </p:cNvPr>
+            <p:cNvSpPr txBox="1"/>
+            <p:nvPr/>
+          </p:nvSpPr>
+          <p:spPr>
+            <a:xfrm>
+              <a:off x="-8461109" y="6128663"/>
+              <a:ext cx="3702007" cy="352028"/>
+            </a:xfrm>
+            <a:prstGeom prst="rect">
+              <a:avLst/>
+            </a:prstGeom>
+            <a:solidFill>
+              <a:schemeClr val="bg1"/>
+            </a:solidFill>
+            <a:ln w="28575">
+              <a:solidFill>
+                <a:schemeClr val="accent1"/>
+              </a:solidFill>
+            </a:ln>
+          </p:spPr>
+          <p:txBody>
+            <a:bodyPr wrap="square" rtlCol="0">
+              <a:spAutoFit/>
+            </a:bodyPr>
+            <a:lstStyle/>
+            <a:p>
+              <a:r>
+                <a:rPr lang="en-GB" sz="1200" dirty="0">
+                  <a:solidFill>
+                    <a:srgbClr val="FF0000"/>
+                  </a:solidFill>
+                </a:rPr>
+                <a:t>1. We do not want the user to be able to alter the discount once the offer has started</a:t>
+              </a:r>
+            </a:p>
+          </p:txBody>
+        </p:sp>
+        <p:cxnSp>
+          <p:nvCxnSpPr>
+            <p:cNvPr id="17" name="Straight Arrow Connector 16">
+              <a:extLst>
+                <a:ext uri="{FF2B5EF4-FFF2-40B4-BE49-F238E27FC236}">
+                  <a16:creationId xmlns:a16="http://schemas.microsoft.com/office/drawing/2014/main" id="{FC85E032-A3A0-46B9-A169-1A08B425DF2D}"/>
+                </a:ext>
+              </a:extLst>
+            </p:cNvPr>
+            <p:cNvCxnSpPr>
+              <a:cxnSpLocks/>
+              <a:stCxn id="16" idx="2"/>
+            </p:cNvCxnSpPr>
+            <p:nvPr/>
+          </p:nvCxnSpPr>
+          <p:spPr>
+            <a:xfrm flipH="1">
+              <a:off x="-6610106" y="6480691"/>
+              <a:ext cx="1" cy="243450"/>
+            </a:xfrm>
+            <a:prstGeom prst="straightConnector1">
+              <a:avLst/>
+            </a:prstGeom>
+            <a:ln w="28575">
+              <a:tailEnd type="triangle"/>
+            </a:ln>
+          </p:spPr>
+          <p:style>
+            <a:lnRef idx="1">
+              <a:schemeClr val="accent1"/>
+            </a:lnRef>
+            <a:fillRef idx="0">
+              <a:schemeClr val="accent1"/>
+            </a:fillRef>
+            <a:effectRef idx="0">
+              <a:schemeClr val="accent1"/>
+            </a:effectRef>
+            <a:fontRef idx="minor">
+              <a:schemeClr val="tx1"/>
+            </a:fontRef>
+          </p:style>
+        </p:cxnSp>
+      </p:grpSp>
+      <p:grpSp>
+        <p:nvGrpSpPr>
+          <p:cNvPr id="38" name="Group 37">
+            <a:extLst>
+              <a:ext uri="{FF2B5EF4-FFF2-40B4-BE49-F238E27FC236}">
+                <a16:creationId xmlns:a16="http://schemas.microsoft.com/office/drawing/2014/main" id="{3D02B9D7-0E36-497A-BD3B-05D51993DCA4}"/>
+              </a:ext>
+            </a:extLst>
+          </p:cNvPr>
+          <p:cNvGrpSpPr/>
+          <p:nvPr/>
+        </p:nvGrpSpPr>
+        <p:grpSpPr>
+          <a:xfrm>
+            <a:off x="2232116" y="4728753"/>
+            <a:ext cx="3216729" cy="1756294"/>
+            <a:chOff x="-12694578" y="5799507"/>
+            <a:chExt cx="3020263" cy="1339209"/>
+          </a:xfrm>
+        </p:grpSpPr>
+        <p:sp>
+          <p:nvSpPr>
+            <p:cNvPr id="39" name="TextBox 38">
+              <a:extLst>
+                <a:ext uri="{FF2B5EF4-FFF2-40B4-BE49-F238E27FC236}">
+                  <a16:creationId xmlns:a16="http://schemas.microsoft.com/office/drawing/2014/main" id="{0934331D-B4B3-432C-AF31-7DCD3258EA8B}"/>
+                </a:ext>
+              </a:extLst>
+            </p:cNvPr>
+            <p:cNvSpPr txBox="1"/>
+            <p:nvPr/>
+          </p:nvSpPr>
+          <p:spPr>
+            <a:xfrm>
+              <a:off x="-12694578" y="6223442"/>
+              <a:ext cx="3020263" cy="915274"/>
+            </a:xfrm>
+            <a:prstGeom prst="rect">
+              <a:avLst/>
+            </a:prstGeom>
+            <a:solidFill>
+              <a:schemeClr val="bg1"/>
+            </a:solidFill>
+            <a:ln w="28575">
+              <a:solidFill>
+                <a:schemeClr val="accent1"/>
+              </a:solidFill>
+            </a:ln>
+          </p:spPr>
+          <p:txBody>
+            <a:bodyPr wrap="square" rtlCol="0">
+              <a:spAutoFit/>
+            </a:bodyPr>
+            <a:lstStyle/>
+            <a:p>
+              <a:r>
+                <a:rPr lang="en-GB" sz="1200" dirty="0">
+                  <a:solidFill>
+                    <a:srgbClr val="FF0000"/>
+                  </a:solidFill>
+                </a:rPr>
+                <a:t>2. A complementary Disable function is used. If this returns null (or an empty string) then the action is enabled. If not it is disabled, and greyed-out on the UI. The returned explanatory message will be rendered as a tooltip – shown if the user hovers on a disabled action.</a:t>
+              </a:r>
+            </a:p>
+          </p:txBody>
+        </p:sp>
+        <p:cxnSp>
+          <p:nvCxnSpPr>
+            <p:cNvPr id="41" name="Straight Arrow Connector 40">
+              <a:extLst>
+                <a:ext uri="{FF2B5EF4-FFF2-40B4-BE49-F238E27FC236}">
+                  <a16:creationId xmlns:a16="http://schemas.microsoft.com/office/drawing/2014/main" id="{7F90EB8E-32AD-4BC6-8E9E-F708241C6DCB}"/>
+                </a:ext>
+              </a:extLst>
+            </p:cNvPr>
+            <p:cNvCxnSpPr>
+              <a:cxnSpLocks/>
+              <a:stCxn id="39" idx="0"/>
+            </p:cNvCxnSpPr>
+            <p:nvPr/>
+          </p:nvCxnSpPr>
+          <p:spPr>
+            <a:xfrm flipV="1">
+              <a:off x="-11184446" y="5799507"/>
+              <a:ext cx="0" cy="423935"/>
+            </a:xfrm>
+            <a:prstGeom prst="straightConnector1">
+              <a:avLst/>
+            </a:prstGeom>
+            <a:ln w="28575">
+              <a:tailEnd type="triangle"/>
+            </a:ln>
+          </p:spPr>
+          <p:style>
+            <a:lnRef idx="1">
+              <a:schemeClr val="accent1"/>
+            </a:lnRef>
+            <a:fillRef idx="0">
+              <a:schemeClr val="accent1"/>
+            </a:fillRef>
+            <a:effectRef idx="0">
+              <a:schemeClr val="accent1"/>
+            </a:effectRef>
+            <a:fontRef idx="minor">
+              <a:schemeClr val="tx1"/>
+            </a:fontRef>
+          </p:style>
+        </p:cxnSp>
+      </p:grpSp>
+      <p:pic>
+        <p:nvPicPr>
+          <p:cNvPr id="4" name="Picture 3">
+            <a:extLst>
+              <a:ext uri="{FF2B5EF4-FFF2-40B4-BE49-F238E27FC236}">
+                <a16:creationId xmlns:a16="http://schemas.microsoft.com/office/drawing/2014/main" id="{F408C516-D97F-4FE6-9133-A6FF54CDBE99}"/>
+              </a:ext>
+            </a:extLst>
+          </p:cNvPr>
+          <p:cNvPicPr>
+            <a:picLocks noChangeAspect="1"/>
+          </p:cNvPicPr>
+          <p:nvPr/>
+        </p:nvPicPr>
+        <p:blipFill rotWithShape="1">
+          <a:blip r:embed="rId2"/>
+          <a:srcRect r="23826"/>
+          <a:stretch/>
+        </p:blipFill>
+        <p:spPr>
+          <a:xfrm>
+            <a:off x="8224024" y="140005"/>
+            <a:ext cx="3649572" cy="2181225"/>
+          </a:xfrm>
+          <a:prstGeom prst="rect">
+            <a:avLst/>
+          </a:prstGeom>
+        </p:spPr>
+      </p:pic>
+    </p:spTree>
+    <p:extLst>
+      <p:ext uri="{BB962C8B-B14F-4D97-AF65-F5344CB8AC3E}">
+        <p14:creationId xmlns:p14="http://schemas.microsoft.com/office/powerpoint/2010/main" val="283569176"/>
+      </p:ext>
+    </p:extLst>
+  </p:cSld>
+  <p:clrMapOvr>
+    <a:masterClrMapping/>
+  </p:clrMapOvr>
+</p:sld>
+</file>
+
+<file path=ppt/slides/slide22.xml><?xml version="1.0" encoding="utf-8"?>
+<p:sld xmlns:a="http://schemas.openxmlformats.org/drawingml/2006/main" xmlns:r="http://schemas.openxmlformats.org/officeDocument/2006/relationships" xmlns:p="http://schemas.openxmlformats.org/presentationml/2006/main">
+  <p:cSld>
+    <p:spTree>
+      <p:nvGrpSpPr>
+        <p:cNvPr id="1" name=""/>
+        <p:cNvGrpSpPr/>
+        <p:nvPr/>
+      </p:nvGrpSpPr>
+      <p:grpSpPr>
+        <a:xfrm>
+          <a:off x="0" y="0"/>
+          <a:ext cx="0" cy="0"/>
+          <a:chOff x="0" y="0"/>
+          <a:chExt cx="0" cy="0"/>
+        </a:xfrm>
+      </p:grpSpPr>
+      <p:sp>
+        <p:nvSpPr>
+          <p:cNvPr id="13" name="Content Placeholder 2">
+            <a:extLst>
+              <a:ext uri="{FF2B5EF4-FFF2-40B4-BE49-F238E27FC236}">
+                <a16:creationId xmlns:a16="http://schemas.microsoft.com/office/drawing/2014/main" id="{5A666F0B-6C43-495C-93D2-CE4644176EF6}"/>
+              </a:ext>
+            </a:extLst>
+          </p:cNvPr>
+          <p:cNvSpPr txBox="1">
+            <a:spLocks/>
+          </p:cNvSpPr>
+          <p:nvPr/>
+        </p:nvSpPr>
+        <p:spPr>
+          <a:xfrm>
+            <a:off x="990599" y="2020389"/>
+            <a:ext cx="11005457" cy="4733107"/>
+          </a:xfrm>
+          <a:prstGeom prst="rect">
+            <a:avLst/>
+          </a:prstGeom>
+        </p:spPr>
+        <p:txBody>
+          <a:bodyPr vert="horz" lIns="91440" tIns="45720" rIns="91440" bIns="45720" rtlCol="0">
+            <a:normAutofit/>
+          </a:bodyPr>
+          <a:lstStyle>
+            <a:lvl1pPr marL="228600" indent="-228600" algn="l" defTabSz="914400" rtl="0" eaLnBrk="1" latinLnBrk="0" hangingPunct="1">
+              <a:lnSpc>
+                <a:spcPct val="90000"/>
+              </a:lnSpc>
+              <a:spcBef>
+                <a:spcPts val="1000"/>
+              </a:spcBef>
+              <a:buFont typeface="Arial" panose="020B0604020202020204" pitchFamily="34" charset="0"/>
+              <a:buChar char="•"/>
+              <a:defRPr sz="2800" kern="1200">
+                <a:solidFill>
+                  <a:schemeClr val="tx1"/>
+                </a:solidFill>
+                <a:latin typeface="+mn-lt"/>
+                <a:ea typeface="+mn-ea"/>
+                <a:cs typeface="+mn-cs"/>
+              </a:defRPr>
+            </a:lvl1pPr>
+            <a:lvl2pPr marL="685800" indent="-228600" algn="l" defTabSz="914400" rtl="0" eaLnBrk="1" latinLnBrk="0" hangingPunct="1">
+              <a:lnSpc>
+                <a:spcPct val="90000"/>
+              </a:lnSpc>
+              <a:spcBef>
+                <a:spcPts val="500"/>
+              </a:spcBef>
+              <a:buFont typeface="Arial" panose="020B0604020202020204" pitchFamily="34" charset="0"/>
+              <a:buChar char="•"/>
+              <a:defRPr sz="2400" kern="1200">
+                <a:solidFill>
+                  <a:schemeClr val="tx1"/>
+                </a:solidFill>
+                <a:latin typeface="+mn-lt"/>
+                <a:ea typeface="+mn-ea"/>
+                <a:cs typeface="+mn-cs"/>
+              </a:defRPr>
+            </a:lvl2pPr>
+            <a:lvl3pPr marL="1143000" indent="-228600" algn="l" defTabSz="914400" rtl="0" eaLnBrk="1" latinLnBrk="0" hangingPunct="1">
+              <a:lnSpc>
+                <a:spcPct val="90000"/>
+              </a:lnSpc>
+              <a:spcBef>
+                <a:spcPts val="500"/>
+              </a:spcBef>
+              <a:buFont typeface="Arial" panose="020B0604020202020204" pitchFamily="34" charset="0"/>
+              <a:buChar char="•"/>
+              <a:defRPr sz="2000" kern="1200">
+                <a:solidFill>
+                  <a:schemeClr val="tx1"/>
+                </a:solidFill>
+                <a:latin typeface="+mn-lt"/>
+                <a:ea typeface="+mn-ea"/>
+                <a:cs typeface="+mn-cs"/>
+              </a:defRPr>
+            </a:lvl3pPr>
+            <a:lvl4pPr marL="1600200" indent="-228600" algn="l" defTabSz="914400" rtl="0" eaLnBrk="1" latinLnBrk="0" hangingPunct="1">
+              <a:lnSpc>
+                <a:spcPct val="90000"/>
+              </a:lnSpc>
+              <a:spcBef>
+                <a:spcPts val="500"/>
+              </a:spcBef>
+              <a:buFont typeface="Arial" panose="020B0604020202020204" pitchFamily="34" charset="0"/>
+              <a:buChar char="•"/>
+              <a:defRPr sz="1800" kern="1200">
+                <a:solidFill>
+                  <a:schemeClr val="tx1"/>
+                </a:solidFill>
+                <a:latin typeface="+mn-lt"/>
+                <a:ea typeface="+mn-ea"/>
+                <a:cs typeface="+mn-cs"/>
+              </a:defRPr>
+            </a:lvl4pPr>
+            <a:lvl5pPr marL="2057400" indent="-228600" algn="l" defTabSz="914400" rtl="0" eaLnBrk="1" latinLnBrk="0" hangingPunct="1">
+              <a:lnSpc>
+                <a:spcPct val="90000"/>
+              </a:lnSpc>
+              <a:spcBef>
+                <a:spcPts val="500"/>
+              </a:spcBef>
+              <a:buFont typeface="Arial" panose="020B0604020202020204" pitchFamily="34" charset="0"/>
+              <a:buChar char="•"/>
+              <a:defRPr sz="1800" kern="1200">
+                <a:solidFill>
+                  <a:schemeClr val="tx1"/>
+                </a:solidFill>
+                <a:latin typeface="+mn-lt"/>
+                <a:ea typeface="+mn-ea"/>
+                <a:cs typeface="+mn-cs"/>
+              </a:defRPr>
+            </a:lvl5pPr>
+            <a:lvl6pPr marL="2514600" indent="-228600" algn="l" defTabSz="914400" rtl="0" eaLnBrk="1" latinLnBrk="0" hangingPunct="1">
+              <a:lnSpc>
+                <a:spcPct val="90000"/>
+              </a:lnSpc>
+              <a:spcBef>
+                <a:spcPts val="500"/>
+              </a:spcBef>
+              <a:buFont typeface="Arial" panose="020B0604020202020204" pitchFamily="34" charset="0"/>
+              <a:buChar char="•"/>
+              <a:defRPr sz="1800" kern="1200">
+                <a:solidFill>
+                  <a:schemeClr val="tx1"/>
+                </a:solidFill>
+                <a:latin typeface="+mn-lt"/>
+                <a:ea typeface="+mn-ea"/>
+                <a:cs typeface="+mn-cs"/>
+              </a:defRPr>
+            </a:lvl6pPr>
+            <a:lvl7pPr marL="2971800" indent="-228600" algn="l" defTabSz="914400" rtl="0" eaLnBrk="1" latinLnBrk="0" hangingPunct="1">
+              <a:lnSpc>
+                <a:spcPct val="90000"/>
+              </a:lnSpc>
+              <a:spcBef>
+                <a:spcPts val="500"/>
+              </a:spcBef>
+              <a:buFont typeface="Arial" panose="020B0604020202020204" pitchFamily="34" charset="0"/>
+              <a:buChar char="•"/>
+              <a:defRPr sz="1800" kern="1200">
+                <a:solidFill>
+                  <a:schemeClr val="tx1"/>
+                </a:solidFill>
+                <a:latin typeface="+mn-lt"/>
+                <a:ea typeface="+mn-ea"/>
+                <a:cs typeface="+mn-cs"/>
+              </a:defRPr>
+            </a:lvl7pPr>
+            <a:lvl8pPr marL="3429000" indent="-228600" algn="l" defTabSz="914400" rtl="0" eaLnBrk="1" latinLnBrk="0" hangingPunct="1">
+              <a:lnSpc>
+                <a:spcPct val="90000"/>
+              </a:lnSpc>
+              <a:spcBef>
+                <a:spcPts val="500"/>
+              </a:spcBef>
+              <a:buFont typeface="Arial" panose="020B0604020202020204" pitchFamily="34" charset="0"/>
+              <a:buChar char="•"/>
+              <a:defRPr sz="1800" kern="1200">
+                <a:solidFill>
+                  <a:schemeClr val="tx1"/>
+                </a:solidFill>
+                <a:latin typeface="+mn-lt"/>
+                <a:ea typeface="+mn-ea"/>
+                <a:cs typeface="+mn-cs"/>
+              </a:defRPr>
+            </a:lvl8pPr>
+            <a:lvl9pPr marL="3886200" indent="-228600" algn="l" defTabSz="914400" rtl="0" eaLnBrk="1" latinLnBrk="0" hangingPunct="1">
+              <a:lnSpc>
+                <a:spcPct val="90000"/>
+              </a:lnSpc>
+              <a:spcBef>
+                <a:spcPts val="500"/>
+              </a:spcBef>
+              <a:buFont typeface="Arial" panose="020B0604020202020204" pitchFamily="34" charset="0"/>
+              <a:buChar char="•"/>
+              <a:defRPr sz="1800" kern="1200">
+                <a:solidFill>
+                  <a:schemeClr val="tx1"/>
+                </a:solidFill>
+                <a:latin typeface="+mn-lt"/>
+                <a:ea typeface="+mn-ea"/>
+                <a:cs typeface="+mn-cs"/>
+              </a:defRPr>
+            </a:lvl9pPr>
+          </a:lstStyle>
+          <a:p>
+            <a:pPr marL="0" indent="0">
+              <a:buNone/>
+            </a:pPr>
+            <a:endParaRPr lang="en-GB" sz="1400" dirty="0">
+              <a:solidFill>
+                <a:srgbClr val="0000FF"/>
+              </a:solidFill>
+              <a:latin typeface="Consolas" panose="020B0609020204030204" pitchFamily="49" charset="0"/>
+            </a:endParaRPr>
+          </a:p>
+          <a:p>
+            <a:pPr marL="0" indent="0">
+              <a:buNone/>
+            </a:pPr>
+            <a:endParaRPr lang="en-GB" sz="1400" dirty="0">
+              <a:solidFill>
+                <a:srgbClr val="0000FF"/>
+              </a:solidFill>
+              <a:latin typeface="Consolas" panose="020B0609020204030204" pitchFamily="49" charset="0"/>
+            </a:endParaRPr>
+          </a:p>
+          <a:p>
+            <a:pPr marL="0" indent="0">
+              <a:buNone/>
+            </a:pPr>
+            <a:r>
+              <a:rPr lang="en-US" sz="1400" dirty="0">
+                <a:solidFill>
+                  <a:srgbClr val="0000FF"/>
+                </a:solidFill>
+                <a:latin typeface="Consolas" panose="020B0609020204030204" pitchFamily="49" charset="0"/>
+              </a:rPr>
+              <a:t>public</a:t>
+            </a:r>
+            <a:r>
+              <a:rPr lang="en-US" sz="1400" dirty="0">
+                <a:solidFill>
+                  <a:srgbClr val="000000"/>
+                </a:solidFill>
+                <a:latin typeface="Consolas" panose="020B0609020204030204" pitchFamily="49" charset="0"/>
+              </a:rPr>
+              <a:t> </a:t>
+            </a:r>
+            <a:r>
+              <a:rPr lang="en-US" sz="1400" dirty="0">
+                <a:solidFill>
+                  <a:srgbClr val="0000FF"/>
+                </a:solidFill>
+                <a:latin typeface="Consolas" panose="020B0609020204030204" pitchFamily="49" charset="0"/>
+              </a:rPr>
+              <a:t>static</a:t>
+            </a:r>
+            <a:r>
+              <a:rPr lang="en-US" sz="1400" dirty="0">
+                <a:solidFill>
+                  <a:srgbClr val="000000"/>
+                </a:solidFill>
+                <a:latin typeface="Consolas" panose="020B0609020204030204" pitchFamily="49" charset="0"/>
+              </a:rPr>
+              <a:t> </a:t>
+            </a:r>
+            <a:r>
+              <a:rPr lang="en-US" sz="1400" dirty="0" err="1">
+                <a:solidFill>
+                  <a:srgbClr val="000000"/>
+                </a:solidFill>
+                <a:latin typeface="Consolas" panose="020B0609020204030204" pitchFamily="49" charset="0"/>
+              </a:rPr>
+              <a:t>IContext</a:t>
+            </a:r>
+            <a:r>
+              <a:rPr lang="en-US" sz="1400" dirty="0">
+                <a:solidFill>
+                  <a:srgbClr val="000000"/>
+                </a:solidFill>
+                <a:latin typeface="Consolas" panose="020B0609020204030204" pitchFamily="49" charset="0"/>
+              </a:rPr>
+              <a:t> Approve(</a:t>
+            </a:r>
+            <a:r>
+              <a:rPr lang="en-US" sz="1400" dirty="0">
+                <a:solidFill>
+                  <a:srgbClr val="0000FF"/>
+                </a:solidFill>
+                <a:latin typeface="Consolas" panose="020B0609020204030204" pitchFamily="49" charset="0"/>
+              </a:rPr>
+              <a:t>this</a:t>
+            </a:r>
+            <a:r>
+              <a:rPr lang="en-US" sz="1400" dirty="0">
+                <a:solidFill>
+                  <a:srgbClr val="000000"/>
+                </a:solidFill>
+                <a:latin typeface="Consolas" panose="020B0609020204030204" pitchFamily="49" charset="0"/>
+              </a:rPr>
+              <a:t> </a:t>
+            </a:r>
+            <a:r>
+              <a:rPr lang="en-US" sz="1400" dirty="0" err="1">
+                <a:solidFill>
+                  <a:srgbClr val="000000"/>
+                </a:solidFill>
+                <a:latin typeface="Consolas" panose="020B0609020204030204" pitchFamily="49" charset="0"/>
+              </a:rPr>
+              <a:t>PurchaseOrderHeader</a:t>
+            </a:r>
+            <a:r>
+              <a:rPr lang="en-US" sz="1400" dirty="0">
+                <a:solidFill>
+                  <a:srgbClr val="000000"/>
+                </a:solidFill>
+                <a:latin typeface="Consolas" panose="020B0609020204030204" pitchFamily="49" charset="0"/>
+              </a:rPr>
+              <a:t> po, </a:t>
+            </a:r>
+            <a:r>
+              <a:rPr lang="en-US" sz="1400" dirty="0" err="1">
+                <a:solidFill>
+                  <a:srgbClr val="000000"/>
+                </a:solidFill>
+                <a:latin typeface="Consolas" panose="020B0609020204030204" pitchFamily="49" charset="0"/>
+              </a:rPr>
+              <a:t>IContext</a:t>
+            </a:r>
+            <a:r>
+              <a:rPr lang="en-US" sz="1400" dirty="0">
+                <a:solidFill>
+                  <a:srgbClr val="000000"/>
+                </a:solidFill>
+                <a:latin typeface="Consolas" panose="020B0609020204030204" pitchFamily="49" charset="0"/>
+              </a:rPr>
+              <a:t> context) =&gt;</a:t>
+            </a:r>
+            <a:br>
+              <a:rPr lang="en-US" sz="1400" dirty="0">
+                <a:solidFill>
+                  <a:srgbClr val="000000"/>
+                </a:solidFill>
+                <a:latin typeface="Consolas" panose="020B0609020204030204" pitchFamily="49" charset="0"/>
+              </a:rPr>
+            </a:br>
+            <a:r>
+              <a:rPr lang="en-US" sz="1400" dirty="0">
+                <a:solidFill>
+                  <a:srgbClr val="000000"/>
+                </a:solidFill>
+                <a:latin typeface="Consolas" panose="020B0609020204030204" pitchFamily="49" charset="0"/>
+              </a:rPr>
+              <a:t>    </a:t>
+            </a:r>
+            <a:r>
+              <a:rPr lang="pl-PL" sz="1400" dirty="0">
+                <a:solidFill>
+                  <a:srgbClr val="000000"/>
+                </a:solidFill>
+                <a:latin typeface="Consolas" panose="020B0609020204030204" pitchFamily="49" charset="0"/>
+              </a:rPr>
+              <a:t>UpdatePOH(po, po </a:t>
+            </a:r>
+            <a:r>
+              <a:rPr lang="pl-PL" sz="1400" dirty="0">
+                <a:solidFill>
+                  <a:srgbClr val="0000FF"/>
+                </a:solidFill>
+                <a:latin typeface="Consolas" panose="020B0609020204030204" pitchFamily="49" charset="0"/>
+              </a:rPr>
+              <a:t>with</a:t>
+            </a:r>
+            <a:r>
+              <a:rPr lang="pl-PL" sz="1400" dirty="0">
+                <a:solidFill>
+                  <a:srgbClr val="000000"/>
+                </a:solidFill>
+                <a:latin typeface="Consolas" panose="020B0609020204030204" pitchFamily="49" charset="0"/>
+              </a:rPr>
+              <a:t> { Status = 2 }, context);</a:t>
+            </a:r>
+          </a:p>
+          <a:p>
+            <a:pPr marL="0" indent="0">
+              <a:buNone/>
+            </a:pPr>
+            <a:r>
+              <a:rPr lang="en-US" sz="1400" dirty="0">
+                <a:solidFill>
+                  <a:srgbClr val="0000FF"/>
+                </a:solidFill>
+                <a:latin typeface="Consolas" panose="020B0609020204030204" pitchFamily="49" charset="0"/>
+              </a:rPr>
+              <a:t>public</a:t>
+            </a:r>
+            <a:r>
+              <a:rPr lang="en-US" sz="1400" dirty="0">
+                <a:solidFill>
+                  <a:srgbClr val="000000"/>
+                </a:solidFill>
+                <a:latin typeface="Consolas" panose="020B0609020204030204" pitchFamily="49" charset="0"/>
+              </a:rPr>
+              <a:t> </a:t>
+            </a:r>
+            <a:r>
+              <a:rPr lang="en-US" sz="1400" dirty="0">
+                <a:solidFill>
+                  <a:srgbClr val="0000FF"/>
+                </a:solidFill>
+                <a:latin typeface="Consolas" panose="020B0609020204030204" pitchFamily="49" charset="0"/>
+              </a:rPr>
+              <a:t>static</a:t>
+            </a:r>
+            <a:r>
+              <a:rPr lang="en-US" sz="1400" dirty="0">
+                <a:solidFill>
+                  <a:srgbClr val="000000"/>
+                </a:solidFill>
+                <a:latin typeface="Consolas" panose="020B0609020204030204" pitchFamily="49" charset="0"/>
+              </a:rPr>
+              <a:t> </a:t>
+            </a:r>
+            <a:r>
+              <a:rPr lang="en-US" sz="1400" dirty="0">
+                <a:solidFill>
+                  <a:srgbClr val="0000FF"/>
+                </a:solidFill>
+                <a:latin typeface="Consolas" panose="020B0609020204030204" pitchFamily="49" charset="0"/>
+              </a:rPr>
+              <a:t>bool</a:t>
+            </a:r>
+            <a:r>
+              <a:rPr lang="en-US" sz="1400" dirty="0">
+                <a:solidFill>
+                  <a:srgbClr val="000000"/>
+                </a:solidFill>
+                <a:latin typeface="Consolas" panose="020B0609020204030204" pitchFamily="49" charset="0"/>
+              </a:rPr>
+              <a:t> </a:t>
+            </a:r>
+            <a:r>
+              <a:rPr lang="en-US" sz="1400" dirty="0" err="1">
+                <a:solidFill>
+                  <a:srgbClr val="000000"/>
+                </a:solidFill>
+                <a:latin typeface="Consolas" panose="020B0609020204030204" pitchFamily="49" charset="0"/>
+              </a:rPr>
+              <a:t>HideApprove</a:t>
+            </a:r>
+            <a:r>
+              <a:rPr lang="en-US" sz="1400" dirty="0">
+                <a:solidFill>
+                  <a:srgbClr val="000000"/>
+                </a:solidFill>
+                <a:latin typeface="Consolas" panose="020B0609020204030204" pitchFamily="49" charset="0"/>
+              </a:rPr>
+              <a:t>(</a:t>
+            </a:r>
+            <a:r>
+              <a:rPr lang="en-US" sz="1400" dirty="0">
+                <a:solidFill>
+                  <a:srgbClr val="0000FF"/>
+                </a:solidFill>
+                <a:latin typeface="Consolas" panose="020B0609020204030204" pitchFamily="49" charset="0"/>
+              </a:rPr>
+              <a:t>this</a:t>
+            </a:r>
+            <a:r>
+              <a:rPr lang="en-US" sz="1400" dirty="0">
+                <a:solidFill>
+                  <a:srgbClr val="000000"/>
+                </a:solidFill>
+                <a:latin typeface="Consolas" panose="020B0609020204030204" pitchFamily="49" charset="0"/>
+              </a:rPr>
+              <a:t> </a:t>
+            </a:r>
+            <a:r>
+              <a:rPr lang="en-US" sz="1400" dirty="0" err="1">
+                <a:solidFill>
+                  <a:srgbClr val="000000"/>
+                </a:solidFill>
+                <a:latin typeface="Consolas" panose="020B0609020204030204" pitchFamily="49" charset="0"/>
+              </a:rPr>
+              <a:t>PurchaseOrderHeader</a:t>
+            </a:r>
+            <a:r>
+              <a:rPr lang="en-US" sz="1400" dirty="0">
+                <a:solidFill>
+                  <a:srgbClr val="000000"/>
+                </a:solidFill>
+                <a:latin typeface="Consolas" panose="020B0609020204030204" pitchFamily="49" charset="0"/>
+              </a:rPr>
+              <a:t> po) =&gt; !</a:t>
+            </a:r>
+            <a:r>
+              <a:rPr lang="en-US" sz="1400" dirty="0" err="1">
+                <a:solidFill>
+                  <a:srgbClr val="000000"/>
+                </a:solidFill>
+                <a:latin typeface="Consolas" panose="020B0609020204030204" pitchFamily="49" charset="0"/>
+              </a:rPr>
+              <a:t>po.IsPending</a:t>
+            </a:r>
+            <a:r>
+              <a:rPr lang="en-US" sz="1400" dirty="0">
+                <a:solidFill>
+                  <a:srgbClr val="000000"/>
+                </a:solidFill>
+                <a:latin typeface="Consolas" panose="020B0609020204030204" pitchFamily="49" charset="0"/>
+              </a:rPr>
+              <a:t>();</a:t>
+            </a:r>
+          </a:p>
+          <a:p>
+            <a:pPr marL="0" indent="0">
+              <a:buNone/>
+            </a:pPr>
+            <a:endParaRPr lang="en-US" sz="1400" dirty="0">
+              <a:solidFill>
+                <a:srgbClr val="000000"/>
+              </a:solidFill>
+              <a:latin typeface="Consolas" panose="020B0609020204030204" pitchFamily="49" charset="0"/>
+            </a:endParaRPr>
+          </a:p>
+          <a:p>
+            <a:pPr marL="0" indent="0">
+              <a:buNone/>
+            </a:pPr>
+            <a:endParaRPr lang="en-US" sz="1400" dirty="0">
+              <a:solidFill>
+                <a:srgbClr val="000000"/>
+              </a:solidFill>
+              <a:latin typeface="Consolas" panose="020B0609020204030204" pitchFamily="49" charset="0"/>
+            </a:endParaRPr>
+          </a:p>
+          <a:p>
+            <a:pPr marL="0" indent="0">
+              <a:buNone/>
+            </a:pPr>
+            <a:endParaRPr lang="en-US" sz="1400" dirty="0">
+              <a:solidFill>
+                <a:srgbClr val="000000"/>
+              </a:solidFill>
+              <a:latin typeface="Consolas" panose="020B0609020204030204" pitchFamily="49" charset="0"/>
+            </a:endParaRPr>
+          </a:p>
+          <a:p>
+            <a:pPr marL="0" indent="0">
+              <a:buNone/>
+            </a:pPr>
+            <a:endParaRPr lang="en-US" sz="1400" dirty="0">
+              <a:solidFill>
+                <a:srgbClr val="0000FF"/>
+              </a:solidFill>
+              <a:latin typeface="Consolas" panose="020B0609020204030204" pitchFamily="49" charset="0"/>
+            </a:endParaRPr>
+          </a:p>
+          <a:p>
+            <a:pPr marL="0" indent="0">
+              <a:buNone/>
+            </a:pPr>
+            <a:endParaRPr lang="en-US" sz="1400" dirty="0">
+              <a:solidFill>
+                <a:srgbClr val="0000FF"/>
+              </a:solidFill>
+              <a:latin typeface="Consolas" panose="020B0609020204030204" pitchFamily="49" charset="0"/>
+            </a:endParaRPr>
+          </a:p>
+          <a:p>
+            <a:pPr marL="0" indent="0">
+              <a:buNone/>
+            </a:pPr>
+            <a:endParaRPr lang="en-US" sz="1400" dirty="0">
+              <a:solidFill>
+                <a:srgbClr val="0000FF"/>
+              </a:solidFill>
+              <a:latin typeface="Consolas" panose="020B0609020204030204" pitchFamily="49" charset="0"/>
+            </a:endParaRPr>
+          </a:p>
+          <a:p>
+            <a:pPr marL="0" indent="0">
+              <a:buNone/>
+            </a:pPr>
+            <a:r>
+              <a:rPr lang="en-US" sz="1400" dirty="0">
+                <a:solidFill>
+                  <a:srgbClr val="0000FF"/>
+                </a:solidFill>
+                <a:latin typeface="Consolas" panose="020B0609020204030204" pitchFamily="49" charset="0"/>
+              </a:rPr>
+              <a:t>public</a:t>
+            </a:r>
+            <a:r>
+              <a:rPr lang="en-US" sz="1400" dirty="0">
+                <a:solidFill>
+                  <a:srgbClr val="000000"/>
+                </a:solidFill>
+                <a:latin typeface="Consolas" panose="020B0609020204030204" pitchFamily="49" charset="0"/>
+              </a:rPr>
+              <a:t> </a:t>
+            </a:r>
+            <a:r>
+              <a:rPr lang="en-US" sz="1400" dirty="0">
+                <a:solidFill>
+                  <a:srgbClr val="0000FF"/>
+                </a:solidFill>
+                <a:latin typeface="Consolas" panose="020B0609020204030204" pitchFamily="49" charset="0"/>
+              </a:rPr>
+              <a:t>static</a:t>
+            </a:r>
+            <a:r>
+              <a:rPr lang="en-US" sz="1400" dirty="0">
+                <a:solidFill>
+                  <a:srgbClr val="000000"/>
+                </a:solidFill>
+                <a:latin typeface="Consolas" panose="020B0609020204030204" pitchFamily="49" charset="0"/>
+              </a:rPr>
+              <a:t> </a:t>
+            </a:r>
+            <a:r>
+              <a:rPr lang="en-US" sz="1400" dirty="0">
+                <a:solidFill>
+                  <a:srgbClr val="0000FF"/>
+                </a:solidFill>
+                <a:latin typeface="Consolas" panose="020B0609020204030204" pitchFamily="49" charset="0"/>
+              </a:rPr>
+              <a:t>bool</a:t>
+            </a:r>
+            <a:r>
+              <a:rPr lang="en-US" sz="1400" dirty="0">
+                <a:solidFill>
+                  <a:srgbClr val="000000"/>
+                </a:solidFill>
+                <a:latin typeface="Consolas" panose="020B0609020204030204" pitchFamily="49" charset="0"/>
+              </a:rPr>
+              <a:t> </a:t>
+            </a:r>
+            <a:r>
+              <a:rPr lang="en-US" sz="1400" dirty="0" err="1">
+                <a:solidFill>
+                  <a:srgbClr val="000000"/>
+                </a:solidFill>
+                <a:latin typeface="Consolas" panose="020B0609020204030204" pitchFamily="49" charset="0"/>
+              </a:rPr>
+              <a:t>HideLoginID</a:t>
+            </a:r>
+            <a:r>
+              <a:rPr lang="en-US" sz="1400" dirty="0">
+                <a:solidFill>
+                  <a:srgbClr val="000000"/>
+                </a:solidFill>
+                <a:latin typeface="Consolas" panose="020B0609020204030204" pitchFamily="49" charset="0"/>
+              </a:rPr>
+              <a:t>(Employee e, </a:t>
+            </a:r>
+            <a:r>
+              <a:rPr lang="en-US" sz="1400" dirty="0" err="1">
+                <a:solidFill>
+                  <a:srgbClr val="000000"/>
+                </a:solidFill>
+                <a:latin typeface="Consolas" panose="020B0609020204030204" pitchFamily="49" charset="0"/>
+              </a:rPr>
+              <a:t>IContext</a:t>
+            </a:r>
+            <a:r>
+              <a:rPr lang="en-US" sz="1400" dirty="0">
+                <a:solidFill>
+                  <a:srgbClr val="000000"/>
+                </a:solidFill>
+                <a:latin typeface="Consolas" panose="020B0609020204030204" pitchFamily="49" charset="0"/>
+              </a:rPr>
+              <a:t> context)</a:t>
+            </a:r>
+            <a:br>
+              <a:rPr lang="en-US" sz="1400" dirty="0">
+                <a:solidFill>
+                  <a:srgbClr val="000000"/>
+                </a:solidFill>
+                <a:latin typeface="Consolas" panose="020B0609020204030204" pitchFamily="49" charset="0"/>
+              </a:rPr>
+            </a:br>
+            <a:r>
+              <a:rPr lang="en-GB" sz="1400" dirty="0">
+                <a:solidFill>
+                  <a:srgbClr val="000000"/>
+                </a:solidFill>
+                <a:latin typeface="Consolas" panose="020B0609020204030204" pitchFamily="49" charset="0"/>
+              </a:rPr>
+              <a:t>{</a:t>
+            </a:r>
+            <a:br>
+              <a:rPr lang="en-GB" sz="1400" dirty="0">
+                <a:solidFill>
+                  <a:srgbClr val="000000"/>
+                </a:solidFill>
+                <a:latin typeface="Consolas" panose="020B0609020204030204" pitchFamily="49" charset="0"/>
+              </a:rPr>
+            </a:br>
+            <a:r>
+              <a:rPr lang="en-US" sz="1400" dirty="0">
+                <a:solidFill>
+                  <a:srgbClr val="000000"/>
+                </a:solidFill>
+                <a:latin typeface="Consolas" panose="020B0609020204030204" pitchFamily="49" charset="0"/>
+              </a:rPr>
+              <a:t>    </a:t>
+            </a:r>
+            <a:r>
+              <a:rPr lang="en-US" sz="1400" dirty="0">
+                <a:solidFill>
+                  <a:srgbClr val="0000FF"/>
+                </a:solidFill>
+                <a:latin typeface="Consolas" panose="020B0609020204030204" pitchFamily="49" charset="0"/>
+              </a:rPr>
+              <a:t>var</a:t>
+            </a:r>
+            <a:r>
+              <a:rPr lang="en-US" sz="1400" dirty="0">
+                <a:solidFill>
+                  <a:srgbClr val="000000"/>
+                </a:solidFill>
+                <a:latin typeface="Consolas" panose="020B0609020204030204" pitchFamily="49" charset="0"/>
+              </a:rPr>
+              <a:t> </a:t>
+            </a:r>
+            <a:r>
+              <a:rPr lang="en-US" sz="1400" dirty="0" err="1">
+                <a:solidFill>
+                  <a:srgbClr val="000000"/>
+                </a:solidFill>
+                <a:latin typeface="Consolas" panose="020B0609020204030204" pitchFamily="49" charset="0"/>
+              </a:rPr>
+              <a:t>userAsEmployee</a:t>
+            </a:r>
+            <a:r>
+              <a:rPr lang="en-US" sz="1400" dirty="0">
+                <a:solidFill>
+                  <a:srgbClr val="000000"/>
+                </a:solidFill>
+                <a:latin typeface="Consolas" panose="020B0609020204030204" pitchFamily="49" charset="0"/>
+              </a:rPr>
+              <a:t> = </a:t>
+            </a:r>
+            <a:r>
+              <a:rPr lang="en-US" sz="1400" dirty="0" err="1">
+                <a:solidFill>
+                  <a:srgbClr val="000000"/>
+                </a:solidFill>
+                <a:latin typeface="Consolas" panose="020B0609020204030204" pitchFamily="49" charset="0"/>
+              </a:rPr>
+              <a:t>Employee_MenuFunctions.CurrentUserAsEmployee</a:t>
+            </a:r>
+            <a:r>
+              <a:rPr lang="en-US" sz="1400" dirty="0">
+                <a:solidFill>
+                  <a:srgbClr val="000000"/>
+                </a:solidFill>
+                <a:latin typeface="Consolas" panose="020B0609020204030204" pitchFamily="49" charset="0"/>
+              </a:rPr>
+              <a:t>(context);</a:t>
+            </a:r>
+            <a:br>
+              <a:rPr lang="en-US" sz="1400" dirty="0">
+                <a:solidFill>
+                  <a:srgbClr val="000000"/>
+                </a:solidFill>
+                <a:latin typeface="Consolas" panose="020B0609020204030204" pitchFamily="49" charset="0"/>
+              </a:rPr>
+            </a:br>
+            <a:r>
+              <a:rPr lang="en-GB" sz="1400" dirty="0">
+                <a:solidFill>
+                  <a:srgbClr val="000000"/>
+                </a:solidFill>
+                <a:latin typeface="Consolas" panose="020B0609020204030204" pitchFamily="49" charset="0"/>
+              </a:rPr>
+              <a:t>    </a:t>
+            </a:r>
+            <a:r>
+              <a:rPr lang="en-GB" sz="1400" dirty="0">
+                <a:solidFill>
+                  <a:srgbClr val="0000FF"/>
+                </a:solidFill>
+                <a:latin typeface="Consolas" panose="020B0609020204030204" pitchFamily="49" charset="0"/>
+              </a:rPr>
+              <a:t>return</a:t>
+            </a:r>
+            <a:r>
+              <a:rPr lang="en-GB" sz="1400" dirty="0">
+                <a:solidFill>
+                  <a:srgbClr val="000000"/>
+                </a:solidFill>
+                <a:latin typeface="Consolas" panose="020B0609020204030204" pitchFamily="49" charset="0"/>
+              </a:rPr>
+              <a:t> </a:t>
+            </a:r>
+            <a:r>
+              <a:rPr lang="en-GB" sz="1400" dirty="0" err="1">
+                <a:solidFill>
+                  <a:srgbClr val="000000"/>
+                </a:solidFill>
+                <a:latin typeface="Consolas" panose="020B0609020204030204" pitchFamily="49" charset="0"/>
+              </a:rPr>
+              <a:t>userAsEmployee</a:t>
+            </a:r>
+            <a:r>
+              <a:rPr lang="en-GB" sz="1400" dirty="0">
+                <a:solidFill>
+                  <a:srgbClr val="000000"/>
+                </a:solidFill>
+                <a:latin typeface="Consolas" panose="020B0609020204030204" pitchFamily="49" charset="0"/>
+              </a:rPr>
+              <a:t> != </a:t>
+            </a:r>
+            <a:r>
+              <a:rPr lang="en-GB" sz="1400" dirty="0">
+                <a:solidFill>
+                  <a:srgbClr val="0000FF"/>
+                </a:solidFill>
+                <a:latin typeface="Consolas" panose="020B0609020204030204" pitchFamily="49" charset="0"/>
+              </a:rPr>
+              <a:t>null</a:t>
+            </a:r>
+            <a:r>
+              <a:rPr lang="en-GB" sz="1400" dirty="0">
+                <a:solidFill>
+                  <a:srgbClr val="000000"/>
+                </a:solidFill>
+                <a:latin typeface="Consolas" panose="020B0609020204030204" pitchFamily="49" charset="0"/>
+              </a:rPr>
+              <a:t> ? </a:t>
+            </a:r>
+            <a:r>
+              <a:rPr lang="en-GB" sz="1400" dirty="0" err="1">
+                <a:solidFill>
+                  <a:srgbClr val="000000"/>
+                </a:solidFill>
+                <a:latin typeface="Consolas" panose="020B0609020204030204" pitchFamily="49" charset="0"/>
+              </a:rPr>
+              <a:t>userAsEmployee.LoginID</a:t>
+            </a:r>
+            <a:r>
+              <a:rPr lang="en-GB" sz="1400" dirty="0">
+                <a:solidFill>
+                  <a:srgbClr val="000000"/>
+                </a:solidFill>
+                <a:latin typeface="Consolas" panose="020B0609020204030204" pitchFamily="49" charset="0"/>
+              </a:rPr>
+              <a:t> != </a:t>
+            </a:r>
+            <a:r>
+              <a:rPr lang="en-GB" sz="1400" dirty="0" err="1">
+                <a:solidFill>
+                  <a:srgbClr val="000000"/>
+                </a:solidFill>
+                <a:latin typeface="Consolas" panose="020B0609020204030204" pitchFamily="49" charset="0"/>
+              </a:rPr>
+              <a:t>e.LoginID</a:t>
+            </a:r>
+            <a:r>
+              <a:rPr lang="en-GB" sz="1400" dirty="0">
+                <a:solidFill>
+                  <a:srgbClr val="000000"/>
+                </a:solidFill>
+                <a:latin typeface="Consolas" panose="020B0609020204030204" pitchFamily="49" charset="0"/>
+              </a:rPr>
+              <a:t> : </a:t>
+            </a:r>
+            <a:r>
+              <a:rPr lang="en-GB" sz="1400" dirty="0">
+                <a:solidFill>
+                  <a:srgbClr val="0000FF"/>
+                </a:solidFill>
+                <a:latin typeface="Consolas" panose="020B0609020204030204" pitchFamily="49" charset="0"/>
+              </a:rPr>
+              <a:t>true</a:t>
+            </a:r>
+            <a:r>
+              <a:rPr lang="en-GB" sz="1400" dirty="0">
+                <a:solidFill>
+                  <a:srgbClr val="000000"/>
+                </a:solidFill>
+                <a:latin typeface="Consolas" panose="020B0609020204030204" pitchFamily="49" charset="0"/>
+              </a:rPr>
+              <a:t>;</a:t>
+            </a:r>
+            <a:br>
+              <a:rPr lang="en-GB" sz="1400" dirty="0">
+                <a:solidFill>
+                  <a:srgbClr val="000000"/>
+                </a:solidFill>
+                <a:latin typeface="Consolas" panose="020B0609020204030204" pitchFamily="49" charset="0"/>
+              </a:rPr>
+            </a:br>
+            <a:r>
+              <a:rPr lang="en-GB" sz="1400" dirty="0">
+                <a:solidFill>
+                  <a:srgbClr val="000000"/>
+                </a:solidFill>
+                <a:latin typeface="Consolas" panose="020B0609020204030204" pitchFamily="49" charset="0"/>
+              </a:rPr>
+              <a:t>}</a:t>
+            </a:r>
+            <a:endParaRPr lang="en-US" sz="1400" dirty="0">
+              <a:solidFill>
+                <a:srgbClr val="0000FF"/>
+              </a:solidFill>
+              <a:latin typeface="Consolas" panose="020B0609020204030204" pitchFamily="49" charset="0"/>
+            </a:endParaRPr>
+          </a:p>
+        </p:txBody>
+      </p:sp>
+      <p:sp>
+        <p:nvSpPr>
+          <p:cNvPr id="2" name="Title 1">
+            <a:extLst>
+              <a:ext uri="{FF2B5EF4-FFF2-40B4-BE49-F238E27FC236}">
+                <a16:creationId xmlns:a16="http://schemas.microsoft.com/office/drawing/2014/main" id="{A235FF3B-563A-4C23-BE37-6E4502AA315D}"/>
+              </a:ext>
+            </a:extLst>
+          </p:cNvPr>
+          <p:cNvSpPr>
+            <a:spLocks noGrp="1"/>
+          </p:cNvSpPr>
+          <p:nvPr>
+            <p:ph type="title"/>
+          </p:nvPr>
+        </p:nvSpPr>
+        <p:spPr/>
+        <p:txBody>
+          <a:bodyPr>
+            <a:normAutofit/>
+          </a:bodyPr>
+          <a:lstStyle/>
+          <a:p>
+            <a:r>
+              <a:rPr lang="en-GB" sz="2800" dirty="0"/>
+              <a:t>Complementary functions:</a:t>
+            </a:r>
+            <a:br>
+              <a:rPr lang="en-GB" sz="2800" dirty="0"/>
+            </a:br>
+            <a:r>
+              <a:rPr lang="en-GB" sz="2800" dirty="0"/>
+              <a:t>Hiding an action based on the object state</a:t>
+            </a:r>
+          </a:p>
+        </p:txBody>
+      </p:sp>
+      <p:grpSp>
+        <p:nvGrpSpPr>
+          <p:cNvPr id="15" name="Group 14">
+            <a:extLst>
+              <a:ext uri="{FF2B5EF4-FFF2-40B4-BE49-F238E27FC236}">
+                <a16:creationId xmlns:a16="http://schemas.microsoft.com/office/drawing/2014/main" id="{52DF6A69-74F4-447E-BE17-7BE74BF6120B}"/>
+              </a:ext>
+            </a:extLst>
+          </p:cNvPr>
+          <p:cNvGrpSpPr/>
+          <p:nvPr/>
+        </p:nvGrpSpPr>
+        <p:grpSpPr>
+          <a:xfrm>
+            <a:off x="1869066" y="1745955"/>
+            <a:ext cx="3280423" cy="920770"/>
+            <a:chOff x="-8461110" y="5972076"/>
+            <a:chExt cx="3775309" cy="702103"/>
+          </a:xfrm>
+        </p:grpSpPr>
+        <p:sp>
+          <p:nvSpPr>
+            <p:cNvPr id="16" name="TextBox 15">
+              <a:extLst>
+                <a:ext uri="{FF2B5EF4-FFF2-40B4-BE49-F238E27FC236}">
+                  <a16:creationId xmlns:a16="http://schemas.microsoft.com/office/drawing/2014/main" id="{924A15DA-8942-4507-9595-2AEBF2EBD421}"/>
+                </a:ext>
+              </a:extLst>
+            </p:cNvPr>
+            <p:cNvSpPr txBox="1"/>
+            <p:nvPr/>
+          </p:nvSpPr>
+          <p:spPr>
+            <a:xfrm>
+              <a:off x="-8461110" y="5972076"/>
+              <a:ext cx="3775309" cy="492839"/>
+            </a:xfrm>
+            <a:prstGeom prst="rect">
+              <a:avLst/>
+            </a:prstGeom>
+            <a:solidFill>
+              <a:schemeClr val="bg1"/>
+            </a:solidFill>
+            <a:ln w="28575">
+              <a:solidFill>
+                <a:schemeClr val="accent1"/>
+              </a:solidFill>
+            </a:ln>
+          </p:spPr>
+          <p:txBody>
+            <a:bodyPr wrap="square" rtlCol="0">
+              <a:spAutoFit/>
+            </a:bodyPr>
+            <a:lstStyle/>
+            <a:p>
+              <a:r>
+                <a:rPr lang="en-GB" sz="1200" dirty="0">
+                  <a:solidFill>
+                    <a:srgbClr val="FF0000"/>
+                  </a:solidFill>
+                </a:rPr>
+                <a:t>1. The Approve action on a </a:t>
+              </a:r>
+              <a:r>
+                <a:rPr lang="en-GB" sz="1200" dirty="0" err="1">
+                  <a:solidFill>
+                    <a:srgbClr val="FF0000"/>
+                  </a:solidFill>
+                </a:rPr>
+                <a:t>PurchaseOrderHeader</a:t>
+              </a:r>
+              <a:r>
+                <a:rPr lang="en-GB" sz="1200" dirty="0">
+                  <a:solidFill>
+                    <a:srgbClr val="FF0000"/>
+                  </a:solidFill>
+                </a:rPr>
+                <a:t> should only be shown to the user while it is in a Pending state.</a:t>
+              </a:r>
+            </a:p>
+          </p:txBody>
+        </p:sp>
+        <p:cxnSp>
+          <p:nvCxnSpPr>
+            <p:cNvPr id="17" name="Straight Arrow Connector 16">
+              <a:extLst>
+                <a:ext uri="{FF2B5EF4-FFF2-40B4-BE49-F238E27FC236}">
+                  <a16:creationId xmlns:a16="http://schemas.microsoft.com/office/drawing/2014/main" id="{FC85E032-A3A0-46B9-A169-1A08B425DF2D}"/>
+                </a:ext>
+              </a:extLst>
+            </p:cNvPr>
+            <p:cNvCxnSpPr>
+              <a:cxnSpLocks/>
+              <a:stCxn id="16" idx="2"/>
+            </p:cNvCxnSpPr>
+            <p:nvPr/>
+          </p:nvCxnSpPr>
+          <p:spPr>
+            <a:xfrm>
+              <a:off x="-6573455" y="6464915"/>
+              <a:ext cx="0" cy="209264"/>
+            </a:xfrm>
+            <a:prstGeom prst="straightConnector1">
+              <a:avLst/>
+            </a:prstGeom>
+            <a:ln w="28575">
+              <a:tailEnd type="triangle"/>
+            </a:ln>
+          </p:spPr>
+          <p:style>
+            <a:lnRef idx="1">
+              <a:schemeClr val="accent1"/>
+            </a:lnRef>
+            <a:fillRef idx="0">
+              <a:schemeClr val="accent1"/>
+            </a:fillRef>
+            <a:effectRef idx="0">
+              <a:schemeClr val="accent1"/>
+            </a:effectRef>
+            <a:fontRef idx="minor">
+              <a:schemeClr val="tx1"/>
+            </a:fontRef>
+          </p:style>
+        </p:cxnSp>
+      </p:grpSp>
+      <p:grpSp>
+        <p:nvGrpSpPr>
+          <p:cNvPr id="38" name="Group 37">
+            <a:extLst>
+              <a:ext uri="{FF2B5EF4-FFF2-40B4-BE49-F238E27FC236}">
+                <a16:creationId xmlns:a16="http://schemas.microsoft.com/office/drawing/2014/main" id="{3D02B9D7-0E36-497A-BD3B-05D51993DCA4}"/>
+              </a:ext>
+            </a:extLst>
+          </p:cNvPr>
+          <p:cNvGrpSpPr/>
+          <p:nvPr/>
+        </p:nvGrpSpPr>
+        <p:grpSpPr>
+          <a:xfrm>
+            <a:off x="1869068" y="3513215"/>
+            <a:ext cx="3216729" cy="602168"/>
+            <a:chOff x="-12694578" y="6116306"/>
+            <a:chExt cx="3020263" cy="459165"/>
+          </a:xfrm>
+        </p:grpSpPr>
+        <p:sp>
+          <p:nvSpPr>
+            <p:cNvPr id="39" name="TextBox 38">
+              <a:extLst>
+                <a:ext uri="{FF2B5EF4-FFF2-40B4-BE49-F238E27FC236}">
+                  <a16:creationId xmlns:a16="http://schemas.microsoft.com/office/drawing/2014/main" id="{0934331D-B4B3-432C-AF31-7DCD3258EA8B}"/>
+                </a:ext>
+              </a:extLst>
+            </p:cNvPr>
+            <p:cNvSpPr txBox="1"/>
+            <p:nvPr/>
+          </p:nvSpPr>
+          <p:spPr>
+            <a:xfrm>
+              <a:off x="-12694578" y="6223442"/>
+              <a:ext cx="3020263" cy="352029"/>
+            </a:xfrm>
+            <a:prstGeom prst="rect">
+              <a:avLst/>
+            </a:prstGeom>
+            <a:solidFill>
+              <a:schemeClr val="bg1"/>
+            </a:solidFill>
+            <a:ln w="28575">
+              <a:solidFill>
+                <a:schemeClr val="accent1"/>
+              </a:solidFill>
+            </a:ln>
+          </p:spPr>
+          <p:txBody>
+            <a:bodyPr wrap="square" rtlCol="0">
+              <a:spAutoFit/>
+            </a:bodyPr>
+            <a:lstStyle/>
+            <a:p>
+              <a:r>
+                <a:rPr lang="en-GB" sz="1200" dirty="0">
+                  <a:solidFill>
+                    <a:srgbClr val="FF0000"/>
+                  </a:solidFill>
+                </a:rPr>
+                <a:t>2. A complementary Hide function is used, which simply returns true or false.</a:t>
+              </a:r>
+            </a:p>
+          </p:txBody>
+        </p:sp>
+        <p:cxnSp>
+          <p:nvCxnSpPr>
+            <p:cNvPr id="41" name="Straight Arrow Connector 40">
+              <a:extLst>
+                <a:ext uri="{FF2B5EF4-FFF2-40B4-BE49-F238E27FC236}">
+                  <a16:creationId xmlns:a16="http://schemas.microsoft.com/office/drawing/2014/main" id="{7F90EB8E-32AD-4BC6-8E9E-F708241C6DCB}"/>
+                </a:ext>
+              </a:extLst>
+            </p:cNvPr>
+            <p:cNvCxnSpPr>
+              <a:cxnSpLocks/>
+              <a:stCxn id="39" idx="0"/>
+            </p:cNvCxnSpPr>
+            <p:nvPr/>
+          </p:nvCxnSpPr>
+          <p:spPr>
+            <a:xfrm flipV="1">
+              <a:off x="-11184446" y="6116306"/>
+              <a:ext cx="0" cy="107135"/>
+            </a:xfrm>
+            <a:prstGeom prst="straightConnector1">
+              <a:avLst/>
+            </a:prstGeom>
+            <a:ln w="28575">
+              <a:tailEnd type="triangle"/>
+            </a:ln>
+          </p:spPr>
+          <p:style>
+            <a:lnRef idx="1">
+              <a:schemeClr val="accent1"/>
+            </a:lnRef>
+            <a:fillRef idx="0">
+              <a:schemeClr val="accent1"/>
+            </a:fillRef>
+            <a:effectRef idx="0">
+              <a:schemeClr val="accent1"/>
+            </a:effectRef>
+            <a:fontRef idx="minor">
+              <a:schemeClr val="tx1"/>
+            </a:fontRef>
+          </p:style>
+        </p:cxnSp>
+      </p:grpSp>
+      <p:pic>
+        <p:nvPicPr>
+          <p:cNvPr id="5" name="Picture 4">
+            <a:extLst>
+              <a:ext uri="{FF2B5EF4-FFF2-40B4-BE49-F238E27FC236}">
+                <a16:creationId xmlns:a16="http://schemas.microsoft.com/office/drawing/2014/main" id="{D74DBD12-928F-48C9-A8F4-70655030D5A6}"/>
+              </a:ext>
+            </a:extLst>
+          </p:cNvPr>
+          <p:cNvPicPr>
+            <a:picLocks noChangeAspect="1"/>
+          </p:cNvPicPr>
+          <p:nvPr/>
+        </p:nvPicPr>
+        <p:blipFill rotWithShape="1">
+          <a:blip r:embed="rId2"/>
+          <a:srcRect r="20053"/>
+          <a:stretch/>
+        </p:blipFill>
+        <p:spPr>
+          <a:xfrm>
+            <a:off x="7321387" y="104504"/>
+            <a:ext cx="4674669" cy="2315464"/>
+          </a:xfrm>
+          <a:prstGeom prst="rect">
+            <a:avLst/>
+          </a:prstGeom>
+        </p:spPr>
+      </p:pic>
+      <p:grpSp>
+        <p:nvGrpSpPr>
+          <p:cNvPr id="18" name="Group 17">
+            <a:extLst>
+              <a:ext uri="{FF2B5EF4-FFF2-40B4-BE49-F238E27FC236}">
+                <a16:creationId xmlns:a16="http://schemas.microsoft.com/office/drawing/2014/main" id="{B4B986FA-5645-4AE2-AE63-FE01CDA33EE2}"/>
+              </a:ext>
+            </a:extLst>
+          </p:cNvPr>
+          <p:cNvGrpSpPr/>
+          <p:nvPr/>
+        </p:nvGrpSpPr>
+        <p:grpSpPr>
+          <a:xfrm>
+            <a:off x="1869066" y="4320293"/>
+            <a:ext cx="3216729" cy="1127609"/>
+            <a:chOff x="-12694578" y="6223442"/>
+            <a:chExt cx="3020263" cy="859823"/>
+          </a:xfrm>
+        </p:grpSpPr>
+        <p:sp>
+          <p:nvSpPr>
+            <p:cNvPr id="19" name="TextBox 18">
+              <a:extLst>
+                <a:ext uri="{FF2B5EF4-FFF2-40B4-BE49-F238E27FC236}">
+                  <a16:creationId xmlns:a16="http://schemas.microsoft.com/office/drawing/2014/main" id="{D64A73AC-40D8-4D41-BBC8-870F82486115}"/>
+                </a:ext>
+              </a:extLst>
+            </p:cNvPr>
+            <p:cNvSpPr txBox="1"/>
+            <p:nvPr/>
+          </p:nvSpPr>
+          <p:spPr>
+            <a:xfrm>
+              <a:off x="-12694578" y="6223442"/>
+              <a:ext cx="3020263" cy="633651"/>
+            </a:xfrm>
+            <a:prstGeom prst="rect">
+              <a:avLst/>
+            </a:prstGeom>
+            <a:solidFill>
+              <a:schemeClr val="bg1"/>
+            </a:solidFill>
+            <a:ln w="28575">
+              <a:solidFill>
+                <a:schemeClr val="accent1"/>
+              </a:solidFill>
+            </a:ln>
+          </p:spPr>
+          <p:txBody>
+            <a:bodyPr wrap="square" rtlCol="0">
+              <a:spAutoFit/>
+            </a:bodyPr>
+            <a:lstStyle/>
+            <a:p>
+              <a:r>
+                <a:rPr lang="en-GB" sz="1200" dirty="0">
+                  <a:solidFill>
+                    <a:srgbClr val="FF0000"/>
+                  </a:solidFill>
+                </a:rPr>
+                <a:t>3. A Hide function may also be used to hide a property on a type. This one hides the property named </a:t>
+              </a:r>
+              <a:r>
+                <a:rPr lang="en-GB" sz="1200" dirty="0" err="1">
+                  <a:solidFill>
+                    <a:srgbClr val="FF0000"/>
+                  </a:solidFill>
+                </a:rPr>
+                <a:t>LoginID</a:t>
+              </a:r>
+              <a:r>
+                <a:rPr lang="en-GB" sz="1200" dirty="0">
+                  <a:solidFill>
+                    <a:srgbClr val="FF0000"/>
+                  </a:solidFill>
+                </a:rPr>
+                <a:t> in an Employee, unless the logged on user </a:t>
+              </a:r>
+              <a:r>
+                <a:rPr lang="en-GB" sz="1200" i="1" dirty="0">
+                  <a:solidFill>
+                    <a:srgbClr val="FF0000"/>
+                  </a:solidFill>
+                </a:rPr>
+                <a:t>is </a:t>
+              </a:r>
+              <a:r>
+                <a:rPr lang="en-GB" sz="1200" dirty="0">
+                  <a:solidFill>
+                    <a:srgbClr val="FF0000"/>
+                  </a:solidFill>
+                </a:rPr>
+                <a:t>that employee.</a:t>
+              </a:r>
+            </a:p>
+          </p:txBody>
+        </p:sp>
+        <p:cxnSp>
+          <p:nvCxnSpPr>
+            <p:cNvPr id="20" name="Straight Arrow Connector 19">
+              <a:extLst>
+                <a:ext uri="{FF2B5EF4-FFF2-40B4-BE49-F238E27FC236}">
+                  <a16:creationId xmlns:a16="http://schemas.microsoft.com/office/drawing/2014/main" id="{63B97B86-8B2A-40AB-9BE7-1C9F8AF988B9}"/>
+                </a:ext>
+              </a:extLst>
+            </p:cNvPr>
+            <p:cNvCxnSpPr>
+              <a:cxnSpLocks/>
+              <a:stCxn id="19" idx="2"/>
+            </p:cNvCxnSpPr>
+            <p:nvPr/>
+          </p:nvCxnSpPr>
+          <p:spPr>
+            <a:xfrm>
+              <a:off x="-11184446" y="6857093"/>
+              <a:ext cx="0" cy="226172"/>
+            </a:xfrm>
+            <a:prstGeom prst="straightConnector1">
+              <a:avLst/>
+            </a:prstGeom>
+            <a:ln w="28575">
+              <a:tailEnd type="triangle"/>
+            </a:ln>
+          </p:spPr>
+          <p:style>
+            <a:lnRef idx="1">
+              <a:schemeClr val="accent1"/>
+            </a:lnRef>
+            <a:fillRef idx="0">
+              <a:schemeClr val="accent1"/>
+            </a:fillRef>
+            <a:effectRef idx="0">
+              <a:schemeClr val="accent1"/>
+            </a:effectRef>
+            <a:fontRef idx="minor">
+              <a:schemeClr val="tx1"/>
+            </a:fontRef>
+          </p:style>
+        </p:cxnSp>
+      </p:grpSp>
+    </p:spTree>
+    <p:extLst>
+      <p:ext uri="{BB962C8B-B14F-4D97-AF65-F5344CB8AC3E}">
+        <p14:creationId xmlns:p14="http://schemas.microsoft.com/office/powerpoint/2010/main" val="272200933"/>
+      </p:ext>
+    </p:extLst>
+  </p:cSld>
+  <p:clrMapOvr>
+    <a:masterClrMapping/>
+  </p:clrMapOvr>
+</p:sld>
+</file>
+
+<file path=ppt/slides/slide23.xml><?xml version="1.0" encoding="utf-8"?>
 <p:sld xmlns:a="http://schemas.openxmlformats.org/drawingml/2006/main" xmlns:r="http://schemas.openxmlformats.org/officeDocument/2006/relationships" xmlns:p="http://schemas.openxmlformats.org/presentationml/2006/main">
   <p:cSld>
     <p:spTree>
@@ -9290,7 +17278,7 @@
 </p:sld>
 </file>
 
-<file path=ppt/slides/slide18.xml><?xml version="1.0" encoding="utf-8"?>
+<file path=ppt/slides/slide24.xml><?xml version="1.0" encoding="utf-8"?>
 <p:sld xmlns:a="http://schemas.openxmlformats.org/drawingml/2006/main" xmlns:r="http://schemas.openxmlformats.org/officeDocument/2006/relationships" xmlns:p="http://schemas.openxmlformats.org/presentationml/2006/main">
   <p:cSld>
     <p:spTree>
@@ -9516,7 +17504,7 @@
 </p:sld>
 </file>
 
-<file path=ppt/slides/slide19.xml><?xml version="1.0" encoding="utf-8"?>
+<file path=ppt/slides/slide25.xml><?xml version="1.0" encoding="utf-8"?>
 <p:sld xmlns:a="http://schemas.openxmlformats.org/drawingml/2006/main" xmlns:r="http://schemas.openxmlformats.org/officeDocument/2006/relationships" xmlns:p="http://schemas.openxmlformats.org/presentationml/2006/main">
   <p:cSld>
     <p:spTree>
@@ -9599,324 +17587,7 @@
 </p:sld>
 </file>
 
-<file path=ppt/slides/slide2.xml><?xml version="1.0" encoding="utf-8"?>
-<p:sld xmlns:a="http://schemas.openxmlformats.org/drawingml/2006/main" xmlns:r="http://schemas.openxmlformats.org/officeDocument/2006/relationships" xmlns:p="http://schemas.openxmlformats.org/presentationml/2006/main">
-  <p:cSld>
-    <p:spTree>
-      <p:nvGrpSpPr>
-        <p:cNvPr id="1" name=""/>
-        <p:cNvGrpSpPr/>
-        <p:nvPr/>
-      </p:nvGrpSpPr>
-      <p:grpSpPr>
-        <a:xfrm>
-          <a:off x="0" y="0"/>
-          <a:ext cx="0" cy="0"/>
-          <a:chOff x="0" y="0"/>
-          <a:chExt cx="0" cy="0"/>
-        </a:xfrm>
-      </p:grpSpPr>
-      <p:pic>
-        <p:nvPicPr>
-          <p:cNvPr id="48" name="Picture 47">
-            <a:extLst>
-              <a:ext uri="{FF2B5EF4-FFF2-40B4-BE49-F238E27FC236}">
-                <a16:creationId xmlns:a16="http://schemas.microsoft.com/office/drawing/2014/main" id="{F82BF298-420D-4FDD-B8CE-ADA8EEA4C395}"/>
-              </a:ext>
-            </a:extLst>
-          </p:cNvPr>
-          <p:cNvPicPr>
-            <a:picLocks noChangeAspect="1"/>
-          </p:cNvPicPr>
-          <p:nvPr/>
-        </p:nvPicPr>
-        <p:blipFill>
-          <a:blip r:embed="rId2"/>
-          <a:stretch>
-            <a:fillRect/>
-          </a:stretch>
-        </p:blipFill>
-        <p:spPr>
-          <a:xfrm>
-            <a:off x="117013" y="681037"/>
-            <a:ext cx="5122994" cy="5999697"/>
-          </a:xfrm>
-          <a:prstGeom prst="rect">
-            <a:avLst/>
-          </a:prstGeom>
-        </p:spPr>
-      </p:pic>
-      <p:sp>
-        <p:nvSpPr>
-          <p:cNvPr id="2" name="Title 1">
-            <a:extLst>
-              <a:ext uri="{FF2B5EF4-FFF2-40B4-BE49-F238E27FC236}">
-                <a16:creationId xmlns:a16="http://schemas.microsoft.com/office/drawing/2014/main" id="{8EDDC412-877C-4510-B156-A22697AAD67E}"/>
-              </a:ext>
-            </a:extLst>
-          </p:cNvPr>
-          <p:cNvSpPr>
-            <a:spLocks noGrp="1"/>
-          </p:cNvSpPr>
-          <p:nvPr>
-            <p:ph type="title"/>
-          </p:nvPr>
-        </p:nvSpPr>
-        <p:spPr>
-          <a:xfrm>
-            <a:off x="838200" y="198669"/>
-            <a:ext cx="10515600" cy="482368"/>
-          </a:xfrm>
-        </p:spPr>
-        <p:txBody>
-          <a:bodyPr>
-            <a:normAutofit fontScale="90000"/>
-          </a:bodyPr>
-          <a:lstStyle/>
-          <a:p>
-            <a:r>
-              <a:rPr lang="en-GB" sz="3200" dirty="0"/>
-              <a:t>Most views are generated automatically from the underlying record</a:t>
-            </a:r>
-          </a:p>
-        </p:txBody>
-      </p:sp>
-      <p:pic>
-        <p:nvPicPr>
-          <p:cNvPr id="10" name="Picture 9">
-            <a:extLst>
-              <a:ext uri="{FF2B5EF4-FFF2-40B4-BE49-F238E27FC236}">
-                <a16:creationId xmlns:a16="http://schemas.microsoft.com/office/drawing/2014/main" id="{187FAC00-4612-4441-B665-1578F947A423}"/>
-              </a:ext>
-            </a:extLst>
-          </p:cNvPr>
-          <p:cNvPicPr>
-            <a:picLocks noChangeAspect="1"/>
-          </p:cNvPicPr>
-          <p:nvPr/>
-        </p:nvPicPr>
-        <p:blipFill>
-          <a:blip r:embed="rId3"/>
-          <a:stretch>
-            <a:fillRect/>
-          </a:stretch>
-        </p:blipFill>
-        <p:spPr>
-          <a:xfrm>
-            <a:off x="5553075" y="1455982"/>
-            <a:ext cx="6638925" cy="3648075"/>
-          </a:xfrm>
-          <a:prstGeom prst="rect">
-            <a:avLst/>
-          </a:prstGeom>
-        </p:spPr>
-      </p:pic>
-      <p:grpSp>
-        <p:nvGrpSpPr>
-          <p:cNvPr id="5" name="Group 4">
-            <a:extLst>
-              <a:ext uri="{FF2B5EF4-FFF2-40B4-BE49-F238E27FC236}">
-                <a16:creationId xmlns:a16="http://schemas.microsoft.com/office/drawing/2014/main" id="{CF4DACAB-2F31-4851-92D8-F332559B4D79}"/>
-              </a:ext>
-            </a:extLst>
-          </p:cNvPr>
-          <p:cNvGrpSpPr/>
-          <p:nvPr/>
-        </p:nvGrpSpPr>
-        <p:grpSpPr>
-          <a:xfrm>
-            <a:off x="6487888" y="745344"/>
-            <a:ext cx="4519745" cy="1266336"/>
-            <a:chOff x="2431908" y="1455983"/>
-            <a:chExt cx="4519745" cy="1266336"/>
-          </a:xfrm>
-        </p:grpSpPr>
-        <p:sp>
-          <p:nvSpPr>
-            <p:cNvPr id="6" name="TextBox 5">
-              <a:extLst>
-                <a:ext uri="{FF2B5EF4-FFF2-40B4-BE49-F238E27FC236}">
-                  <a16:creationId xmlns:a16="http://schemas.microsoft.com/office/drawing/2014/main" id="{82AD786B-77AC-4F75-8C7B-04831E0E081E}"/>
-                </a:ext>
-              </a:extLst>
-            </p:cNvPr>
-            <p:cNvSpPr txBox="1"/>
-            <p:nvPr/>
-          </p:nvSpPr>
-          <p:spPr>
-            <a:xfrm>
-              <a:off x="3655992" y="1455983"/>
-              <a:ext cx="3295661" cy="830997"/>
-            </a:xfrm>
-            <a:prstGeom prst="rect">
-              <a:avLst/>
-            </a:prstGeom>
-            <a:solidFill>
-              <a:schemeClr val="bg1"/>
-            </a:solidFill>
-            <a:ln w="28575">
-              <a:solidFill>
-                <a:schemeClr val="accent1"/>
-              </a:solidFill>
-            </a:ln>
-          </p:spPr>
-          <p:txBody>
-            <a:bodyPr wrap="square" rtlCol="0">
-              <a:spAutoFit/>
-            </a:bodyPr>
-            <a:lstStyle/>
-            <a:p>
-              <a:r>
-                <a:rPr lang="en-GB" sz="1200" dirty="0">
-                  <a:solidFill>
-                    <a:srgbClr val="FF0000"/>
-                  </a:solidFill>
-                </a:rPr>
-                <a:t>A record (in C# 9) is an immutable class. Properties have an </a:t>
-              </a:r>
-              <a:r>
-                <a:rPr lang="en-GB" sz="1100" dirty="0" err="1">
-                  <a:latin typeface="Consolas" panose="020B0609020204030204" pitchFamily="49" charset="0"/>
-                </a:rPr>
-                <a:t>init</a:t>
-              </a:r>
-              <a:r>
-                <a:rPr lang="en-GB" sz="1200" dirty="0">
-                  <a:solidFill>
-                    <a:srgbClr val="FF0000"/>
-                  </a:solidFill>
-                </a:rPr>
-                <a:t> rather than a </a:t>
-              </a:r>
-              <a:r>
-                <a:rPr lang="en-GB" sz="1100" dirty="0">
-                  <a:latin typeface="Consolas" panose="020B0609020204030204" pitchFamily="49" charset="0"/>
-                </a:rPr>
-                <a:t>set</a:t>
-              </a:r>
-              <a:r>
-                <a:rPr lang="en-GB" sz="1200" dirty="0">
-                  <a:solidFill>
-                    <a:srgbClr val="FF0000"/>
-                  </a:solidFill>
-                </a:rPr>
-                <a:t>, which means the property may only be </a:t>
-              </a:r>
-              <a:r>
-                <a:rPr lang="en-GB" sz="1200">
-                  <a:solidFill>
-                    <a:srgbClr val="FF0000"/>
-                  </a:solidFill>
-                </a:rPr>
-                <a:t>set when constructing the object.</a:t>
-              </a:r>
-              <a:endParaRPr lang="en-GB" sz="1200" dirty="0">
-                <a:solidFill>
-                  <a:srgbClr val="FF0000"/>
-                </a:solidFill>
-              </a:endParaRPr>
-            </a:p>
-          </p:txBody>
-        </p:sp>
-        <p:cxnSp>
-          <p:nvCxnSpPr>
-            <p:cNvPr id="7" name="Straight Arrow Connector 6">
-              <a:extLst>
-                <a:ext uri="{FF2B5EF4-FFF2-40B4-BE49-F238E27FC236}">
-                  <a16:creationId xmlns:a16="http://schemas.microsoft.com/office/drawing/2014/main" id="{7CF528E7-3C51-41CD-87B7-F0A50EE16C4F}"/>
-                </a:ext>
-              </a:extLst>
-            </p:cNvPr>
-            <p:cNvCxnSpPr>
-              <a:cxnSpLocks/>
-              <a:stCxn id="6" idx="2"/>
-            </p:cNvCxnSpPr>
-            <p:nvPr/>
-          </p:nvCxnSpPr>
-          <p:spPr>
-            <a:xfrm flipH="1">
-              <a:off x="5131563" y="2286980"/>
-              <a:ext cx="172260" cy="435339"/>
-            </a:xfrm>
-            <a:prstGeom prst="straightConnector1">
-              <a:avLst/>
-            </a:prstGeom>
-            <a:ln w="28575">
-              <a:tailEnd type="triangle"/>
-            </a:ln>
-          </p:spPr>
-          <p:style>
-            <a:lnRef idx="1">
-              <a:schemeClr val="accent1"/>
-            </a:lnRef>
-            <a:fillRef idx="0">
-              <a:schemeClr val="accent1"/>
-            </a:fillRef>
-            <a:effectRef idx="0">
-              <a:schemeClr val="accent1"/>
-            </a:effectRef>
-            <a:fontRef idx="minor">
-              <a:schemeClr val="tx1"/>
-            </a:fontRef>
-          </p:style>
-        </p:cxnSp>
-        <p:cxnSp>
-          <p:nvCxnSpPr>
-            <p:cNvPr id="8" name="Straight Arrow Connector 7">
-              <a:extLst>
-                <a:ext uri="{FF2B5EF4-FFF2-40B4-BE49-F238E27FC236}">
-                  <a16:creationId xmlns:a16="http://schemas.microsoft.com/office/drawing/2014/main" id="{861208DE-3434-414B-BE86-DDA72A99E646}"/>
-                </a:ext>
-              </a:extLst>
-            </p:cNvPr>
-            <p:cNvCxnSpPr>
-              <a:cxnSpLocks/>
-              <a:stCxn id="6" idx="1"/>
-            </p:cNvCxnSpPr>
-            <p:nvPr/>
-          </p:nvCxnSpPr>
-          <p:spPr>
-            <a:xfrm flipH="1">
-              <a:off x="2431908" y="1871482"/>
-              <a:ext cx="1224084" cy="295139"/>
-            </a:xfrm>
-            <a:prstGeom prst="straightConnector1">
-              <a:avLst/>
-            </a:prstGeom>
-            <a:ln w="28575">
-              <a:tailEnd type="triangle"/>
-            </a:ln>
-          </p:spPr>
-          <p:style>
-            <a:lnRef idx="1">
-              <a:schemeClr val="accent1"/>
-            </a:lnRef>
-            <a:fillRef idx="0">
-              <a:schemeClr val="accent1"/>
-            </a:fillRef>
-            <a:effectRef idx="0">
-              <a:schemeClr val="accent1"/>
-            </a:effectRef>
-            <a:fontRef idx="minor">
-              <a:schemeClr val="tx1"/>
-            </a:fontRef>
-          </p:style>
-        </p:cxnSp>
-      </p:grpSp>
-    </p:spTree>
-    <p:extLst>
-      <p:ext uri="{BB962C8B-B14F-4D97-AF65-F5344CB8AC3E}">
-        <p14:creationId xmlns:p14="http://schemas.microsoft.com/office/powerpoint/2010/main" val="1390112203"/>
-      </p:ext>
-    </p:extLst>
-  </p:cSld>
-  <p:clrMapOvr>
-    <a:masterClrMapping/>
-  </p:clrMapOvr>
-</p:sld>
-</file>
-
-<file path=ppt/slides/slide20.xml><?xml version="1.0" encoding="utf-8"?>
+<file path=ppt/slides/slide26.xml><?xml version="1.0" encoding="utf-8"?>
 <p:sld xmlns:a="http://schemas.openxmlformats.org/drawingml/2006/main" xmlns:r="http://schemas.openxmlformats.org/officeDocument/2006/relationships" xmlns:p="http://schemas.openxmlformats.org/presentationml/2006/main">
   <p:cSld>
     <p:spTree>
@@ -10850,7 +18521,7 @@
 </p:sld>
 </file>
 
-<file path=ppt/slides/slide21.xml><?xml version="1.0" encoding="utf-8"?>
+<file path=ppt/slides/slide27.xml><?xml version="1.0" encoding="utf-8"?>
 <p:sld xmlns:a="http://schemas.openxmlformats.org/drawingml/2006/main" xmlns:r="http://schemas.openxmlformats.org/officeDocument/2006/relationships" xmlns:p="http://schemas.openxmlformats.org/presentationml/2006/main">
   <p:cSld>
     <p:spTree>
